--- a/AuraBI_theautonomousagent.pptx
+++ b/AuraBI_theautonomousagent.pptx
@@ -10,7 +10,13 @@
     <p:sldId id="258" r:id="rId4"/>
     <p:sldId id="259" r:id="rId5"/>
     <p:sldId id="260" r:id="rId6"/>
-    <p:sldId id="261" r:id="rId7"/>
+    <p:sldId id="262" r:id="rId7"/>
+    <p:sldId id="263" r:id="rId8"/>
+    <p:sldId id="264" r:id="rId9"/>
+    <p:sldId id="265" r:id="rId10"/>
+    <p:sldId id="266" r:id="rId11"/>
+    <p:sldId id="267" r:id="rId12"/>
+    <p:sldId id="261" r:id="rId13"/>
   </p:sldIdLst>
   <p:sldSz cx="12192000" cy="6858000"/>
   <p:notesSz cx="6858000" cy="9144000"/>
@@ -109,6 +115,11 @@
       </a:defRPr>
     </a:lvl9pPr>
   </p:defaultTextStyle>
+  <p:extLst>
+    <p:ext uri="{EFAFB233-063F-42B5-8137-9DF3F51BA10A}">
+      <p15:sldGuideLst xmlns:p15="http://schemas.microsoft.com/office/powerpoint/2012/main"/>
+    </p:ext>
+  </p:extLst>
 </p:presentation>
 </file>
 
@@ -3518,6 +3529,788 @@
       <a:schemeClr val="accent4"/>
       <a:schemeClr val="accent5"/>
       <a:schemeClr val="accent6"/>
+    </dgm:txFillClrLst>
+    <dgm:txEffectClrLst/>
+  </dgm:styleLbl>
+</dgm:colorsDef>
+</file>
+
+<file path=ppt/diagrams/colors5.xml><?xml version="1.0" encoding="utf-8"?>
+<dgm:colorsDef xmlns:dgm="http://schemas.openxmlformats.org/drawingml/2006/diagram" xmlns:a="http://schemas.openxmlformats.org/drawingml/2006/main" uniqueId="urn:microsoft.com/office/officeart/2005/8/colors/colorful2">
+  <dgm:title val=""/>
+  <dgm:desc val=""/>
+  <dgm:catLst>
+    <dgm:cat type="colorful" pri="10200"/>
+  </dgm:catLst>
+  <dgm:styleLbl name="node0">
+    <dgm:fillClrLst meth="repeat">
+      <a:schemeClr val="accent1"/>
+    </dgm:fillClrLst>
+    <dgm:linClrLst meth="repeat">
+      <a:schemeClr val="lt1"/>
+    </dgm:linClrLst>
+    <dgm:effectClrLst/>
+    <dgm:txLinClrLst/>
+    <dgm:txFillClrLst/>
+    <dgm:txEffectClrLst/>
+  </dgm:styleLbl>
+  <dgm:styleLbl name="node1">
+    <dgm:fillClrLst>
+      <a:schemeClr val="accent2"/>
+      <a:schemeClr val="accent3"/>
+    </dgm:fillClrLst>
+    <dgm:linClrLst meth="repeat">
+      <a:schemeClr val="lt1"/>
+    </dgm:linClrLst>
+    <dgm:effectClrLst/>
+    <dgm:txLinClrLst/>
+    <dgm:txFillClrLst/>
+    <dgm:txEffectClrLst/>
+  </dgm:styleLbl>
+  <dgm:styleLbl name="alignNode1">
+    <dgm:fillClrLst>
+      <a:schemeClr val="accent2"/>
+      <a:schemeClr val="accent3"/>
+    </dgm:fillClrLst>
+    <dgm:linClrLst>
+      <a:schemeClr val="accent2"/>
+      <a:schemeClr val="accent3"/>
+    </dgm:linClrLst>
+    <dgm:effectClrLst/>
+    <dgm:txLinClrLst/>
+    <dgm:txFillClrLst/>
+    <dgm:txEffectClrLst/>
+  </dgm:styleLbl>
+  <dgm:styleLbl name="lnNode1">
+    <dgm:fillClrLst>
+      <a:schemeClr val="accent2"/>
+      <a:schemeClr val="accent3"/>
+    </dgm:fillClrLst>
+    <dgm:linClrLst meth="repeat">
+      <a:schemeClr val="lt1"/>
+    </dgm:linClrLst>
+    <dgm:effectClrLst/>
+    <dgm:txLinClrLst/>
+    <dgm:txFillClrLst/>
+    <dgm:txEffectClrLst/>
+  </dgm:styleLbl>
+  <dgm:styleLbl name="vennNode1">
+    <dgm:fillClrLst>
+      <a:schemeClr val="accent2">
+        <a:alpha val="50000"/>
+      </a:schemeClr>
+      <a:schemeClr val="accent3">
+        <a:alpha val="50000"/>
+      </a:schemeClr>
+    </dgm:fillClrLst>
+    <dgm:linClrLst meth="repeat">
+      <a:schemeClr val="lt1"/>
+    </dgm:linClrLst>
+    <dgm:effectClrLst/>
+    <dgm:txLinClrLst/>
+    <dgm:txFillClrLst/>
+    <dgm:txEffectClrLst/>
+  </dgm:styleLbl>
+  <dgm:styleLbl name="node2">
+    <dgm:fillClrLst>
+      <a:schemeClr val="accent3"/>
+    </dgm:fillClrLst>
+    <dgm:linClrLst meth="repeat">
+      <a:schemeClr val="lt1"/>
+    </dgm:linClrLst>
+    <dgm:effectClrLst/>
+    <dgm:txLinClrLst/>
+    <dgm:txFillClrLst/>
+    <dgm:txEffectClrLst/>
+  </dgm:styleLbl>
+  <dgm:styleLbl name="node3">
+    <dgm:fillClrLst>
+      <a:schemeClr val="accent4"/>
+    </dgm:fillClrLst>
+    <dgm:linClrLst meth="repeat">
+      <a:schemeClr val="lt1"/>
+    </dgm:linClrLst>
+    <dgm:effectClrLst/>
+    <dgm:txLinClrLst/>
+    <dgm:txFillClrLst/>
+    <dgm:txEffectClrLst/>
+  </dgm:styleLbl>
+  <dgm:styleLbl name="node4">
+    <dgm:fillClrLst>
+      <a:schemeClr val="accent5"/>
+    </dgm:fillClrLst>
+    <dgm:linClrLst meth="repeat">
+      <a:schemeClr val="lt1"/>
+    </dgm:linClrLst>
+    <dgm:effectClrLst/>
+    <dgm:txLinClrLst/>
+    <dgm:txFillClrLst/>
+    <dgm:txEffectClrLst/>
+  </dgm:styleLbl>
+  <dgm:styleLbl name="fgImgPlace1">
+    <dgm:fillClrLst>
+      <a:schemeClr val="accent2">
+        <a:tint val="50000"/>
+      </a:schemeClr>
+      <a:schemeClr val="accent3">
+        <a:tint val="50000"/>
+      </a:schemeClr>
+    </dgm:fillClrLst>
+    <dgm:linClrLst meth="repeat">
+      <a:schemeClr val="lt1"/>
+    </dgm:linClrLst>
+    <dgm:effectClrLst/>
+    <dgm:txLinClrLst/>
+    <dgm:txFillClrLst meth="repeat">
+      <a:schemeClr val="lt1"/>
+    </dgm:txFillClrLst>
+    <dgm:txEffectClrLst/>
+  </dgm:styleLbl>
+  <dgm:styleLbl name="alignImgPlace1">
+    <dgm:fillClrLst>
+      <a:schemeClr val="accent2">
+        <a:tint val="50000"/>
+      </a:schemeClr>
+      <a:schemeClr val="accent3">
+        <a:tint val="20000"/>
+      </a:schemeClr>
+    </dgm:fillClrLst>
+    <dgm:linClrLst meth="repeat">
+      <a:schemeClr val="lt1"/>
+    </dgm:linClrLst>
+    <dgm:effectClrLst/>
+    <dgm:txLinClrLst/>
+    <dgm:txFillClrLst meth="repeat">
+      <a:schemeClr val="lt1"/>
+    </dgm:txFillClrLst>
+    <dgm:txEffectClrLst/>
+  </dgm:styleLbl>
+  <dgm:styleLbl name="bgImgPlace1">
+    <dgm:fillClrLst>
+      <a:schemeClr val="accent2">
+        <a:tint val="50000"/>
+      </a:schemeClr>
+      <a:schemeClr val="accent3">
+        <a:tint val="20000"/>
+      </a:schemeClr>
+    </dgm:fillClrLst>
+    <dgm:linClrLst meth="repeat">
+      <a:schemeClr val="lt1"/>
+    </dgm:linClrLst>
+    <dgm:effectClrLst/>
+    <dgm:txLinClrLst/>
+    <dgm:txFillClrLst meth="repeat">
+      <a:schemeClr val="lt1"/>
+    </dgm:txFillClrLst>
+    <dgm:txEffectClrLst/>
+  </dgm:styleLbl>
+  <dgm:styleLbl name="sibTrans2D1">
+    <dgm:fillClrLst>
+      <a:schemeClr val="accent2"/>
+      <a:schemeClr val="accent3"/>
+    </dgm:fillClrLst>
+    <dgm:linClrLst meth="repeat">
+      <a:schemeClr val="lt1"/>
+    </dgm:linClrLst>
+    <dgm:effectClrLst/>
+    <dgm:txLinClrLst/>
+    <dgm:txFillClrLst/>
+    <dgm:txEffectClrLst/>
+  </dgm:styleLbl>
+  <dgm:styleLbl name="fgSibTrans2D1">
+    <dgm:fillClrLst>
+      <a:schemeClr val="accent2"/>
+      <a:schemeClr val="accent3"/>
+    </dgm:fillClrLst>
+    <dgm:linClrLst meth="repeat">
+      <a:schemeClr val="lt1"/>
+    </dgm:linClrLst>
+    <dgm:effectClrLst/>
+    <dgm:txLinClrLst/>
+    <dgm:txFillClrLst meth="repeat">
+      <a:schemeClr val="lt1"/>
+    </dgm:txFillClrLst>
+    <dgm:txEffectClrLst/>
+  </dgm:styleLbl>
+  <dgm:styleLbl name="bgSibTrans2D1">
+    <dgm:fillClrLst>
+      <a:schemeClr val="accent2"/>
+      <a:schemeClr val="accent3"/>
+    </dgm:fillClrLst>
+    <dgm:linClrLst meth="repeat">
+      <a:schemeClr val="lt1"/>
+    </dgm:linClrLst>
+    <dgm:effectClrLst/>
+    <dgm:txLinClrLst/>
+    <dgm:txFillClrLst meth="repeat">
+      <a:schemeClr val="lt1"/>
+    </dgm:txFillClrLst>
+    <dgm:txEffectClrLst/>
+  </dgm:styleLbl>
+  <dgm:styleLbl name="sibTrans1D1">
+    <dgm:fillClrLst/>
+    <dgm:linClrLst>
+      <a:schemeClr val="accent2"/>
+      <a:schemeClr val="accent3"/>
+    </dgm:linClrLst>
+    <dgm:effectClrLst/>
+    <dgm:txLinClrLst/>
+    <dgm:txFillClrLst meth="repeat">
+      <a:schemeClr val="tx1"/>
+    </dgm:txFillClrLst>
+    <dgm:txEffectClrLst/>
+  </dgm:styleLbl>
+  <dgm:styleLbl name="callout">
+    <dgm:fillClrLst meth="repeat">
+      <a:schemeClr val="accent2"/>
+    </dgm:fillClrLst>
+    <dgm:linClrLst meth="repeat">
+      <a:schemeClr val="accent2">
+        <a:tint val="50000"/>
+      </a:schemeClr>
+    </dgm:linClrLst>
+    <dgm:effectClrLst/>
+    <dgm:txLinClrLst/>
+    <dgm:txFillClrLst meth="repeat">
+      <a:schemeClr val="tx1"/>
+    </dgm:txFillClrLst>
+    <dgm:txEffectClrLst/>
+  </dgm:styleLbl>
+  <dgm:styleLbl name="asst0">
+    <dgm:fillClrLst meth="repeat">
+      <a:schemeClr val="accent2"/>
+    </dgm:fillClrLst>
+    <dgm:linClrLst meth="repeat">
+      <a:schemeClr val="lt1">
+        <a:shade val="80000"/>
+      </a:schemeClr>
+    </dgm:linClrLst>
+    <dgm:effectClrLst/>
+    <dgm:txLinClrLst/>
+    <dgm:txFillClrLst/>
+    <dgm:txEffectClrLst/>
+  </dgm:styleLbl>
+  <dgm:styleLbl name="asst1">
+    <dgm:fillClrLst meth="repeat">
+      <a:schemeClr val="accent3"/>
+    </dgm:fillClrLst>
+    <dgm:linClrLst meth="repeat">
+      <a:schemeClr val="lt1">
+        <a:shade val="80000"/>
+      </a:schemeClr>
+    </dgm:linClrLst>
+    <dgm:effectClrLst/>
+    <dgm:txLinClrLst/>
+    <dgm:txFillClrLst/>
+    <dgm:txEffectClrLst/>
+  </dgm:styleLbl>
+  <dgm:styleLbl name="asst2">
+    <dgm:fillClrLst>
+      <a:schemeClr val="accent4"/>
+    </dgm:fillClrLst>
+    <dgm:linClrLst meth="repeat">
+      <a:schemeClr val="lt1"/>
+    </dgm:linClrLst>
+    <dgm:effectClrLst/>
+    <dgm:txLinClrLst/>
+    <dgm:txFillClrLst/>
+    <dgm:txEffectClrLst/>
+  </dgm:styleLbl>
+  <dgm:styleLbl name="asst3">
+    <dgm:fillClrLst>
+      <a:schemeClr val="accent5"/>
+    </dgm:fillClrLst>
+    <dgm:linClrLst meth="repeat">
+      <a:schemeClr val="lt1"/>
+    </dgm:linClrLst>
+    <dgm:effectClrLst/>
+    <dgm:txLinClrLst/>
+    <dgm:txFillClrLst/>
+    <dgm:txEffectClrLst/>
+  </dgm:styleLbl>
+  <dgm:styleLbl name="asst4">
+    <dgm:fillClrLst>
+      <a:schemeClr val="accent6"/>
+    </dgm:fillClrLst>
+    <dgm:linClrLst meth="repeat">
+      <a:schemeClr val="lt1"/>
+    </dgm:linClrLst>
+    <dgm:effectClrLst/>
+    <dgm:txLinClrLst/>
+    <dgm:txFillClrLst/>
+    <dgm:txEffectClrLst/>
+  </dgm:styleLbl>
+  <dgm:styleLbl name="parChTrans2D1">
+    <dgm:fillClrLst meth="repeat">
+      <a:schemeClr val="accent2"/>
+    </dgm:fillClrLst>
+    <dgm:linClrLst meth="repeat">
+      <a:schemeClr val="lt1"/>
+    </dgm:linClrLst>
+    <dgm:effectClrLst/>
+    <dgm:txLinClrLst/>
+    <dgm:txFillClrLst meth="repeat">
+      <a:schemeClr val="lt1"/>
+    </dgm:txFillClrLst>
+    <dgm:txEffectClrLst/>
+  </dgm:styleLbl>
+  <dgm:styleLbl name="parChTrans2D2">
+    <dgm:fillClrLst meth="repeat">
+      <a:schemeClr val="accent3"/>
+    </dgm:fillClrLst>
+    <dgm:linClrLst meth="repeat">
+      <a:schemeClr val="lt1"/>
+    </dgm:linClrLst>
+    <dgm:effectClrLst/>
+    <dgm:txLinClrLst/>
+    <dgm:txFillClrLst/>
+    <dgm:txEffectClrLst/>
+  </dgm:styleLbl>
+  <dgm:styleLbl name="parChTrans2D3">
+    <dgm:fillClrLst meth="repeat">
+      <a:schemeClr val="accent4"/>
+    </dgm:fillClrLst>
+    <dgm:linClrLst meth="repeat">
+      <a:schemeClr val="lt1"/>
+    </dgm:linClrLst>
+    <dgm:effectClrLst/>
+    <dgm:txLinClrLst/>
+    <dgm:txFillClrLst/>
+    <dgm:txEffectClrLst/>
+  </dgm:styleLbl>
+  <dgm:styleLbl name="parChTrans2D4">
+    <dgm:fillClrLst meth="repeat">
+      <a:schemeClr val="accent5"/>
+    </dgm:fillClrLst>
+    <dgm:linClrLst meth="repeat">
+      <a:schemeClr val="lt1"/>
+    </dgm:linClrLst>
+    <dgm:effectClrLst/>
+    <dgm:txLinClrLst/>
+    <dgm:txFillClrLst meth="repeat">
+      <a:schemeClr val="lt1"/>
+    </dgm:txFillClrLst>
+    <dgm:txEffectClrLst/>
+  </dgm:styleLbl>
+  <dgm:styleLbl name="parChTrans1D1">
+    <dgm:fillClrLst meth="repeat">
+      <a:schemeClr val="accent2"/>
+    </dgm:fillClrLst>
+    <dgm:linClrLst meth="repeat">
+      <a:schemeClr val="accent2"/>
+    </dgm:linClrLst>
+    <dgm:effectClrLst/>
+    <dgm:txLinClrLst/>
+    <dgm:txFillClrLst meth="repeat">
+      <a:schemeClr val="tx1"/>
+    </dgm:txFillClrLst>
+    <dgm:txEffectClrLst/>
+  </dgm:styleLbl>
+  <dgm:styleLbl name="parChTrans1D2">
+    <dgm:fillClrLst meth="repeat">
+      <a:schemeClr val="accent2">
+        <a:tint val="90000"/>
+      </a:schemeClr>
+    </dgm:fillClrLst>
+    <dgm:linClrLst meth="repeat">
+      <a:schemeClr val="accent3"/>
+    </dgm:linClrLst>
+    <dgm:effectClrLst/>
+    <dgm:txLinClrLst/>
+    <dgm:txFillClrLst meth="repeat">
+      <a:schemeClr val="tx1"/>
+    </dgm:txFillClrLst>
+    <dgm:txEffectClrLst/>
+  </dgm:styleLbl>
+  <dgm:styleLbl name="parChTrans1D3">
+    <dgm:fillClrLst meth="repeat">
+      <a:schemeClr val="accent2">
+        <a:tint val="70000"/>
+      </a:schemeClr>
+    </dgm:fillClrLst>
+    <dgm:linClrLst meth="repeat">
+      <a:schemeClr val="accent4"/>
+    </dgm:linClrLst>
+    <dgm:effectClrLst/>
+    <dgm:txLinClrLst/>
+    <dgm:txFillClrLst meth="repeat">
+      <a:schemeClr val="tx1"/>
+    </dgm:txFillClrLst>
+    <dgm:txEffectClrLst/>
+  </dgm:styleLbl>
+  <dgm:styleLbl name="parChTrans1D4">
+    <dgm:fillClrLst meth="repeat">
+      <a:schemeClr val="accent2">
+        <a:tint val="50000"/>
+      </a:schemeClr>
+    </dgm:fillClrLst>
+    <dgm:linClrLst meth="repeat">
+      <a:schemeClr val="accent5"/>
+    </dgm:linClrLst>
+    <dgm:effectClrLst/>
+    <dgm:txLinClrLst/>
+    <dgm:txFillClrLst meth="repeat">
+      <a:schemeClr val="tx1"/>
+    </dgm:txFillClrLst>
+    <dgm:txEffectClrLst/>
+  </dgm:styleLbl>
+  <dgm:styleLbl name="fgAcc1">
+    <dgm:fillClrLst meth="repeat">
+      <a:schemeClr val="lt1">
+        <a:alpha val="90000"/>
+      </a:schemeClr>
+    </dgm:fillClrLst>
+    <dgm:linClrLst>
+      <a:schemeClr val="accent2"/>
+      <a:schemeClr val="accent3"/>
+    </dgm:linClrLst>
+    <dgm:effectClrLst/>
+    <dgm:txLinClrLst/>
+    <dgm:txFillClrLst meth="repeat">
+      <a:schemeClr val="dk1"/>
+    </dgm:txFillClrLst>
+    <dgm:txEffectClrLst/>
+  </dgm:styleLbl>
+  <dgm:styleLbl name="conFgAcc1">
+    <dgm:fillClrLst meth="repeat">
+      <a:schemeClr val="lt1">
+        <a:alpha val="90000"/>
+      </a:schemeClr>
+    </dgm:fillClrLst>
+    <dgm:linClrLst>
+      <a:schemeClr val="accent2"/>
+      <a:schemeClr val="accent3"/>
+    </dgm:linClrLst>
+    <dgm:effectClrLst/>
+    <dgm:txLinClrLst/>
+    <dgm:txFillClrLst meth="repeat">
+      <a:schemeClr val="dk1"/>
+    </dgm:txFillClrLst>
+    <dgm:txEffectClrLst/>
+  </dgm:styleLbl>
+  <dgm:styleLbl name="alignAcc1">
+    <dgm:fillClrLst meth="repeat">
+      <a:schemeClr val="lt1">
+        <a:alpha val="90000"/>
+      </a:schemeClr>
+    </dgm:fillClrLst>
+    <dgm:linClrLst>
+      <a:schemeClr val="accent2"/>
+      <a:schemeClr val="accent3"/>
+    </dgm:linClrLst>
+    <dgm:effectClrLst/>
+    <dgm:txLinClrLst/>
+    <dgm:txFillClrLst meth="repeat">
+      <a:schemeClr val="dk1"/>
+    </dgm:txFillClrLst>
+    <dgm:txEffectClrLst/>
+  </dgm:styleLbl>
+  <dgm:styleLbl name="trAlignAcc1">
+    <dgm:fillClrLst meth="repeat">
+      <a:schemeClr val="lt1">
+        <a:alpha val="40000"/>
+      </a:schemeClr>
+    </dgm:fillClrLst>
+    <dgm:linClrLst meth="repeat">
+      <a:schemeClr val="accent2"/>
+    </dgm:linClrLst>
+    <dgm:effectClrLst/>
+    <dgm:txLinClrLst/>
+    <dgm:txFillClrLst meth="repeat">
+      <a:schemeClr val="dk1"/>
+    </dgm:txFillClrLst>
+    <dgm:txEffectClrLst/>
+  </dgm:styleLbl>
+  <dgm:styleLbl name="bgAcc1">
+    <dgm:fillClrLst meth="repeat">
+      <a:schemeClr val="lt1">
+        <a:alpha val="90000"/>
+      </a:schemeClr>
+    </dgm:fillClrLst>
+    <dgm:linClrLst>
+      <a:schemeClr val="accent2"/>
+      <a:schemeClr val="accent3"/>
+    </dgm:linClrLst>
+    <dgm:effectClrLst/>
+    <dgm:txLinClrLst/>
+    <dgm:txFillClrLst meth="repeat">
+      <a:schemeClr val="dk1"/>
+    </dgm:txFillClrLst>
+    <dgm:txEffectClrLst/>
+  </dgm:styleLbl>
+  <dgm:styleLbl name="solidFgAcc1">
+    <dgm:fillClrLst meth="repeat">
+      <a:schemeClr val="lt1"/>
+    </dgm:fillClrLst>
+    <dgm:linClrLst>
+      <a:schemeClr val="accent2"/>
+      <a:schemeClr val="accent3"/>
+    </dgm:linClrLst>
+    <dgm:effectClrLst/>
+    <dgm:txLinClrLst/>
+    <dgm:txFillClrLst meth="repeat">
+      <a:schemeClr val="dk1"/>
+    </dgm:txFillClrLst>
+    <dgm:txEffectClrLst/>
+  </dgm:styleLbl>
+  <dgm:styleLbl name="solidAlignAcc1">
+    <dgm:fillClrLst meth="repeat">
+      <a:schemeClr val="lt1"/>
+    </dgm:fillClrLst>
+    <dgm:linClrLst>
+      <a:schemeClr val="accent2"/>
+      <a:schemeClr val="accent3"/>
+    </dgm:linClrLst>
+    <dgm:effectClrLst/>
+    <dgm:txLinClrLst/>
+    <dgm:txFillClrLst meth="repeat">
+      <a:schemeClr val="dk1"/>
+    </dgm:txFillClrLst>
+    <dgm:txEffectClrLst/>
+  </dgm:styleLbl>
+  <dgm:styleLbl name="solidBgAcc1">
+    <dgm:fillClrLst meth="repeat">
+      <a:schemeClr val="lt1"/>
+    </dgm:fillClrLst>
+    <dgm:linClrLst>
+      <a:schemeClr val="accent2"/>
+      <a:schemeClr val="accent3"/>
+    </dgm:linClrLst>
+    <dgm:effectClrLst/>
+    <dgm:txLinClrLst/>
+    <dgm:txFillClrLst meth="repeat">
+      <a:schemeClr val="dk1"/>
+    </dgm:txFillClrLst>
+    <dgm:txEffectClrLst/>
+  </dgm:styleLbl>
+  <dgm:styleLbl name="fgAccFollowNode1">
+    <dgm:fillClrLst>
+      <a:schemeClr val="accent2">
+        <a:tint val="40000"/>
+        <a:alpha val="90000"/>
+      </a:schemeClr>
+      <a:schemeClr val="accent3">
+        <a:tint val="40000"/>
+        <a:alpha val="90000"/>
+      </a:schemeClr>
+    </dgm:fillClrLst>
+    <dgm:linClrLst>
+      <a:schemeClr val="accent2">
+        <a:tint val="40000"/>
+        <a:alpha val="90000"/>
+      </a:schemeClr>
+      <a:schemeClr val="accent3">
+        <a:tint val="40000"/>
+        <a:alpha val="90000"/>
+      </a:schemeClr>
+    </dgm:linClrLst>
+    <dgm:effectClrLst/>
+    <dgm:txLinClrLst/>
+    <dgm:txFillClrLst meth="repeat">
+      <a:schemeClr val="dk1"/>
+    </dgm:txFillClrLst>
+    <dgm:txEffectClrLst/>
+  </dgm:styleLbl>
+  <dgm:styleLbl name="alignAccFollowNode1">
+    <dgm:fillClrLst>
+      <a:schemeClr val="accent2">
+        <a:tint val="40000"/>
+        <a:alpha val="90000"/>
+      </a:schemeClr>
+      <a:schemeClr val="accent3">
+        <a:tint val="40000"/>
+        <a:alpha val="90000"/>
+      </a:schemeClr>
+    </dgm:fillClrLst>
+    <dgm:linClrLst>
+      <a:schemeClr val="accent2">
+        <a:tint val="40000"/>
+        <a:alpha val="90000"/>
+      </a:schemeClr>
+      <a:schemeClr val="accent3">
+        <a:tint val="40000"/>
+        <a:alpha val="90000"/>
+      </a:schemeClr>
+    </dgm:linClrLst>
+    <dgm:effectClrLst/>
+    <dgm:txLinClrLst/>
+    <dgm:txFillClrLst meth="repeat">
+      <a:schemeClr val="dk1"/>
+    </dgm:txFillClrLst>
+    <dgm:txEffectClrLst/>
+  </dgm:styleLbl>
+  <dgm:styleLbl name="bgAccFollowNode1">
+    <dgm:fillClrLst>
+      <a:schemeClr val="accent2">
+        <a:tint val="40000"/>
+        <a:alpha val="90000"/>
+      </a:schemeClr>
+      <a:schemeClr val="accent3">
+        <a:tint val="40000"/>
+        <a:alpha val="90000"/>
+      </a:schemeClr>
+    </dgm:fillClrLst>
+    <dgm:linClrLst>
+      <a:schemeClr val="accent2">
+        <a:tint val="40000"/>
+        <a:alpha val="90000"/>
+      </a:schemeClr>
+      <a:schemeClr val="accent3">
+        <a:tint val="40000"/>
+        <a:alpha val="90000"/>
+      </a:schemeClr>
+    </dgm:linClrLst>
+    <dgm:effectClrLst/>
+    <dgm:txLinClrLst/>
+    <dgm:txFillClrLst meth="repeat">
+      <a:schemeClr val="dk1"/>
+    </dgm:txFillClrLst>
+    <dgm:txEffectClrLst/>
+  </dgm:styleLbl>
+  <dgm:styleLbl name="fgAcc0">
+    <dgm:fillClrLst meth="repeat">
+      <a:schemeClr val="lt1">
+        <a:alpha val="90000"/>
+      </a:schemeClr>
+    </dgm:fillClrLst>
+    <dgm:linClrLst>
+      <a:schemeClr val="accent1"/>
+    </dgm:linClrLst>
+    <dgm:effectClrLst/>
+    <dgm:txLinClrLst/>
+    <dgm:txFillClrLst meth="repeat">
+      <a:schemeClr val="dk1"/>
+    </dgm:txFillClrLst>
+    <dgm:txEffectClrLst/>
+  </dgm:styleLbl>
+  <dgm:styleLbl name="fgAcc2">
+    <dgm:fillClrLst meth="repeat">
+      <a:schemeClr val="lt1">
+        <a:alpha val="90000"/>
+      </a:schemeClr>
+    </dgm:fillClrLst>
+    <dgm:linClrLst>
+      <a:schemeClr val="accent3"/>
+    </dgm:linClrLst>
+    <dgm:effectClrLst/>
+    <dgm:txLinClrLst/>
+    <dgm:txFillClrLst meth="repeat">
+      <a:schemeClr val="dk1"/>
+    </dgm:txFillClrLst>
+    <dgm:txEffectClrLst/>
+  </dgm:styleLbl>
+  <dgm:styleLbl name="fgAcc3">
+    <dgm:fillClrLst meth="repeat">
+      <a:schemeClr val="lt1">
+        <a:alpha val="90000"/>
+      </a:schemeClr>
+    </dgm:fillClrLst>
+    <dgm:linClrLst>
+      <a:schemeClr val="accent4"/>
+    </dgm:linClrLst>
+    <dgm:effectClrLst/>
+    <dgm:txLinClrLst/>
+    <dgm:txFillClrLst meth="repeat">
+      <a:schemeClr val="dk1"/>
+    </dgm:txFillClrLst>
+    <dgm:txEffectClrLst/>
+  </dgm:styleLbl>
+  <dgm:styleLbl name="fgAcc4">
+    <dgm:fillClrLst meth="repeat">
+      <a:schemeClr val="lt1">
+        <a:alpha val="90000"/>
+      </a:schemeClr>
+    </dgm:fillClrLst>
+    <dgm:linClrLst>
+      <a:schemeClr val="accent5"/>
+    </dgm:linClrLst>
+    <dgm:effectClrLst/>
+    <dgm:txLinClrLst/>
+    <dgm:txFillClrLst meth="repeat">
+      <a:schemeClr val="dk1"/>
+    </dgm:txFillClrLst>
+    <dgm:txEffectClrLst/>
+  </dgm:styleLbl>
+  <dgm:styleLbl name="bgShp">
+    <dgm:fillClrLst meth="repeat">
+      <a:schemeClr val="accent2">
+        <a:tint val="40000"/>
+      </a:schemeClr>
+    </dgm:fillClrLst>
+    <dgm:linClrLst meth="repeat">
+      <a:schemeClr val="dk1"/>
+    </dgm:linClrLst>
+    <dgm:effectClrLst/>
+    <dgm:txLinClrLst/>
+    <dgm:txFillClrLst meth="repeat">
+      <a:schemeClr val="dk1"/>
+    </dgm:txFillClrLst>
+    <dgm:txEffectClrLst/>
+  </dgm:styleLbl>
+  <dgm:styleLbl name="dkBgShp">
+    <dgm:fillClrLst meth="repeat">
+      <a:schemeClr val="accent2">
+        <a:shade val="90000"/>
+      </a:schemeClr>
+    </dgm:fillClrLst>
+    <dgm:linClrLst meth="repeat">
+      <a:schemeClr val="dk1"/>
+    </dgm:linClrLst>
+    <dgm:effectClrLst/>
+    <dgm:txLinClrLst/>
+    <dgm:txFillClrLst meth="repeat">
+      <a:schemeClr val="lt1"/>
+    </dgm:txFillClrLst>
+    <dgm:txEffectClrLst/>
+  </dgm:styleLbl>
+  <dgm:styleLbl name="trBgShp">
+    <dgm:fillClrLst meth="repeat">
+      <a:schemeClr val="accent2">
+        <a:tint val="50000"/>
+        <a:alpha val="40000"/>
+      </a:schemeClr>
+    </dgm:fillClrLst>
+    <dgm:linClrLst meth="repeat">
+      <a:schemeClr val="accent2"/>
+    </dgm:linClrLst>
+    <dgm:effectClrLst/>
+    <dgm:txLinClrLst/>
+    <dgm:txFillClrLst meth="repeat">
+      <a:schemeClr val="lt1"/>
+    </dgm:txFillClrLst>
+    <dgm:txEffectClrLst/>
+  </dgm:styleLbl>
+  <dgm:styleLbl name="fgShp">
+    <dgm:fillClrLst meth="repeat">
+      <a:schemeClr val="accent2">
+        <a:tint val="40000"/>
+      </a:schemeClr>
+    </dgm:fillClrLst>
+    <dgm:linClrLst meth="repeat">
+      <a:schemeClr val="lt1"/>
+    </dgm:linClrLst>
+    <dgm:effectClrLst/>
+    <dgm:txLinClrLst/>
+    <dgm:txFillClrLst meth="repeat">
+      <a:schemeClr val="dk1"/>
+    </dgm:txFillClrLst>
+    <dgm:txEffectClrLst/>
+  </dgm:styleLbl>
+  <dgm:styleLbl name="revTx">
+    <dgm:fillClrLst meth="repeat">
+      <a:schemeClr val="lt1">
+        <a:alpha val="0"/>
+      </a:schemeClr>
+    </dgm:fillClrLst>
+    <dgm:linClrLst meth="repeat">
+      <a:schemeClr val="dk1">
+        <a:alpha val="0"/>
+      </a:schemeClr>
+    </dgm:linClrLst>
+    <dgm:effectClrLst/>
+    <dgm:txLinClrLst/>
+    <dgm:txFillClrLst meth="repeat">
+      <a:schemeClr val="tx1"/>
     </dgm:txFillClrLst>
     <dgm:txEffectClrLst/>
   </dgm:styleLbl>
@@ -3582,10 +4375,6 @@
         <a:bodyPr/>
         <a:lstStyle/>
         <a:p>
-          <a:r>
-            <a:rPr lang="en-US" dirty="0"/>
-            <a:t>Base44 </a:t>
-          </a:r>
           <a:r>
             <a:rPr lang="en-US" dirty="0" err="1"/>
             <a:t>ReactUI</a:t>
@@ -3669,12 +4458,8 @@
         <a:lstStyle/>
         <a:p>
           <a:r>
-            <a:rPr lang="en-US" dirty="0" err="1"/>
-            <a:t>FastAPI</a:t>
-          </a:r>
-          <a:r>
             <a:rPr lang="en-US" dirty="0"/>
-            <a:t> service </a:t>
+            <a:t>N8n webhook</a:t>
           </a:r>
           <a:endParaRPr lang="en-IN" dirty="0"/>
         </a:p>
@@ -3692,121 +4477,6 @@
       </dgm:t>
     </dgm:pt>
     <dgm:pt modelId="{BC910E46-24EA-4C8A-9663-B456C137A4E6}" type="sibTrans" cxnId="{8684E2A6-1B0D-4387-B5E3-AFBF1AC89F13}">
-      <dgm:prSet/>
-      <dgm:spPr/>
-      <dgm:t>
-        <a:bodyPr/>
-        <a:lstStyle/>
-        <a:p>
-          <a:endParaRPr lang="en-IN"/>
-        </a:p>
-      </dgm:t>
-    </dgm:pt>
-    <dgm:pt modelId="{7B14D9DB-E6C1-4150-A993-FAAD7A805D41}">
-      <dgm:prSet phldrT="[Text]" phldr="0"/>
-      <dgm:spPr/>
-      <dgm:t>
-        <a:bodyPr/>
-        <a:lstStyle/>
-        <a:p>
-          <a:r>
-            <a:rPr lang="en-US" dirty="0" err="1"/>
-            <a:t>LangChain</a:t>
-          </a:r>
-          <a:endParaRPr lang="en-IN" dirty="0"/>
-        </a:p>
-      </dgm:t>
-    </dgm:pt>
-    <dgm:pt modelId="{1A07850A-B7FB-41DA-AB3E-A16BEAA46120}" type="parTrans" cxnId="{E8AD9BE4-7806-464D-9571-F71F9921D0E6}">
-      <dgm:prSet/>
-      <dgm:spPr/>
-      <dgm:t>
-        <a:bodyPr/>
-        <a:lstStyle/>
-        <a:p>
-          <a:endParaRPr lang="en-IN"/>
-        </a:p>
-      </dgm:t>
-    </dgm:pt>
-    <dgm:pt modelId="{AF205A34-8E09-4DF3-8AD2-B5728BC991BF}" type="sibTrans" cxnId="{E8AD9BE4-7806-464D-9571-F71F9921D0E6}">
-      <dgm:prSet/>
-      <dgm:spPr/>
-      <dgm:t>
-        <a:bodyPr/>
-        <a:lstStyle/>
-        <a:p>
-          <a:endParaRPr lang="en-IN"/>
-        </a:p>
-      </dgm:t>
-    </dgm:pt>
-    <dgm:pt modelId="{69422DAA-1A14-4632-B3F3-6BD02EEE43A0}">
-      <dgm:prSet phldrT="[Text]" phldr="0"/>
-      <dgm:spPr/>
-      <dgm:t>
-        <a:bodyPr/>
-        <a:lstStyle/>
-        <a:p>
-          <a:r>
-            <a:rPr lang="en-US" dirty="0"/>
-            <a:t>Agent orchestration</a:t>
-          </a:r>
-          <a:endParaRPr lang="en-IN" dirty="0"/>
-        </a:p>
-      </dgm:t>
-    </dgm:pt>
-    <dgm:pt modelId="{D018B92C-1919-421D-A396-5FD45BD06702}" type="parTrans" cxnId="{E967B969-E9CA-49D3-BCB1-E1E062952A51}">
-      <dgm:prSet/>
-      <dgm:spPr/>
-      <dgm:t>
-        <a:bodyPr/>
-        <a:lstStyle/>
-        <a:p>
-          <a:endParaRPr lang="en-IN"/>
-        </a:p>
-      </dgm:t>
-    </dgm:pt>
-    <dgm:pt modelId="{0A0B4DE5-940F-4815-8192-326817DE21BF}" type="sibTrans" cxnId="{E967B969-E9CA-49D3-BCB1-E1E062952A51}">
-      <dgm:prSet/>
-      <dgm:spPr/>
-      <dgm:t>
-        <a:bodyPr/>
-        <a:lstStyle/>
-        <a:p>
-          <a:endParaRPr lang="en-IN"/>
-        </a:p>
-      </dgm:t>
-    </dgm:pt>
-    <dgm:pt modelId="{7F663B3C-5F3E-4ED0-AC8B-38C3FE62A9E1}">
-      <dgm:prSet phldrT="[Text]" phldr="0"/>
-      <dgm:spPr>
-        <a:solidFill>
-          <a:srgbClr val="E0A61D"/>
-        </a:solidFill>
-      </dgm:spPr>
-      <dgm:t>
-        <a:bodyPr/>
-        <a:lstStyle/>
-        <a:p>
-          <a:r>
-            <a:rPr lang="en-US"/>
-            <a:t>Hosted on Render</a:t>
-          </a:r>
-          <a:endParaRPr lang="en-IN" dirty="0"/>
-        </a:p>
-      </dgm:t>
-    </dgm:pt>
-    <dgm:pt modelId="{7D604E10-C392-4652-A0D6-614200D984D9}" type="parTrans" cxnId="{FAF7318B-2C8D-4432-B997-65E7029335FC}">
-      <dgm:prSet/>
-      <dgm:spPr/>
-      <dgm:t>
-        <a:bodyPr/>
-        <a:lstStyle/>
-        <a:p>
-          <a:endParaRPr lang="en-IN"/>
-        </a:p>
-      </dgm:t>
-    </dgm:pt>
-    <dgm:pt modelId="{8C9E1C62-E70F-48FA-BEA3-F0FAF9E89A62}" type="sibTrans" cxnId="{FAF7318B-2C8D-4432-B997-65E7029335FC}">
       <dgm:prSet/>
       <dgm:spPr/>
       <dgm:t>
@@ -3899,7 +4569,7 @@
         <a:lstStyle/>
         <a:p>
           <a:r>
-            <a:rPr lang="en-US"/>
+            <a:rPr lang="en-US" dirty="0"/>
             <a:t>Tools</a:t>
           </a:r>
           <a:endParaRPr lang="en-IN" dirty="0"/>
@@ -3936,7 +4606,7 @@
         <a:lstStyle/>
         <a:p>
           <a:r>
-            <a:rPr lang="en-US"/>
+            <a:rPr lang="en-US" dirty="0"/>
             <a:t>Gemini</a:t>
           </a:r>
           <a:endParaRPr lang="en-IN" dirty="0"/>
@@ -3973,8 +4643,8 @@
         <a:lstStyle/>
         <a:p>
           <a:r>
-            <a:rPr lang="en-US"/>
-            <a:t>Mailtrap</a:t>
+            <a:rPr lang="en-US" dirty="0" err="1"/>
+            <a:t>Supabase</a:t>
           </a:r>
           <a:endParaRPr lang="en-IN" dirty="0"/>
         </a:p>
@@ -4002,43 +4672,6 @@
         </a:p>
       </dgm:t>
     </dgm:pt>
-    <dgm:pt modelId="{D1267F3A-A3BB-4E55-92B7-25BEE7C9A863}">
-      <dgm:prSet phldrT="[Text]" phldr="0"/>
-      <dgm:spPr/>
-      <dgm:t>
-        <a:bodyPr/>
-        <a:lstStyle/>
-        <a:p>
-          <a:r>
-            <a:rPr lang="en-US"/>
-            <a:t>Pandas</a:t>
-          </a:r>
-          <a:endParaRPr lang="en-IN" dirty="0"/>
-        </a:p>
-      </dgm:t>
-    </dgm:pt>
-    <dgm:pt modelId="{260974D8-3828-4419-B139-9D820D83029A}" type="parTrans" cxnId="{C1B5C87B-85D6-478F-AA11-5C1707775525}">
-      <dgm:prSet/>
-      <dgm:spPr/>
-      <dgm:t>
-        <a:bodyPr/>
-        <a:lstStyle/>
-        <a:p>
-          <a:endParaRPr lang="en-IN"/>
-        </a:p>
-      </dgm:t>
-    </dgm:pt>
-    <dgm:pt modelId="{5CC9F369-EBD5-470D-9B02-077802E3CBA1}" type="sibTrans" cxnId="{C1B5C87B-85D6-478F-AA11-5C1707775525}">
-      <dgm:prSet/>
-      <dgm:spPr/>
-      <dgm:t>
-        <a:bodyPr/>
-        <a:lstStyle/>
-        <a:p>
-          <a:endParaRPr lang="en-IN"/>
-        </a:p>
-      </dgm:t>
-    </dgm:pt>
     <dgm:pt modelId="{F634C8F1-72F5-4AFE-A35A-27CE62F7AA11}">
       <dgm:prSet phldrT="[Text]" phldr="0"/>
       <dgm:spPr/>
@@ -4047,7 +4680,7 @@
         <a:lstStyle/>
         <a:p>
           <a:r>
-            <a:rPr lang="en-US"/>
+            <a:rPr lang="en-US" dirty="0"/>
             <a:t>Response</a:t>
           </a:r>
           <a:endParaRPr lang="en-IN" dirty="0"/>
@@ -4086,7 +4719,7 @@
       <dgm:spPr/>
     </dgm:pt>
     <dgm:pt modelId="{DA69CA60-4EA7-4427-A43D-A002D1E45625}" type="pres">
-      <dgm:prSet presAssocID="{DE208548-6B49-4B18-B7E7-4204BAFDCCC0}" presName="node" presStyleLbl="node1" presStyleIdx="0" presStyleCnt="6">
+      <dgm:prSet presAssocID="{DE208548-6B49-4B18-B7E7-4204BAFDCCC0}" presName="node" presStyleLbl="node1" presStyleIdx="0" presStyleCnt="5">
         <dgm:presLayoutVars>
           <dgm:bulletEnabled val="1"/>
         </dgm:presLayoutVars>
@@ -4094,15 +4727,15 @@
       <dgm:spPr/>
     </dgm:pt>
     <dgm:pt modelId="{A4962791-BB19-4619-9A2B-73A1E5B15F97}" type="pres">
-      <dgm:prSet presAssocID="{E88F23DB-0E03-4CE0-973F-A51FEFF1411D}" presName="sibTrans" presStyleLbl="sibTrans1D1" presStyleIdx="0" presStyleCnt="5"/>
+      <dgm:prSet presAssocID="{E88F23DB-0E03-4CE0-973F-A51FEFF1411D}" presName="sibTrans" presStyleLbl="sibTrans1D1" presStyleIdx="0" presStyleCnt="4"/>
       <dgm:spPr/>
     </dgm:pt>
     <dgm:pt modelId="{23C44C81-0167-4D51-92DA-C223CE054C91}" type="pres">
-      <dgm:prSet presAssocID="{E88F23DB-0E03-4CE0-973F-A51FEFF1411D}" presName="connectorText" presStyleLbl="sibTrans1D1" presStyleIdx="0" presStyleCnt="5"/>
+      <dgm:prSet presAssocID="{E88F23DB-0E03-4CE0-973F-A51FEFF1411D}" presName="connectorText" presStyleLbl="sibTrans1D1" presStyleIdx="0" presStyleCnt="4"/>
       <dgm:spPr/>
     </dgm:pt>
     <dgm:pt modelId="{1437BAF8-7E09-4579-9F3F-943CD8ACC643}" type="pres">
-      <dgm:prSet presAssocID="{4BC30CD0-EE2C-40DB-BFB9-E5CAE3A7336B}" presName="node" presStyleLbl="node1" presStyleIdx="1" presStyleCnt="6">
+      <dgm:prSet presAssocID="{4BC30CD0-EE2C-40DB-BFB9-E5CAE3A7336B}" presName="node" presStyleLbl="node1" presStyleIdx="1" presStyleCnt="5" custLinFactNeighborX="-1658" custLinFactNeighborY="564">
         <dgm:presLayoutVars>
           <dgm:bulletEnabled val="1"/>
         </dgm:presLayoutVars>
@@ -4110,31 +4743,15 @@
       <dgm:spPr/>
     </dgm:pt>
     <dgm:pt modelId="{AD2C73CB-4B53-4296-BD2E-A4F4E87FF7E3}" type="pres">
-      <dgm:prSet presAssocID="{15047ACC-0DA0-4E55-9195-C6A1738D81A4}" presName="sibTrans" presStyleLbl="sibTrans1D1" presStyleIdx="1" presStyleCnt="5"/>
+      <dgm:prSet presAssocID="{15047ACC-0DA0-4E55-9195-C6A1738D81A4}" presName="sibTrans" presStyleLbl="sibTrans1D1" presStyleIdx="1" presStyleCnt="4"/>
       <dgm:spPr/>
     </dgm:pt>
     <dgm:pt modelId="{E4B53334-8AE1-4CA8-A3F5-789CA534576E}" type="pres">
-      <dgm:prSet presAssocID="{15047ACC-0DA0-4E55-9195-C6A1738D81A4}" presName="connectorText" presStyleLbl="sibTrans1D1" presStyleIdx="1" presStyleCnt="5"/>
-      <dgm:spPr/>
-    </dgm:pt>
-    <dgm:pt modelId="{53698D13-16AB-4CE5-BE3C-683FE844D74F}" type="pres">
-      <dgm:prSet presAssocID="{7B14D9DB-E6C1-4150-A993-FAAD7A805D41}" presName="node" presStyleLbl="node1" presStyleIdx="2" presStyleCnt="6">
-        <dgm:presLayoutVars>
-          <dgm:bulletEnabled val="1"/>
-        </dgm:presLayoutVars>
-      </dgm:prSet>
-      <dgm:spPr/>
-    </dgm:pt>
-    <dgm:pt modelId="{C1731831-CE52-4FE5-A63C-629F9AAA1390}" type="pres">
-      <dgm:prSet presAssocID="{AF205A34-8E09-4DF3-8AD2-B5728BC991BF}" presName="sibTrans" presStyleLbl="sibTrans1D1" presStyleIdx="2" presStyleCnt="5"/>
-      <dgm:spPr/>
-    </dgm:pt>
-    <dgm:pt modelId="{1E8A6267-75A7-4BB4-9D83-F0A059B242BB}" type="pres">
-      <dgm:prSet presAssocID="{AF205A34-8E09-4DF3-8AD2-B5728BC991BF}" presName="connectorText" presStyleLbl="sibTrans1D1" presStyleIdx="2" presStyleCnt="5"/>
+      <dgm:prSet presAssocID="{15047ACC-0DA0-4E55-9195-C6A1738D81A4}" presName="connectorText" presStyleLbl="sibTrans1D1" presStyleIdx="1" presStyleCnt="4"/>
       <dgm:spPr/>
     </dgm:pt>
     <dgm:pt modelId="{01993737-F1A7-4330-8B86-A4276BADA294}" type="pres">
-      <dgm:prSet presAssocID="{D16944C9-0499-4961-8158-64288CB50966}" presName="node" presStyleLbl="node1" presStyleIdx="3" presStyleCnt="6">
+      <dgm:prSet presAssocID="{D16944C9-0499-4961-8158-64288CB50966}" presName="node" presStyleLbl="node1" presStyleIdx="2" presStyleCnt="5">
         <dgm:presLayoutVars>
           <dgm:bulletEnabled val="1"/>
         </dgm:presLayoutVars>
@@ -4142,15 +4759,15 @@
       <dgm:spPr/>
     </dgm:pt>
     <dgm:pt modelId="{A23E8CEF-3A71-492E-A51D-2E75469F8209}" type="pres">
-      <dgm:prSet presAssocID="{11BCD9D1-8D9A-4BDD-9AEB-4F56761049FD}" presName="sibTrans" presStyleLbl="sibTrans1D1" presStyleIdx="3" presStyleCnt="5"/>
+      <dgm:prSet presAssocID="{11BCD9D1-8D9A-4BDD-9AEB-4F56761049FD}" presName="sibTrans" presStyleLbl="sibTrans1D1" presStyleIdx="2" presStyleCnt="4"/>
       <dgm:spPr/>
     </dgm:pt>
     <dgm:pt modelId="{A716F484-5E2B-4DC1-A0AC-A1D0A48B47D5}" type="pres">
-      <dgm:prSet presAssocID="{11BCD9D1-8D9A-4BDD-9AEB-4F56761049FD}" presName="connectorText" presStyleLbl="sibTrans1D1" presStyleIdx="3" presStyleCnt="5"/>
+      <dgm:prSet presAssocID="{11BCD9D1-8D9A-4BDD-9AEB-4F56761049FD}" presName="connectorText" presStyleLbl="sibTrans1D1" presStyleIdx="2" presStyleCnt="4"/>
       <dgm:spPr/>
     </dgm:pt>
     <dgm:pt modelId="{A5E83872-5068-4290-9367-6DB7E271DA7D}" type="pres">
-      <dgm:prSet presAssocID="{CFE61687-1BC7-40BB-9749-820F5D868831}" presName="node" presStyleLbl="node1" presStyleIdx="4" presStyleCnt="6">
+      <dgm:prSet presAssocID="{CFE61687-1BC7-40BB-9749-820F5D868831}" presName="node" presStyleLbl="node1" presStyleIdx="3" presStyleCnt="5" custLinFactNeighborX="55836" custLinFactNeighborY="-3375">
         <dgm:presLayoutVars>
           <dgm:bulletEnabled val="1"/>
         </dgm:presLayoutVars>
@@ -4158,15 +4775,15 @@
       <dgm:spPr/>
     </dgm:pt>
     <dgm:pt modelId="{5E48F94D-4FC1-4C24-8C76-6CD02CEC0A9E}" type="pres">
-      <dgm:prSet presAssocID="{4F28AE7E-60C9-4C11-AD48-037F8C746C6B}" presName="sibTrans" presStyleLbl="sibTrans1D1" presStyleIdx="4" presStyleCnt="5"/>
+      <dgm:prSet presAssocID="{4F28AE7E-60C9-4C11-AD48-037F8C746C6B}" presName="sibTrans" presStyleLbl="sibTrans1D1" presStyleIdx="3" presStyleCnt="4"/>
       <dgm:spPr/>
     </dgm:pt>
     <dgm:pt modelId="{A04789C2-C083-4EB6-8536-C549C0A57BD5}" type="pres">
-      <dgm:prSet presAssocID="{4F28AE7E-60C9-4C11-AD48-037F8C746C6B}" presName="connectorText" presStyleLbl="sibTrans1D1" presStyleIdx="4" presStyleCnt="5"/>
+      <dgm:prSet presAssocID="{4F28AE7E-60C9-4C11-AD48-037F8C746C6B}" presName="connectorText" presStyleLbl="sibTrans1D1" presStyleIdx="3" presStyleCnt="4"/>
       <dgm:spPr/>
     </dgm:pt>
     <dgm:pt modelId="{14095838-C41D-4FCE-9E54-73A70C40DDCB}" type="pres">
-      <dgm:prSet presAssocID="{F634C8F1-72F5-4AFE-A35A-27CE62F7AA11}" presName="node" presStyleLbl="node1" presStyleIdx="5" presStyleCnt="6">
+      <dgm:prSet presAssocID="{F634C8F1-72F5-4AFE-A35A-27CE62F7AA11}" presName="node" presStyleLbl="node1" presStyleIdx="4" presStyleCnt="5" custLinFactNeighborX="68695" custLinFactNeighborY="-3375">
         <dgm:presLayoutVars>
           <dgm:bulletEnabled val="1"/>
         </dgm:presLayoutVars>
@@ -4176,43 +4793,33 @@
   </dgm:ptLst>
   <dgm:cxnLst>
     <dgm:cxn modelId="{30AEB401-C6CF-4DC6-9A3C-0647E78DF6A1}" type="presOf" srcId="{4F28AE7E-60C9-4C11-AD48-037F8C746C6B}" destId="{5E48F94D-4FC1-4C24-8C76-6CD02CEC0A9E}" srcOrd="0" destOrd="0" presId="urn:microsoft.com/office/officeart/2016/7/layout/RepeatingBendingProcessNew"/>
-    <dgm:cxn modelId="{82EFB30F-F6CF-4A24-BE51-2BFEF426B663}" srcId="{E61E1E27-3590-471D-85E5-525241731A61}" destId="{CFE61687-1BC7-40BB-9749-820F5D868831}" srcOrd="4" destOrd="0" parTransId="{7559E8EB-51E8-4B3C-B44E-4265EEC055D4}" sibTransId="{4F28AE7E-60C9-4C11-AD48-037F8C746C6B}"/>
+    <dgm:cxn modelId="{82EFB30F-F6CF-4A24-BE51-2BFEF426B663}" srcId="{E61E1E27-3590-471D-85E5-525241731A61}" destId="{CFE61687-1BC7-40BB-9749-820F5D868831}" srcOrd="3" destOrd="0" parTransId="{7559E8EB-51E8-4B3C-B44E-4265EEC055D4}" sibTransId="{4F28AE7E-60C9-4C11-AD48-037F8C746C6B}"/>
     <dgm:cxn modelId="{37326415-1CE3-4132-97EE-1D7850F9F37B}" type="presOf" srcId="{CFE61687-1BC7-40BB-9749-820F5D868831}" destId="{A5E83872-5068-4290-9367-6DB7E271DA7D}" srcOrd="0" destOrd="0" presId="urn:microsoft.com/office/officeart/2016/7/layout/RepeatingBendingProcessNew"/>
     <dgm:cxn modelId="{9C44001D-07EC-4C56-975B-16648E3B865D}" srcId="{D16944C9-0499-4961-8158-64288CB50966}" destId="{BB830666-0CE6-499C-8F48-4E0DAF756193}" srcOrd="0" destOrd="0" parTransId="{295D6203-5673-4241-9701-895720A308DF}" sibTransId="{9EAE3872-C73F-43F9-855B-9E2DCE53BB0B}"/>
     <dgm:cxn modelId="{406CA523-2E45-4074-902C-340F276D7A43}" type="presOf" srcId="{DA3ABD26-F0D0-409E-8572-3A319A9E33AC}" destId="{A5E83872-5068-4290-9367-6DB7E271DA7D}" srcOrd="0" destOrd="1" presId="urn:microsoft.com/office/officeart/2016/7/layout/RepeatingBendingProcessNew"/>
     <dgm:cxn modelId="{6D92D423-5E1F-4F46-ABC6-0C01DC27548B}" type="presOf" srcId="{DE208548-6B49-4B18-B7E7-4204BAFDCCC0}" destId="{DA69CA60-4EA7-4427-A43D-A002D1E45625}" srcOrd="0" destOrd="0" presId="urn:microsoft.com/office/officeart/2016/7/layout/RepeatingBendingProcessNew"/>
-    <dgm:cxn modelId="{69B8C324-B515-4F89-B993-68B1EF3078D1}" type="presOf" srcId="{D1267F3A-A3BB-4E55-92B7-25BEE7C9A863}" destId="{A5E83872-5068-4290-9367-6DB7E271DA7D}" srcOrd="0" destOrd="3" presId="urn:microsoft.com/office/officeart/2016/7/layout/RepeatingBendingProcessNew"/>
     <dgm:cxn modelId="{BBACE12A-35EB-488D-96E3-ABE6DB698A67}" srcId="{E61E1E27-3590-471D-85E5-525241731A61}" destId="{4BC30CD0-EE2C-40DB-BFB9-E5CAE3A7336B}" srcOrd="1" destOrd="0" parTransId="{838B17E9-338A-4843-A260-5A9E0BB8A210}" sibTransId="{15047ACC-0DA0-4E55-9195-C6A1738D81A4}"/>
     <dgm:cxn modelId="{A6746F32-41C6-4024-B6EB-F9248FAC88FC}" srcId="{DE208548-6B49-4B18-B7E7-4204BAFDCCC0}" destId="{D3CD4836-E6E1-48A9-90B1-48C6A46283B1}" srcOrd="0" destOrd="0" parTransId="{74477D6E-AB00-43A9-A717-325952ECB4E0}" sibTransId="{48ABADF7-1C4D-4C2B-B3F5-E620F63296E2}"/>
     <dgm:cxn modelId="{3CE4AC37-03BF-448A-9BF1-9C0D2B6F8EEB}" srcId="{CFE61687-1BC7-40BB-9749-820F5D868831}" destId="{E02975D1-5EF2-4D88-B462-CD3D8F408980}" srcOrd="1" destOrd="0" parTransId="{914ED644-1E73-47C7-841A-8DBC2F3728E1}" sibTransId="{B694F190-A7FF-41C5-A71C-7D0C088EB096}"/>
     <dgm:cxn modelId="{0BAE745B-CC07-43F0-BEAE-133F9AEF1A87}" type="presOf" srcId="{E02975D1-5EF2-4D88-B462-CD3D8F408980}" destId="{A5E83872-5068-4290-9367-6DB7E271DA7D}" srcOrd="0" destOrd="2" presId="urn:microsoft.com/office/officeart/2016/7/layout/RepeatingBendingProcessNew"/>
     <dgm:cxn modelId="{DAB90B41-3689-4218-B810-D1BDFCE8F240}" type="presOf" srcId="{E61E1E27-3590-471D-85E5-525241731A61}" destId="{3BC7071A-14B3-4C73-A7D4-EEAEF7502470}" srcOrd="0" destOrd="0" presId="urn:microsoft.com/office/officeart/2016/7/layout/RepeatingBendingProcessNew"/>
-    <dgm:cxn modelId="{E967B969-E9CA-49D3-BCB1-E1E062952A51}" srcId="{7B14D9DB-E6C1-4150-A993-FAAD7A805D41}" destId="{69422DAA-1A14-4632-B3F3-6BD02EEE43A0}" srcOrd="0" destOrd="0" parTransId="{D018B92C-1919-421D-A396-5FD45BD06702}" sibTransId="{0A0B4DE5-940F-4815-8192-326817DE21BF}"/>
-    <dgm:cxn modelId="{7D82B755-FEE4-4203-B3E1-BD6860746379}" type="presOf" srcId="{AF205A34-8E09-4DF3-8AD2-B5728BC991BF}" destId="{1E8A6267-75A7-4BB4-9D83-F0A059B242BB}" srcOrd="1" destOrd="0" presId="urn:microsoft.com/office/officeart/2016/7/layout/RepeatingBendingProcessNew"/>
     <dgm:cxn modelId="{0D007777-158A-4EC8-AEDF-CA112087EE09}" type="presOf" srcId="{E88F23DB-0E03-4CE0-973F-A51FEFF1411D}" destId="{A4962791-BB19-4619-9A2B-73A1E5B15F97}" srcOrd="0" destOrd="0" presId="urn:microsoft.com/office/officeart/2016/7/layout/RepeatingBendingProcessNew"/>
-    <dgm:cxn modelId="{86E27558-CA82-4B72-8843-4085AAEDA73B}" srcId="{E61E1E27-3590-471D-85E5-525241731A61}" destId="{D16944C9-0499-4961-8158-64288CB50966}" srcOrd="3" destOrd="0" parTransId="{A175E9AA-FF63-4118-9EC9-F349508A44DC}" sibTransId="{11BCD9D1-8D9A-4BDD-9AEB-4F56761049FD}"/>
-    <dgm:cxn modelId="{C1B5C87B-85D6-478F-AA11-5C1707775525}" srcId="{CFE61687-1BC7-40BB-9749-820F5D868831}" destId="{D1267F3A-A3BB-4E55-92B7-25BEE7C9A863}" srcOrd="2" destOrd="0" parTransId="{260974D8-3828-4419-B139-9D820D83029A}" sibTransId="{5CC9F369-EBD5-470D-9B02-077802E3CBA1}"/>
+    <dgm:cxn modelId="{86E27558-CA82-4B72-8843-4085AAEDA73B}" srcId="{E61E1E27-3590-471D-85E5-525241731A61}" destId="{D16944C9-0499-4961-8158-64288CB50966}" srcOrd="2" destOrd="0" parTransId="{A175E9AA-FF63-4118-9EC9-F349508A44DC}" sibTransId="{11BCD9D1-8D9A-4BDD-9AEB-4F56761049FD}"/>
     <dgm:cxn modelId="{D3D6727E-06C1-47DD-A625-95772CABFC46}" type="presOf" srcId="{15047ACC-0DA0-4E55-9195-C6A1738D81A4}" destId="{E4B53334-8AE1-4CA8-A3F5-789CA534576E}" srcOrd="1" destOrd="0" presId="urn:microsoft.com/office/officeart/2016/7/layout/RepeatingBendingProcessNew"/>
     <dgm:cxn modelId="{A3CC5A81-0DF2-4951-B3C4-142CDF4FE04F}" type="presOf" srcId="{D3CD4836-E6E1-48A9-90B1-48C6A46283B1}" destId="{DA69CA60-4EA7-4427-A43D-A002D1E45625}" srcOrd="0" destOrd="1" presId="urn:microsoft.com/office/officeart/2016/7/layout/RepeatingBendingProcessNew"/>
     <dgm:cxn modelId="{3918BD81-025C-4F5F-A1E2-11D1D985C631}" type="presOf" srcId="{1108C858-6D97-4BCD-A7EB-01A6BA13F969}" destId="{1437BAF8-7E09-4579-9F3F-943CD8ACC643}" srcOrd="0" destOrd="1" presId="urn:microsoft.com/office/officeart/2016/7/layout/RepeatingBendingProcessNew"/>
-    <dgm:cxn modelId="{FAF7318B-2C8D-4432-B997-65E7029335FC}" srcId="{4BC30CD0-EE2C-40DB-BFB9-E5CAE3A7336B}" destId="{7F663B3C-5F3E-4ED0-AC8B-38C3FE62A9E1}" srcOrd="1" destOrd="0" parTransId="{7D604E10-C392-4652-A0D6-614200D984D9}" sibTransId="{8C9E1C62-E70F-48FA-BEA3-F0FAF9E89A62}"/>
     <dgm:cxn modelId="{313CE08D-1A29-4428-A18C-F457434D9AA7}" type="presOf" srcId="{D16944C9-0499-4961-8158-64288CB50966}" destId="{01993737-F1A7-4330-8B86-A4276BADA294}" srcOrd="0" destOrd="0" presId="urn:microsoft.com/office/officeart/2016/7/layout/RepeatingBendingProcessNew"/>
     <dgm:cxn modelId="{0855EB99-6478-4A71-9AC0-DD2AE8CF3678}" type="presOf" srcId="{15047ACC-0DA0-4E55-9195-C6A1738D81A4}" destId="{AD2C73CB-4B53-4296-BD2E-A4F4E87FF7E3}" srcOrd="0" destOrd="0" presId="urn:microsoft.com/office/officeart/2016/7/layout/RepeatingBendingProcessNew"/>
     <dgm:cxn modelId="{8684E2A6-1B0D-4387-B5E3-AFBF1AC89F13}" srcId="{4BC30CD0-EE2C-40DB-BFB9-E5CAE3A7336B}" destId="{1108C858-6D97-4BCD-A7EB-01A6BA13F969}" srcOrd="0" destOrd="0" parTransId="{490FE391-71F2-4FB7-B5E3-8A17037E46AA}" sibTransId="{BC910E46-24EA-4C8A-9663-B456C137A4E6}"/>
     <dgm:cxn modelId="{AD8C2AA7-5F04-4D34-B04F-D1F94E6D186C}" type="presOf" srcId="{11BCD9D1-8D9A-4BDD-9AEB-4F56761049FD}" destId="{A716F484-5E2B-4DC1-A0AC-A1D0A48B47D5}" srcOrd="1" destOrd="0" presId="urn:microsoft.com/office/officeart/2016/7/layout/RepeatingBendingProcessNew"/>
-    <dgm:cxn modelId="{FADD09AF-5483-4B60-A8C0-0DAE37DC6CCC}" type="presOf" srcId="{7F663B3C-5F3E-4ED0-AC8B-38C3FE62A9E1}" destId="{1437BAF8-7E09-4579-9F3F-943CD8ACC643}" srcOrd="0" destOrd="2" presId="urn:microsoft.com/office/officeart/2016/7/layout/RepeatingBendingProcessNew"/>
-    <dgm:cxn modelId="{D16A12CA-ACDB-4D1F-823B-48A183D67A84}" type="presOf" srcId="{AF205A34-8E09-4DF3-8AD2-B5728BC991BF}" destId="{C1731831-CE52-4FE5-A63C-629F9AAA1390}" srcOrd="0" destOrd="0" presId="urn:microsoft.com/office/officeart/2016/7/layout/RepeatingBendingProcessNew"/>
     <dgm:cxn modelId="{847826CC-F19B-4ED9-92E2-7CECCDBFFC2E}" type="presOf" srcId="{F634C8F1-72F5-4AFE-A35A-27CE62F7AA11}" destId="{14095838-C41D-4FCE-9E54-73A70C40DDCB}" srcOrd="0" destOrd="0" presId="urn:microsoft.com/office/officeart/2016/7/layout/RepeatingBendingProcessNew"/>
     <dgm:cxn modelId="{72387DCD-E92B-457E-8861-D0386BBAB119}" srcId="{E61E1E27-3590-471D-85E5-525241731A61}" destId="{DE208548-6B49-4B18-B7E7-4204BAFDCCC0}" srcOrd="0" destOrd="0" parTransId="{5E3A89FF-413B-4087-BD8A-0B45D1C86692}" sibTransId="{E88F23DB-0E03-4CE0-973F-A51FEFF1411D}"/>
-    <dgm:cxn modelId="{9CD0DACF-BBCE-42CC-939A-AC8B32178BDC}" type="presOf" srcId="{7B14D9DB-E6C1-4150-A993-FAAD7A805D41}" destId="{53698D13-16AB-4CE5-BE3C-683FE844D74F}" srcOrd="0" destOrd="0" presId="urn:microsoft.com/office/officeart/2016/7/layout/RepeatingBendingProcessNew"/>
     <dgm:cxn modelId="{F345E1CF-9A25-444D-A8FF-7ED5F3EFC5A8}" type="presOf" srcId="{E88F23DB-0E03-4CE0-973F-A51FEFF1411D}" destId="{23C44C81-0167-4D51-92DA-C223CE054C91}" srcOrd="1" destOrd="0" presId="urn:microsoft.com/office/officeart/2016/7/layout/RepeatingBendingProcessNew"/>
     <dgm:cxn modelId="{9EDECAD1-AEE4-4505-A470-58DFE073F7F7}" srcId="{CFE61687-1BC7-40BB-9749-820F5D868831}" destId="{DA3ABD26-F0D0-409E-8572-3A319A9E33AC}" srcOrd="0" destOrd="0" parTransId="{89898509-5175-46D6-9EA8-9952D0489F8F}" sibTransId="{47620C04-685C-49DE-A173-3040E6660044}"/>
-    <dgm:cxn modelId="{1C2227D7-9C34-4629-9B35-DDCE64207D0F}" type="presOf" srcId="{69422DAA-1A14-4632-B3F3-6BD02EEE43A0}" destId="{53698D13-16AB-4CE5-BE3C-683FE844D74F}" srcOrd="0" destOrd="1" presId="urn:microsoft.com/office/officeart/2016/7/layout/RepeatingBendingProcessNew"/>
     <dgm:cxn modelId="{966E03DC-099A-475E-AD2F-1F91C004C9D5}" type="presOf" srcId="{4F28AE7E-60C9-4C11-AD48-037F8C746C6B}" destId="{A04789C2-C083-4EB6-8536-C549C0A57BD5}" srcOrd="1" destOrd="0" presId="urn:microsoft.com/office/officeart/2016/7/layout/RepeatingBendingProcessNew"/>
     <dgm:cxn modelId="{C54CB2DE-7FB5-414E-B4E3-9D8A47291FD0}" type="presOf" srcId="{11BCD9D1-8D9A-4BDD-9AEB-4F56761049FD}" destId="{A23E8CEF-3A71-492E-A51D-2E75469F8209}" srcOrd="0" destOrd="0" presId="urn:microsoft.com/office/officeart/2016/7/layout/RepeatingBendingProcessNew"/>
-    <dgm:cxn modelId="{E8AD9BE4-7806-464D-9571-F71F9921D0E6}" srcId="{E61E1E27-3590-471D-85E5-525241731A61}" destId="{7B14D9DB-E6C1-4150-A993-FAAD7A805D41}" srcOrd="2" destOrd="0" parTransId="{1A07850A-B7FB-41DA-AB3E-A16BEAA46120}" sibTransId="{AF205A34-8E09-4DF3-8AD2-B5728BC991BF}"/>
     <dgm:cxn modelId="{EA7FC8E4-D7B8-44A6-952E-3F39BB0FCFFA}" type="presOf" srcId="{BB830666-0CE6-499C-8F48-4E0DAF756193}" destId="{01993737-F1A7-4330-8B86-A4276BADA294}" srcOrd="0" destOrd="1" presId="urn:microsoft.com/office/officeart/2016/7/layout/RepeatingBendingProcessNew"/>
-    <dgm:cxn modelId="{A8AD9FFC-ED5E-43A6-9EF3-AF79665AA52A}" srcId="{E61E1E27-3590-471D-85E5-525241731A61}" destId="{F634C8F1-72F5-4AFE-A35A-27CE62F7AA11}" srcOrd="5" destOrd="0" parTransId="{95A7958D-00C8-4798-8750-9D0C1ED4D90A}" sibTransId="{2E0E592F-4AD2-43A9-BF56-5B7F05888310}"/>
+    <dgm:cxn modelId="{A8AD9FFC-ED5E-43A6-9EF3-AF79665AA52A}" srcId="{E61E1E27-3590-471D-85E5-525241731A61}" destId="{F634C8F1-72F5-4AFE-A35A-27CE62F7AA11}" srcOrd="4" destOrd="0" parTransId="{95A7958D-00C8-4798-8750-9D0C1ED4D90A}" sibTransId="{2E0E592F-4AD2-43A9-BF56-5B7F05888310}"/>
     <dgm:cxn modelId="{66F654FD-1D28-4DE1-B528-0E17CB1E8489}" type="presOf" srcId="{4BC30CD0-EE2C-40DB-BFB9-E5CAE3A7336B}" destId="{1437BAF8-7E09-4579-9F3F-943CD8ACC643}" srcOrd="0" destOrd="0" presId="urn:microsoft.com/office/officeart/2016/7/layout/RepeatingBendingProcessNew"/>
     <dgm:cxn modelId="{DDF497E9-758D-4572-9C48-288794A1367D}" type="presParOf" srcId="{3BC7071A-14B3-4C73-A7D4-EEAEF7502470}" destId="{DA69CA60-4EA7-4427-A43D-A002D1E45625}" srcOrd="0" destOrd="0" presId="urn:microsoft.com/office/officeart/2016/7/layout/RepeatingBendingProcessNew"/>
     <dgm:cxn modelId="{63DD69EB-D4E8-4026-9D02-A0C91EC87D02}" type="presParOf" srcId="{3BC7071A-14B3-4C73-A7D4-EEAEF7502470}" destId="{A4962791-BB19-4619-9A2B-73A1E5B15F97}" srcOrd="1" destOrd="0" presId="urn:microsoft.com/office/officeart/2016/7/layout/RepeatingBendingProcessNew"/>
@@ -4220,16 +4827,13 @@
     <dgm:cxn modelId="{ADEDB863-36C3-410A-BB0A-C88AD7925261}" type="presParOf" srcId="{3BC7071A-14B3-4C73-A7D4-EEAEF7502470}" destId="{1437BAF8-7E09-4579-9F3F-943CD8ACC643}" srcOrd="2" destOrd="0" presId="urn:microsoft.com/office/officeart/2016/7/layout/RepeatingBendingProcessNew"/>
     <dgm:cxn modelId="{E5005CF1-E9D8-4708-9E68-97B501647EFF}" type="presParOf" srcId="{3BC7071A-14B3-4C73-A7D4-EEAEF7502470}" destId="{AD2C73CB-4B53-4296-BD2E-A4F4E87FF7E3}" srcOrd="3" destOrd="0" presId="urn:microsoft.com/office/officeart/2016/7/layout/RepeatingBendingProcessNew"/>
     <dgm:cxn modelId="{95B84011-AD96-43AA-AA51-56CC7D1CFC43}" type="presParOf" srcId="{AD2C73CB-4B53-4296-BD2E-A4F4E87FF7E3}" destId="{E4B53334-8AE1-4CA8-A3F5-789CA534576E}" srcOrd="0" destOrd="0" presId="urn:microsoft.com/office/officeart/2016/7/layout/RepeatingBendingProcessNew"/>
-    <dgm:cxn modelId="{C51051A2-04A4-4FB4-85BA-D3F794486333}" type="presParOf" srcId="{3BC7071A-14B3-4C73-A7D4-EEAEF7502470}" destId="{53698D13-16AB-4CE5-BE3C-683FE844D74F}" srcOrd="4" destOrd="0" presId="urn:microsoft.com/office/officeart/2016/7/layout/RepeatingBendingProcessNew"/>
-    <dgm:cxn modelId="{9B6CD92E-A562-4B29-9AE8-8E88FD39326D}" type="presParOf" srcId="{3BC7071A-14B3-4C73-A7D4-EEAEF7502470}" destId="{C1731831-CE52-4FE5-A63C-629F9AAA1390}" srcOrd="5" destOrd="0" presId="urn:microsoft.com/office/officeart/2016/7/layout/RepeatingBendingProcessNew"/>
-    <dgm:cxn modelId="{71A5381E-FBAD-4298-ABEA-A7B0BE6F8374}" type="presParOf" srcId="{C1731831-CE52-4FE5-A63C-629F9AAA1390}" destId="{1E8A6267-75A7-4BB4-9D83-F0A059B242BB}" srcOrd="0" destOrd="0" presId="urn:microsoft.com/office/officeart/2016/7/layout/RepeatingBendingProcessNew"/>
-    <dgm:cxn modelId="{FA991E2A-D1D1-4FE5-AA3D-B2E6E5DC6B89}" type="presParOf" srcId="{3BC7071A-14B3-4C73-A7D4-EEAEF7502470}" destId="{01993737-F1A7-4330-8B86-A4276BADA294}" srcOrd="6" destOrd="0" presId="urn:microsoft.com/office/officeart/2016/7/layout/RepeatingBendingProcessNew"/>
-    <dgm:cxn modelId="{70C0EF79-5B63-4D93-AEA8-1CD2371F9A50}" type="presParOf" srcId="{3BC7071A-14B3-4C73-A7D4-EEAEF7502470}" destId="{A23E8CEF-3A71-492E-A51D-2E75469F8209}" srcOrd="7" destOrd="0" presId="urn:microsoft.com/office/officeart/2016/7/layout/RepeatingBendingProcessNew"/>
+    <dgm:cxn modelId="{FA991E2A-D1D1-4FE5-AA3D-B2E6E5DC6B89}" type="presParOf" srcId="{3BC7071A-14B3-4C73-A7D4-EEAEF7502470}" destId="{01993737-F1A7-4330-8B86-A4276BADA294}" srcOrd="4" destOrd="0" presId="urn:microsoft.com/office/officeart/2016/7/layout/RepeatingBendingProcessNew"/>
+    <dgm:cxn modelId="{70C0EF79-5B63-4D93-AEA8-1CD2371F9A50}" type="presParOf" srcId="{3BC7071A-14B3-4C73-A7D4-EEAEF7502470}" destId="{A23E8CEF-3A71-492E-A51D-2E75469F8209}" srcOrd="5" destOrd="0" presId="urn:microsoft.com/office/officeart/2016/7/layout/RepeatingBendingProcessNew"/>
     <dgm:cxn modelId="{DB58414A-81E5-4829-9113-40B9F4AFE190}" type="presParOf" srcId="{A23E8CEF-3A71-492E-A51D-2E75469F8209}" destId="{A716F484-5E2B-4DC1-A0AC-A1D0A48B47D5}" srcOrd="0" destOrd="0" presId="urn:microsoft.com/office/officeart/2016/7/layout/RepeatingBendingProcessNew"/>
-    <dgm:cxn modelId="{ED5A67E1-5595-4D18-A4AE-4D45D24E14F5}" type="presParOf" srcId="{3BC7071A-14B3-4C73-A7D4-EEAEF7502470}" destId="{A5E83872-5068-4290-9367-6DB7E271DA7D}" srcOrd="8" destOrd="0" presId="urn:microsoft.com/office/officeart/2016/7/layout/RepeatingBendingProcessNew"/>
-    <dgm:cxn modelId="{9D98050B-FF93-4B22-ABEC-11C0AEDC6D2D}" type="presParOf" srcId="{3BC7071A-14B3-4C73-A7D4-EEAEF7502470}" destId="{5E48F94D-4FC1-4C24-8C76-6CD02CEC0A9E}" srcOrd="9" destOrd="0" presId="urn:microsoft.com/office/officeart/2016/7/layout/RepeatingBendingProcessNew"/>
+    <dgm:cxn modelId="{ED5A67E1-5595-4D18-A4AE-4D45D24E14F5}" type="presParOf" srcId="{3BC7071A-14B3-4C73-A7D4-EEAEF7502470}" destId="{A5E83872-5068-4290-9367-6DB7E271DA7D}" srcOrd="6" destOrd="0" presId="urn:microsoft.com/office/officeart/2016/7/layout/RepeatingBendingProcessNew"/>
+    <dgm:cxn modelId="{9D98050B-FF93-4B22-ABEC-11C0AEDC6D2D}" type="presParOf" srcId="{3BC7071A-14B3-4C73-A7D4-EEAEF7502470}" destId="{5E48F94D-4FC1-4C24-8C76-6CD02CEC0A9E}" srcOrd="7" destOrd="0" presId="urn:microsoft.com/office/officeart/2016/7/layout/RepeatingBendingProcessNew"/>
     <dgm:cxn modelId="{48E2B1B2-8383-46A6-98ED-8E598282A589}" type="presParOf" srcId="{5E48F94D-4FC1-4C24-8C76-6CD02CEC0A9E}" destId="{A04789C2-C083-4EB6-8536-C549C0A57BD5}" srcOrd="0" destOrd="0" presId="urn:microsoft.com/office/officeart/2016/7/layout/RepeatingBendingProcessNew"/>
-    <dgm:cxn modelId="{B698A12B-A44E-4483-B7CA-820ADF3A0BCA}" type="presParOf" srcId="{3BC7071A-14B3-4C73-A7D4-EEAEF7502470}" destId="{14095838-C41D-4FCE-9E54-73A70C40DDCB}" srcOrd="10" destOrd="0" presId="urn:microsoft.com/office/officeart/2016/7/layout/RepeatingBendingProcessNew"/>
+    <dgm:cxn modelId="{B698A12B-A44E-4483-B7CA-820ADF3A0BCA}" type="presParOf" srcId="{3BC7071A-14B3-4C73-A7D4-EEAEF7502470}" destId="{14095838-C41D-4FCE-9E54-73A70C40DDCB}" srcOrd="8" destOrd="0" presId="urn:microsoft.com/office/officeart/2016/7/layout/RepeatingBendingProcessNew"/>
   </dgm:cxnLst>
   <dgm:bg/>
   <dgm:whole/>
@@ -4308,20 +4912,8 @@
         <a:lstStyle/>
         <a:p>
           <a:r>
-            <a:rPr lang="en-US" dirty="0" err="1"/>
-            <a:t>FastAPI</a:t>
-          </a:r>
-          <a:r>
             <a:rPr lang="en-US" dirty="0"/>
-            <a:t> receives request and passes it to </a:t>
-          </a:r>
-          <a:r>
-            <a:rPr lang="en-US" dirty="0" err="1"/>
-            <a:t>LangChain</a:t>
-          </a:r>
-          <a:r>
-            <a:rPr lang="en-US" dirty="0"/>
-            <a:t> agent</a:t>
+            <a:t>N8n webhook receives the input</a:t>
           </a:r>
           <a:endParaRPr lang="en-IN" dirty="0"/>
         </a:p>
@@ -4361,12 +4953,8 @@
         <a:lstStyle/>
         <a:p>
           <a:r>
-            <a:rPr lang="en-US" dirty="0" err="1"/>
-            <a:t>LangChain</a:t>
-          </a:r>
-          <a:r>
             <a:rPr lang="en-US" dirty="0"/>
-            <a:t> agent </a:t>
+            <a:t>AI Agent </a:t>
           </a:r>
           <a:endParaRPr lang="en-IN" dirty="0"/>
         </a:p>
@@ -4402,10 +4990,18 @@
         <a:lstStyle/>
         <a:p>
           <a:r>
-            <a:rPr lang="en-US"/>
-            <a:t>Chooses Tool(s) to execute query(Pandas for CSV/analytics, API for external data).</a:t>
+            <a:rPr lang="en-US" dirty="0"/>
+            <a:t>Calls </a:t>
           </a:r>
-          <a:endParaRPr lang="en-IN"/>
+          <a:r>
+            <a:rPr lang="en-US" dirty="0" err="1"/>
+            <a:t>Supabase</a:t>
+          </a:r>
+          <a:r>
+            <a:rPr lang="en-US" dirty="0"/>
+            <a:t> for vector search using RAG</a:t>
+          </a:r>
+          <a:endParaRPr lang="en-IN" dirty="0"/>
         </a:p>
       </dgm:t>
     </dgm:pt>
@@ -4439,10 +5035,10 @@
         <a:lstStyle/>
         <a:p>
           <a:r>
-            <a:rPr lang="en-US"/>
+            <a:rPr lang="en-US" dirty="0"/>
             <a:t>Calls LLM for reasoning / query passing</a:t>
           </a:r>
-          <a:endParaRPr lang="en-IN"/>
+          <a:endParaRPr lang="en-IN" dirty="0"/>
         </a:p>
       </dgm:t>
     </dgm:pt>
@@ -4476,10 +5072,10 @@
         <a:lstStyle/>
         <a:p>
           <a:r>
-            <a:rPr lang="en-US"/>
+            <a:rPr lang="en-US" dirty="0"/>
             <a:t>Integrates results and returns structured response</a:t>
           </a:r>
-          <a:endParaRPr lang="en-IN"/>
+          <a:endParaRPr lang="en-IN" dirty="0"/>
         </a:p>
       </dgm:t>
     </dgm:pt>
@@ -4517,12 +5113,8 @@
         <a:lstStyle/>
         <a:p>
           <a:r>
-            <a:rPr lang="en-US" dirty="0" err="1"/>
-            <a:t>FastAPI</a:t>
-          </a:r>
-          <a:r>
             <a:rPr lang="en-US" dirty="0"/>
-            <a:t> returns results in UI</a:t>
+            <a:t>Webhook returns results in UI</a:t>
           </a:r>
           <a:endParaRPr lang="en-IN" dirty="0"/>
         </a:p>
@@ -4968,7 +5560,7 @@
 <dgm:dataModel xmlns:dgm="http://schemas.openxmlformats.org/drawingml/2006/diagram" xmlns:a="http://schemas.openxmlformats.org/drawingml/2006/main">
   <dgm:ptLst>
     <dgm:pt modelId="{9026AD5F-41F7-4207-93B3-DF507EDFC3EF}" type="doc">
-      <dgm:prSet loTypeId="urn:microsoft.com/office/officeart/2016/7/layout/BasicLinearProcessNumbered" loCatId="process" qsTypeId="urn:microsoft.com/office/officeart/2005/8/quickstyle/simple1" qsCatId="simple" csTypeId="urn:microsoft.com/office/officeart/2005/8/colors/colorful1" csCatId="colorful"/>
+      <dgm:prSet loTypeId="urn:microsoft.com/office/officeart/2016/7/layout/BasicLinearProcessNumbered" loCatId="process" qsTypeId="urn:microsoft.com/office/officeart/2005/8/quickstyle/simple1" qsCatId="simple" csTypeId="urn:microsoft.com/office/officeart/2005/8/colors/colorful1" csCatId="colorful" phldr="1"/>
       <dgm:spPr/>
       <dgm:t>
         <a:bodyPr/>
@@ -4986,10 +5578,10 @@
         <a:lstStyle/>
         <a:p>
           <a:r>
-            <a:rPr lang="en-US" b="0" i="0" baseline="0"/>
-            <a:t>Modular: Easily add new tools via LangChain.</a:t>
+            <a:rPr lang="en-US" b="0" i="0" baseline="0" dirty="0"/>
+            <a:t>Modular: Easily add new tools via n8n</a:t>
           </a:r>
-          <a:endParaRPr lang="en-US"/>
+          <a:endParaRPr lang="en-US" dirty="0"/>
         </a:p>
       </dgm:t>
     </dgm:pt>
@@ -5026,10 +5618,16 @@
         <a:lstStyle/>
         <a:p>
           <a:r>
-            <a:rPr lang="en-US" b="0" i="0" baseline="0"/>
-            <a:t>Reactive: Real-time analytics via FastAPI + React.</a:t>
+            <a:rPr lang="en-US" dirty="0"/>
+            <a:t>Quick Prototyping:</a:t>
           </a:r>
-          <a:endParaRPr lang="en-US"/>
+          <a:br>
+            <a:rPr lang="en-US" dirty="0"/>
+          </a:br>
+          <a:r>
+            <a:rPr lang="en-US" dirty="0"/>
+            <a:t>Helps build the PoC easily</a:t>
+          </a:r>
         </a:p>
       </dgm:t>
     </dgm:pt>
@@ -5106,10 +5704,10 @@
         <a:lstStyle/>
         <a:p>
           <a:r>
-            <a:rPr lang="en-US" b="0" i="0" baseline="0"/>
+            <a:rPr lang="en-US" b="0" i="0" baseline="0" dirty="0"/>
             <a:t>Scalable: Extend to multiple LLMs or parallel queries.</a:t>
           </a:r>
-          <a:endParaRPr lang="en-US"/>
+          <a:endParaRPr lang="en-US" dirty="0"/>
         </a:p>
       </dgm:t>
     </dgm:pt>
@@ -5146,10 +5744,10 @@
         <a:lstStyle/>
         <a:p>
           <a:r>
-            <a:rPr lang="en-US" b="0" i="0" baseline="0"/>
-            <a:t>Roadmap: Multi-agent, advanced analytics, more integrations.</a:t>
+            <a:rPr lang="en-US" b="0" i="0" baseline="0" dirty="0"/>
+            <a:t>Roadmap: Multi-agent, advanced analytics, more autonomous actions.</a:t>
           </a:r>
-          <a:endParaRPr lang="en-US"/>
+          <a:endParaRPr lang="en-US" dirty="0"/>
         </a:p>
       </dgm:t>
     </dgm:pt>
@@ -5466,8 +6064,8 @@
             <a:defRPr cap="all"/>
           </a:pPr>
           <a:r>
-            <a:rPr lang="en-US"/>
-            <a:t>It was difficult to get the render API endpoint up and running to version mismatch with local windows setup and the render linux setup. </a:t>
+            <a:rPr lang="en-US" dirty="0"/>
+            <a:t>Data extraction and processing is challenging without having access to various in-built tools.</a:t>
           </a:r>
         </a:p>
       </dgm:t>
@@ -5505,7 +6103,7 @@
             <a:defRPr cap="all"/>
           </a:pPr>
           <a:r>
-            <a:rPr lang="en-US"/>
+            <a:rPr lang="en-US" dirty="0"/>
             <a:t>With Vibe coding the UI there are limitations to code control and editability which leads to more failures as the scenarios become more complex. </a:t>
           </a:r>
         </a:p>
@@ -5879,6 +6477,412 @@
 </dgm:dataModel>
 </file>
 
+<file path=ppt/diagrams/data5.xml><?xml version="1.0" encoding="utf-8"?>
+<dgm:dataModel xmlns:dgm="http://schemas.openxmlformats.org/drawingml/2006/diagram" xmlns:a="http://schemas.openxmlformats.org/drawingml/2006/main">
+  <dgm:ptLst>
+    <dgm:pt modelId="{BDC11E43-8E50-4F7A-AB1C-97E12FF69F7D}" type="doc">
+      <dgm:prSet loTypeId="urn:microsoft.com/office/officeart/2008/layout/AlternatingHexagons" loCatId="list" qsTypeId="urn:microsoft.com/office/officeart/2005/8/quickstyle/simple1" qsCatId="simple" csTypeId="urn:microsoft.com/office/officeart/2005/8/colors/colorful2" csCatId="colorful" phldr="1"/>
+      <dgm:spPr/>
+      <dgm:t>
+        <a:bodyPr/>
+        <a:lstStyle/>
+        <a:p>
+          <a:endParaRPr lang="en-IN"/>
+        </a:p>
+      </dgm:t>
+    </dgm:pt>
+    <dgm:pt modelId="{560A4C6C-58AC-4354-A4D4-A6459EE56EFF}">
+      <dgm:prSet phldrT="[Text]" phldr="0" custT="1"/>
+      <dgm:spPr/>
+      <dgm:t>
+        <a:bodyPr/>
+        <a:lstStyle/>
+        <a:p>
+          <a:r>
+            <a:rPr lang="en-US" sz="1400" b="1" dirty="0"/>
+            <a:t>Conversational </a:t>
+          </a:r>
+        </a:p>
+        <a:p>
+          <a:r>
+            <a:rPr lang="en-US" sz="1400" b="1" dirty="0"/>
+            <a:t>Agent</a:t>
+          </a:r>
+          <a:endParaRPr lang="en-IN" sz="1400" b="1" dirty="0"/>
+        </a:p>
+      </dgm:t>
+    </dgm:pt>
+    <dgm:pt modelId="{66CF33EE-7B2B-4E9F-9C03-5AC6CF338D5C}" type="parTrans" cxnId="{D294DDA2-DCE9-41D8-843C-B343C5347C83}">
+      <dgm:prSet/>
+      <dgm:spPr/>
+      <dgm:t>
+        <a:bodyPr/>
+        <a:lstStyle/>
+        <a:p>
+          <a:endParaRPr lang="en-IN"/>
+        </a:p>
+      </dgm:t>
+    </dgm:pt>
+    <dgm:pt modelId="{E0865001-7412-4820-97BB-0A1EF9F4BE29}" type="sibTrans" cxnId="{D294DDA2-DCE9-41D8-843C-B343C5347C83}">
+      <dgm:prSet/>
+      <dgm:spPr/>
+      <dgm:t>
+        <a:bodyPr/>
+        <a:lstStyle/>
+        <a:p>
+          <a:endParaRPr lang="en-IN"/>
+        </a:p>
+      </dgm:t>
+    </dgm:pt>
+    <dgm:pt modelId="{B4E184B9-F8BB-4AB3-B536-F2414993AB23}">
+      <dgm:prSet phldrT="[Text]" phldr="1"/>
+      <dgm:spPr/>
+      <dgm:t>
+        <a:bodyPr/>
+        <a:lstStyle/>
+        <a:p>
+          <a:endParaRPr lang="en-IN"/>
+        </a:p>
+      </dgm:t>
+    </dgm:pt>
+    <dgm:pt modelId="{9F751085-A340-451E-BE4A-6C436110A0AD}" type="parTrans" cxnId="{D95CDE27-48BF-4EAB-86E4-A9E595D0539F}">
+      <dgm:prSet/>
+      <dgm:spPr/>
+      <dgm:t>
+        <a:bodyPr/>
+        <a:lstStyle/>
+        <a:p>
+          <a:endParaRPr lang="en-IN"/>
+        </a:p>
+      </dgm:t>
+    </dgm:pt>
+    <dgm:pt modelId="{AF3AF83B-7386-4705-AEB3-8767C2EDC754}" type="sibTrans" cxnId="{D95CDE27-48BF-4EAB-86E4-A9E595D0539F}">
+      <dgm:prSet/>
+      <dgm:spPr/>
+      <dgm:t>
+        <a:bodyPr/>
+        <a:lstStyle/>
+        <a:p>
+          <a:endParaRPr lang="en-IN"/>
+        </a:p>
+      </dgm:t>
+    </dgm:pt>
+    <dgm:pt modelId="{A1C3AE76-1035-4AB6-BA9E-85719E14D66D}">
+      <dgm:prSet phldrT="[Text]" phldr="0" custT="1"/>
+      <dgm:spPr/>
+      <dgm:t>
+        <a:bodyPr/>
+        <a:lstStyle/>
+        <a:p>
+          <a:r>
+            <a:rPr lang="en-US" sz="1600" b="1" dirty="0"/>
+            <a:t>Insights Agent</a:t>
+          </a:r>
+          <a:endParaRPr lang="en-IN" sz="1600" b="1" dirty="0"/>
+        </a:p>
+      </dgm:t>
+    </dgm:pt>
+    <dgm:pt modelId="{A9C7B58E-1D9A-4288-BDCE-5B0CEBBEFC99}" type="parTrans" cxnId="{9118BF98-CCF9-4D19-8719-02B3ABF2A4DE}">
+      <dgm:prSet/>
+      <dgm:spPr/>
+      <dgm:t>
+        <a:bodyPr/>
+        <a:lstStyle/>
+        <a:p>
+          <a:endParaRPr lang="en-IN"/>
+        </a:p>
+      </dgm:t>
+    </dgm:pt>
+    <dgm:pt modelId="{76B66E6D-59B3-4C88-B5F4-629BB6B6E1A5}" type="sibTrans" cxnId="{9118BF98-CCF9-4D19-8719-02B3ABF2A4DE}">
+      <dgm:prSet/>
+      <dgm:spPr/>
+      <dgm:t>
+        <a:bodyPr/>
+        <a:lstStyle/>
+        <a:p>
+          <a:endParaRPr lang="en-IN"/>
+        </a:p>
+      </dgm:t>
+    </dgm:pt>
+    <dgm:pt modelId="{F2F73971-5291-4758-87F6-2A3178767114}">
+      <dgm:prSet phldrT="[Text]" phldr="1"/>
+      <dgm:spPr/>
+      <dgm:t>
+        <a:bodyPr/>
+        <a:lstStyle/>
+        <a:p>
+          <a:endParaRPr lang="en-IN"/>
+        </a:p>
+      </dgm:t>
+    </dgm:pt>
+    <dgm:pt modelId="{C4D9D803-4A2D-4A22-8C89-CFFED5F356C3}" type="parTrans" cxnId="{50F947C9-FC51-48D7-9E74-E120BFE5BCEA}">
+      <dgm:prSet/>
+      <dgm:spPr/>
+      <dgm:t>
+        <a:bodyPr/>
+        <a:lstStyle/>
+        <a:p>
+          <a:endParaRPr lang="en-IN"/>
+        </a:p>
+      </dgm:t>
+    </dgm:pt>
+    <dgm:pt modelId="{FE5A6AE2-E706-4E0A-9AFA-6B09B2D4FBB6}" type="sibTrans" cxnId="{50F947C9-FC51-48D7-9E74-E120BFE5BCEA}">
+      <dgm:prSet/>
+      <dgm:spPr/>
+      <dgm:t>
+        <a:bodyPr/>
+        <a:lstStyle/>
+        <a:p>
+          <a:endParaRPr lang="en-IN"/>
+        </a:p>
+      </dgm:t>
+    </dgm:pt>
+    <dgm:pt modelId="{02716A8D-D1EF-4279-9DF9-5B0EC44AB16D}">
+      <dgm:prSet phldrT="[Text]" phldr="0" custT="1"/>
+      <dgm:spPr/>
+      <dgm:t>
+        <a:bodyPr/>
+        <a:lstStyle/>
+        <a:p>
+          <a:r>
+            <a:rPr lang="en-US" sz="1600" b="1" dirty="0"/>
+            <a:t>Email Agent</a:t>
+          </a:r>
+          <a:endParaRPr lang="en-IN" sz="1600" b="1" dirty="0"/>
+        </a:p>
+      </dgm:t>
+    </dgm:pt>
+    <dgm:pt modelId="{639FC701-64CC-4811-AFD4-747FB11D2DA4}" type="parTrans" cxnId="{F618E878-1F43-493A-AA5D-03B9DAE64B73}">
+      <dgm:prSet/>
+      <dgm:spPr/>
+      <dgm:t>
+        <a:bodyPr/>
+        <a:lstStyle/>
+        <a:p>
+          <a:endParaRPr lang="en-IN"/>
+        </a:p>
+      </dgm:t>
+    </dgm:pt>
+    <dgm:pt modelId="{B32F45DB-687D-45F2-8C7B-02D22DBC1C67}" type="sibTrans" cxnId="{F618E878-1F43-493A-AA5D-03B9DAE64B73}">
+      <dgm:prSet/>
+      <dgm:spPr/>
+      <dgm:t>
+        <a:bodyPr/>
+        <a:lstStyle/>
+        <a:p>
+          <a:endParaRPr lang="en-IN"/>
+        </a:p>
+      </dgm:t>
+    </dgm:pt>
+    <dgm:pt modelId="{086BA8CB-D5E2-4549-AA88-A4390F0D1393}">
+      <dgm:prSet phldrT="[Text]" phldr="1"/>
+      <dgm:spPr/>
+      <dgm:t>
+        <a:bodyPr/>
+        <a:lstStyle/>
+        <a:p>
+          <a:endParaRPr lang="en-IN"/>
+        </a:p>
+      </dgm:t>
+    </dgm:pt>
+    <dgm:pt modelId="{1D018599-6414-4810-8C99-4954CE915838}" type="parTrans" cxnId="{B0F21883-7FE5-4113-A6C7-FDA2CF7B543C}">
+      <dgm:prSet/>
+      <dgm:spPr/>
+      <dgm:t>
+        <a:bodyPr/>
+        <a:lstStyle/>
+        <a:p>
+          <a:endParaRPr lang="en-IN"/>
+        </a:p>
+      </dgm:t>
+    </dgm:pt>
+    <dgm:pt modelId="{23B8FCB9-9D2E-4CC0-B165-E7881142FF81}" type="sibTrans" cxnId="{B0F21883-7FE5-4113-A6C7-FDA2CF7B543C}">
+      <dgm:prSet/>
+      <dgm:spPr/>
+      <dgm:t>
+        <a:bodyPr/>
+        <a:lstStyle/>
+        <a:p>
+          <a:endParaRPr lang="en-IN"/>
+        </a:p>
+      </dgm:t>
+    </dgm:pt>
+    <dgm:pt modelId="{E08F59BF-08D9-42DD-9186-454A5616F77F}" type="pres">
+      <dgm:prSet presAssocID="{BDC11E43-8E50-4F7A-AB1C-97E12FF69F7D}" presName="Name0" presStyleCnt="0">
+        <dgm:presLayoutVars>
+          <dgm:chMax/>
+          <dgm:chPref/>
+          <dgm:dir/>
+          <dgm:animLvl val="lvl"/>
+        </dgm:presLayoutVars>
+      </dgm:prSet>
+      <dgm:spPr/>
+    </dgm:pt>
+    <dgm:pt modelId="{8D79464D-1502-4C39-B7E6-B4DF7691231F}" type="pres">
+      <dgm:prSet presAssocID="{560A4C6C-58AC-4354-A4D4-A6459EE56EFF}" presName="composite" presStyleCnt="0"/>
+      <dgm:spPr/>
+    </dgm:pt>
+    <dgm:pt modelId="{D3427E41-BB66-4B56-BB53-583FEE7226FE}" type="pres">
+      <dgm:prSet presAssocID="{560A4C6C-58AC-4354-A4D4-A6459EE56EFF}" presName="Parent1" presStyleLbl="node1" presStyleIdx="0" presStyleCnt="6">
+        <dgm:presLayoutVars>
+          <dgm:chMax val="1"/>
+          <dgm:chPref val="1"/>
+          <dgm:bulletEnabled val="1"/>
+        </dgm:presLayoutVars>
+      </dgm:prSet>
+      <dgm:spPr/>
+    </dgm:pt>
+    <dgm:pt modelId="{0CE9F5EB-F39A-442E-A9EA-5C277B72FCB0}" type="pres">
+      <dgm:prSet presAssocID="{560A4C6C-58AC-4354-A4D4-A6459EE56EFF}" presName="Childtext1" presStyleLbl="revTx" presStyleIdx="0" presStyleCnt="3">
+        <dgm:presLayoutVars>
+          <dgm:chMax val="0"/>
+          <dgm:chPref val="0"/>
+          <dgm:bulletEnabled val="1"/>
+        </dgm:presLayoutVars>
+      </dgm:prSet>
+      <dgm:spPr/>
+    </dgm:pt>
+    <dgm:pt modelId="{E0662753-3D5D-43CD-9779-1A6FAD140215}" type="pres">
+      <dgm:prSet presAssocID="{560A4C6C-58AC-4354-A4D4-A6459EE56EFF}" presName="BalanceSpacing" presStyleCnt="0"/>
+      <dgm:spPr/>
+    </dgm:pt>
+    <dgm:pt modelId="{4F761D24-FC64-40DB-A8FD-36DCBD705087}" type="pres">
+      <dgm:prSet presAssocID="{560A4C6C-58AC-4354-A4D4-A6459EE56EFF}" presName="BalanceSpacing1" presStyleCnt="0"/>
+      <dgm:spPr/>
+    </dgm:pt>
+    <dgm:pt modelId="{43FBEBAC-01CE-4782-9780-39C5D8AD27E4}" type="pres">
+      <dgm:prSet presAssocID="{E0865001-7412-4820-97BB-0A1EF9F4BE29}" presName="Accent1Text" presStyleLbl="node1" presStyleIdx="1" presStyleCnt="6"/>
+      <dgm:spPr/>
+    </dgm:pt>
+    <dgm:pt modelId="{8A45C701-9B9F-4676-A270-C26BCED5AC50}" type="pres">
+      <dgm:prSet presAssocID="{E0865001-7412-4820-97BB-0A1EF9F4BE29}" presName="spaceBetweenRectangles" presStyleCnt="0"/>
+      <dgm:spPr/>
+    </dgm:pt>
+    <dgm:pt modelId="{72DE4B0F-7051-469C-B506-9DDEDF6BB030}" type="pres">
+      <dgm:prSet presAssocID="{A1C3AE76-1035-4AB6-BA9E-85719E14D66D}" presName="composite" presStyleCnt="0"/>
+      <dgm:spPr/>
+    </dgm:pt>
+    <dgm:pt modelId="{9656F1BB-E7FE-4A3E-9DC4-99B72F70F8DD}" type="pres">
+      <dgm:prSet presAssocID="{A1C3AE76-1035-4AB6-BA9E-85719E14D66D}" presName="Parent1" presStyleLbl="node1" presStyleIdx="2" presStyleCnt="6">
+        <dgm:presLayoutVars>
+          <dgm:chMax val="1"/>
+          <dgm:chPref val="1"/>
+          <dgm:bulletEnabled val="1"/>
+        </dgm:presLayoutVars>
+      </dgm:prSet>
+      <dgm:spPr/>
+    </dgm:pt>
+    <dgm:pt modelId="{0DD339D3-2B15-40A4-9D42-5B1B89625CB9}" type="pres">
+      <dgm:prSet presAssocID="{A1C3AE76-1035-4AB6-BA9E-85719E14D66D}" presName="Childtext1" presStyleLbl="revTx" presStyleIdx="1" presStyleCnt="3">
+        <dgm:presLayoutVars>
+          <dgm:chMax val="0"/>
+          <dgm:chPref val="0"/>
+          <dgm:bulletEnabled val="1"/>
+        </dgm:presLayoutVars>
+      </dgm:prSet>
+      <dgm:spPr/>
+    </dgm:pt>
+    <dgm:pt modelId="{8B14953A-40F5-4D71-B415-AE2824EC63DA}" type="pres">
+      <dgm:prSet presAssocID="{A1C3AE76-1035-4AB6-BA9E-85719E14D66D}" presName="BalanceSpacing" presStyleCnt="0"/>
+      <dgm:spPr/>
+    </dgm:pt>
+    <dgm:pt modelId="{F9297F65-3572-49D5-A426-4AEB2977B1D2}" type="pres">
+      <dgm:prSet presAssocID="{A1C3AE76-1035-4AB6-BA9E-85719E14D66D}" presName="BalanceSpacing1" presStyleCnt="0"/>
+      <dgm:spPr/>
+    </dgm:pt>
+    <dgm:pt modelId="{78680469-76FB-49AC-B719-E06B2974D68C}" type="pres">
+      <dgm:prSet presAssocID="{76B66E6D-59B3-4C88-B5F4-629BB6B6E1A5}" presName="Accent1Text" presStyleLbl="node1" presStyleIdx="3" presStyleCnt="6"/>
+      <dgm:spPr/>
+    </dgm:pt>
+    <dgm:pt modelId="{BF3625E1-5B8B-4022-A4A4-16A1917A8696}" type="pres">
+      <dgm:prSet presAssocID="{76B66E6D-59B3-4C88-B5F4-629BB6B6E1A5}" presName="spaceBetweenRectangles" presStyleCnt="0"/>
+      <dgm:spPr/>
+    </dgm:pt>
+    <dgm:pt modelId="{52CBEFD6-944C-4C29-881D-6B93A0B6E0D3}" type="pres">
+      <dgm:prSet presAssocID="{02716A8D-D1EF-4279-9DF9-5B0EC44AB16D}" presName="composite" presStyleCnt="0"/>
+      <dgm:spPr/>
+    </dgm:pt>
+    <dgm:pt modelId="{7E675A58-2050-451E-8727-9471987AF611}" type="pres">
+      <dgm:prSet presAssocID="{02716A8D-D1EF-4279-9DF9-5B0EC44AB16D}" presName="Parent1" presStyleLbl="node1" presStyleIdx="4" presStyleCnt="6">
+        <dgm:presLayoutVars>
+          <dgm:chMax val="1"/>
+          <dgm:chPref val="1"/>
+          <dgm:bulletEnabled val="1"/>
+        </dgm:presLayoutVars>
+      </dgm:prSet>
+      <dgm:spPr/>
+    </dgm:pt>
+    <dgm:pt modelId="{956379C4-709D-4700-AED6-B933C4935025}" type="pres">
+      <dgm:prSet presAssocID="{02716A8D-D1EF-4279-9DF9-5B0EC44AB16D}" presName="Childtext1" presStyleLbl="revTx" presStyleIdx="2" presStyleCnt="3">
+        <dgm:presLayoutVars>
+          <dgm:chMax val="0"/>
+          <dgm:chPref val="0"/>
+          <dgm:bulletEnabled val="1"/>
+        </dgm:presLayoutVars>
+      </dgm:prSet>
+      <dgm:spPr/>
+    </dgm:pt>
+    <dgm:pt modelId="{18667F00-5E66-407D-B045-A4F614F00EED}" type="pres">
+      <dgm:prSet presAssocID="{02716A8D-D1EF-4279-9DF9-5B0EC44AB16D}" presName="BalanceSpacing" presStyleCnt="0"/>
+      <dgm:spPr/>
+    </dgm:pt>
+    <dgm:pt modelId="{C57B5ADB-540D-4E2D-B46E-89E89256F133}" type="pres">
+      <dgm:prSet presAssocID="{02716A8D-D1EF-4279-9DF9-5B0EC44AB16D}" presName="BalanceSpacing1" presStyleCnt="0"/>
+      <dgm:spPr/>
+    </dgm:pt>
+    <dgm:pt modelId="{68E2687C-7F09-4D76-B5C9-5DBF7D940A23}" type="pres">
+      <dgm:prSet presAssocID="{B32F45DB-687D-45F2-8C7B-02D22DBC1C67}" presName="Accent1Text" presStyleLbl="node1" presStyleIdx="5" presStyleCnt="6"/>
+      <dgm:spPr/>
+    </dgm:pt>
+  </dgm:ptLst>
+  <dgm:cxnLst>
+    <dgm:cxn modelId="{69EA1D14-C35C-4328-BC1A-0C09D791B0AE}" type="presOf" srcId="{E0865001-7412-4820-97BB-0A1EF9F4BE29}" destId="{43FBEBAC-01CE-4782-9780-39C5D8AD27E4}" srcOrd="0" destOrd="0" presId="urn:microsoft.com/office/officeart/2008/layout/AlternatingHexagons"/>
+    <dgm:cxn modelId="{27F6431C-B8EB-4617-8A71-EEA81AC551FD}" type="presOf" srcId="{A1C3AE76-1035-4AB6-BA9E-85719E14D66D}" destId="{9656F1BB-E7FE-4A3E-9DC4-99B72F70F8DD}" srcOrd="0" destOrd="0" presId="urn:microsoft.com/office/officeart/2008/layout/AlternatingHexagons"/>
+    <dgm:cxn modelId="{D95CDE27-48BF-4EAB-86E4-A9E595D0539F}" srcId="{560A4C6C-58AC-4354-A4D4-A6459EE56EFF}" destId="{B4E184B9-F8BB-4AB3-B536-F2414993AB23}" srcOrd="0" destOrd="0" parTransId="{9F751085-A340-451E-BE4A-6C436110A0AD}" sibTransId="{AF3AF83B-7386-4705-AEB3-8767C2EDC754}"/>
+    <dgm:cxn modelId="{C277B52E-B313-492C-AB6B-D67AF7D15130}" type="presOf" srcId="{76B66E6D-59B3-4C88-B5F4-629BB6B6E1A5}" destId="{78680469-76FB-49AC-B719-E06B2974D68C}" srcOrd="0" destOrd="0" presId="urn:microsoft.com/office/officeart/2008/layout/AlternatingHexagons"/>
+    <dgm:cxn modelId="{831C2339-8EDD-4833-91F2-724A2E151858}" type="presOf" srcId="{B32F45DB-687D-45F2-8C7B-02D22DBC1C67}" destId="{68E2687C-7F09-4D76-B5C9-5DBF7D940A23}" srcOrd="0" destOrd="0" presId="urn:microsoft.com/office/officeart/2008/layout/AlternatingHexagons"/>
+    <dgm:cxn modelId="{C8CFC13D-A919-4E1F-B772-50CA4AB25FA7}" type="presOf" srcId="{F2F73971-5291-4758-87F6-2A3178767114}" destId="{0DD339D3-2B15-40A4-9D42-5B1B89625CB9}" srcOrd="0" destOrd="0" presId="urn:microsoft.com/office/officeart/2008/layout/AlternatingHexagons"/>
+    <dgm:cxn modelId="{63AFC248-208F-4B94-9E9D-4BB41BB0B668}" type="presOf" srcId="{086BA8CB-D5E2-4549-AA88-A4390F0D1393}" destId="{956379C4-709D-4700-AED6-B933C4935025}" srcOrd="0" destOrd="0" presId="urn:microsoft.com/office/officeart/2008/layout/AlternatingHexagons"/>
+    <dgm:cxn modelId="{DE55E775-3E96-47CA-A565-EEF619C03C20}" type="presOf" srcId="{B4E184B9-F8BB-4AB3-B536-F2414993AB23}" destId="{0CE9F5EB-F39A-442E-A9EA-5C277B72FCB0}" srcOrd="0" destOrd="0" presId="urn:microsoft.com/office/officeart/2008/layout/AlternatingHexagons"/>
+    <dgm:cxn modelId="{F618E878-1F43-493A-AA5D-03B9DAE64B73}" srcId="{BDC11E43-8E50-4F7A-AB1C-97E12FF69F7D}" destId="{02716A8D-D1EF-4279-9DF9-5B0EC44AB16D}" srcOrd="2" destOrd="0" parTransId="{639FC701-64CC-4811-AFD4-747FB11D2DA4}" sibTransId="{B32F45DB-687D-45F2-8C7B-02D22DBC1C67}"/>
+    <dgm:cxn modelId="{B0F21883-7FE5-4113-A6C7-FDA2CF7B543C}" srcId="{02716A8D-D1EF-4279-9DF9-5B0EC44AB16D}" destId="{086BA8CB-D5E2-4549-AA88-A4390F0D1393}" srcOrd="0" destOrd="0" parTransId="{1D018599-6414-4810-8C99-4954CE915838}" sibTransId="{23B8FCB9-9D2E-4CC0-B165-E7881142FF81}"/>
+    <dgm:cxn modelId="{9118BF98-CCF9-4D19-8719-02B3ABF2A4DE}" srcId="{BDC11E43-8E50-4F7A-AB1C-97E12FF69F7D}" destId="{A1C3AE76-1035-4AB6-BA9E-85719E14D66D}" srcOrd="1" destOrd="0" parTransId="{A9C7B58E-1D9A-4288-BDCE-5B0CEBBEFC99}" sibTransId="{76B66E6D-59B3-4C88-B5F4-629BB6B6E1A5}"/>
+    <dgm:cxn modelId="{D294DDA2-DCE9-41D8-843C-B343C5347C83}" srcId="{BDC11E43-8E50-4F7A-AB1C-97E12FF69F7D}" destId="{560A4C6C-58AC-4354-A4D4-A6459EE56EFF}" srcOrd="0" destOrd="0" parTransId="{66CF33EE-7B2B-4E9F-9C03-5AC6CF338D5C}" sibTransId="{E0865001-7412-4820-97BB-0A1EF9F4BE29}"/>
+    <dgm:cxn modelId="{F43E44BC-66DD-409D-B121-8560BD641DF8}" type="presOf" srcId="{BDC11E43-8E50-4F7A-AB1C-97E12FF69F7D}" destId="{E08F59BF-08D9-42DD-9186-454A5616F77F}" srcOrd="0" destOrd="0" presId="urn:microsoft.com/office/officeart/2008/layout/AlternatingHexagons"/>
+    <dgm:cxn modelId="{50F947C9-FC51-48D7-9E74-E120BFE5BCEA}" srcId="{A1C3AE76-1035-4AB6-BA9E-85719E14D66D}" destId="{F2F73971-5291-4758-87F6-2A3178767114}" srcOrd="0" destOrd="0" parTransId="{C4D9D803-4A2D-4A22-8C89-CFFED5F356C3}" sibTransId="{FE5A6AE2-E706-4E0A-9AFA-6B09B2D4FBB6}"/>
+    <dgm:cxn modelId="{C3F4A5FA-8F40-43DD-9753-79B991836E42}" type="presOf" srcId="{02716A8D-D1EF-4279-9DF9-5B0EC44AB16D}" destId="{7E675A58-2050-451E-8727-9471987AF611}" srcOrd="0" destOrd="0" presId="urn:microsoft.com/office/officeart/2008/layout/AlternatingHexagons"/>
+    <dgm:cxn modelId="{29A0C2FD-AC0A-4569-B8E0-9E9CA56B4A76}" type="presOf" srcId="{560A4C6C-58AC-4354-A4D4-A6459EE56EFF}" destId="{D3427E41-BB66-4B56-BB53-583FEE7226FE}" srcOrd="0" destOrd="0" presId="urn:microsoft.com/office/officeart/2008/layout/AlternatingHexagons"/>
+    <dgm:cxn modelId="{907A171C-1239-44EF-A3AE-645D34477A51}" type="presParOf" srcId="{E08F59BF-08D9-42DD-9186-454A5616F77F}" destId="{8D79464D-1502-4C39-B7E6-B4DF7691231F}" srcOrd="0" destOrd="0" presId="urn:microsoft.com/office/officeart/2008/layout/AlternatingHexagons"/>
+    <dgm:cxn modelId="{216A63D4-029E-4A5A-B5F9-3B240A9A3103}" type="presParOf" srcId="{8D79464D-1502-4C39-B7E6-B4DF7691231F}" destId="{D3427E41-BB66-4B56-BB53-583FEE7226FE}" srcOrd="0" destOrd="0" presId="urn:microsoft.com/office/officeart/2008/layout/AlternatingHexagons"/>
+    <dgm:cxn modelId="{1D66A659-D536-45E0-9BFA-EA37E6FDE037}" type="presParOf" srcId="{8D79464D-1502-4C39-B7E6-B4DF7691231F}" destId="{0CE9F5EB-F39A-442E-A9EA-5C277B72FCB0}" srcOrd="1" destOrd="0" presId="urn:microsoft.com/office/officeart/2008/layout/AlternatingHexagons"/>
+    <dgm:cxn modelId="{FF367C1F-C8F6-4A8D-B5F6-7315D92219C6}" type="presParOf" srcId="{8D79464D-1502-4C39-B7E6-B4DF7691231F}" destId="{E0662753-3D5D-43CD-9779-1A6FAD140215}" srcOrd="2" destOrd="0" presId="urn:microsoft.com/office/officeart/2008/layout/AlternatingHexagons"/>
+    <dgm:cxn modelId="{435AA74D-BAA5-4D1D-A43C-6E58AE32DBE9}" type="presParOf" srcId="{8D79464D-1502-4C39-B7E6-B4DF7691231F}" destId="{4F761D24-FC64-40DB-A8FD-36DCBD705087}" srcOrd="3" destOrd="0" presId="urn:microsoft.com/office/officeart/2008/layout/AlternatingHexagons"/>
+    <dgm:cxn modelId="{E911BA65-40A1-4BCB-A314-20F6ADB61BC5}" type="presParOf" srcId="{8D79464D-1502-4C39-B7E6-B4DF7691231F}" destId="{43FBEBAC-01CE-4782-9780-39C5D8AD27E4}" srcOrd="4" destOrd="0" presId="urn:microsoft.com/office/officeart/2008/layout/AlternatingHexagons"/>
+    <dgm:cxn modelId="{477A0196-C2E3-437F-8511-AEED15B334FA}" type="presParOf" srcId="{E08F59BF-08D9-42DD-9186-454A5616F77F}" destId="{8A45C701-9B9F-4676-A270-C26BCED5AC50}" srcOrd="1" destOrd="0" presId="urn:microsoft.com/office/officeart/2008/layout/AlternatingHexagons"/>
+    <dgm:cxn modelId="{50CD7B28-4A76-413C-907F-E53CDECE9C24}" type="presParOf" srcId="{E08F59BF-08D9-42DD-9186-454A5616F77F}" destId="{72DE4B0F-7051-469C-B506-9DDEDF6BB030}" srcOrd="2" destOrd="0" presId="urn:microsoft.com/office/officeart/2008/layout/AlternatingHexagons"/>
+    <dgm:cxn modelId="{0CD53097-9309-4CDD-A911-3580C496097E}" type="presParOf" srcId="{72DE4B0F-7051-469C-B506-9DDEDF6BB030}" destId="{9656F1BB-E7FE-4A3E-9DC4-99B72F70F8DD}" srcOrd="0" destOrd="0" presId="urn:microsoft.com/office/officeart/2008/layout/AlternatingHexagons"/>
+    <dgm:cxn modelId="{9E359FC7-AB0B-41D8-9A11-E2A38BBD58DF}" type="presParOf" srcId="{72DE4B0F-7051-469C-B506-9DDEDF6BB030}" destId="{0DD339D3-2B15-40A4-9D42-5B1B89625CB9}" srcOrd="1" destOrd="0" presId="urn:microsoft.com/office/officeart/2008/layout/AlternatingHexagons"/>
+    <dgm:cxn modelId="{D82365BE-F25A-4037-805E-B2A8D1321BA7}" type="presParOf" srcId="{72DE4B0F-7051-469C-B506-9DDEDF6BB030}" destId="{8B14953A-40F5-4D71-B415-AE2824EC63DA}" srcOrd="2" destOrd="0" presId="urn:microsoft.com/office/officeart/2008/layout/AlternatingHexagons"/>
+    <dgm:cxn modelId="{81AF44C8-99A7-4DF1-9B4F-B58F4D15C8F2}" type="presParOf" srcId="{72DE4B0F-7051-469C-B506-9DDEDF6BB030}" destId="{F9297F65-3572-49D5-A426-4AEB2977B1D2}" srcOrd="3" destOrd="0" presId="urn:microsoft.com/office/officeart/2008/layout/AlternatingHexagons"/>
+    <dgm:cxn modelId="{F43BE4A0-8205-4BD5-9176-DA68902056DF}" type="presParOf" srcId="{72DE4B0F-7051-469C-B506-9DDEDF6BB030}" destId="{78680469-76FB-49AC-B719-E06B2974D68C}" srcOrd="4" destOrd="0" presId="urn:microsoft.com/office/officeart/2008/layout/AlternatingHexagons"/>
+    <dgm:cxn modelId="{4593E3A3-9CB4-42A6-BC83-231C92D6B010}" type="presParOf" srcId="{E08F59BF-08D9-42DD-9186-454A5616F77F}" destId="{BF3625E1-5B8B-4022-A4A4-16A1917A8696}" srcOrd="3" destOrd="0" presId="urn:microsoft.com/office/officeart/2008/layout/AlternatingHexagons"/>
+    <dgm:cxn modelId="{EB8D63C1-674F-4902-86A1-1D4569D696A2}" type="presParOf" srcId="{E08F59BF-08D9-42DD-9186-454A5616F77F}" destId="{52CBEFD6-944C-4C29-881D-6B93A0B6E0D3}" srcOrd="4" destOrd="0" presId="urn:microsoft.com/office/officeart/2008/layout/AlternatingHexagons"/>
+    <dgm:cxn modelId="{3E387B23-50CE-4ECB-BB34-8E326E12035C}" type="presParOf" srcId="{52CBEFD6-944C-4C29-881D-6B93A0B6E0D3}" destId="{7E675A58-2050-451E-8727-9471987AF611}" srcOrd="0" destOrd="0" presId="urn:microsoft.com/office/officeart/2008/layout/AlternatingHexagons"/>
+    <dgm:cxn modelId="{331D1B43-F348-41A6-80FF-6830C6B56717}" type="presParOf" srcId="{52CBEFD6-944C-4C29-881D-6B93A0B6E0D3}" destId="{956379C4-709D-4700-AED6-B933C4935025}" srcOrd="1" destOrd="0" presId="urn:microsoft.com/office/officeart/2008/layout/AlternatingHexagons"/>
+    <dgm:cxn modelId="{51A2B065-4E11-41FE-9847-19CC4C13D4EB}" type="presParOf" srcId="{52CBEFD6-944C-4C29-881D-6B93A0B6E0D3}" destId="{18667F00-5E66-407D-B045-A4F614F00EED}" srcOrd="2" destOrd="0" presId="urn:microsoft.com/office/officeart/2008/layout/AlternatingHexagons"/>
+    <dgm:cxn modelId="{611B2D7C-497F-4731-9851-86FD378C8C62}" type="presParOf" srcId="{52CBEFD6-944C-4C29-881D-6B93A0B6E0D3}" destId="{C57B5ADB-540D-4E2D-B46E-89E89256F133}" srcOrd="3" destOrd="0" presId="urn:microsoft.com/office/officeart/2008/layout/AlternatingHexagons"/>
+    <dgm:cxn modelId="{F65B5504-476B-4EB5-A4FA-AE31EA97FD70}" type="presParOf" srcId="{52CBEFD6-944C-4C29-881D-6B93A0B6E0D3}" destId="{68E2687C-7F09-4D76-B5C9-5DBF7D940A23}" srcOrd="4" destOrd="0" presId="urn:microsoft.com/office/officeart/2008/layout/AlternatingHexagons"/>
+  </dgm:cxnLst>
+  <dgm:bg/>
+  <dgm:whole/>
+  <dgm:extLst>
+    <a:ext uri="http://schemas.microsoft.com/office/drawing/2008/diagram">
+      <dsp:dataModelExt xmlns:dsp="http://schemas.microsoft.com/office/drawing/2008/diagram" relId="rId6" minVer="http://schemas.openxmlformats.org/drawingml/2006/diagram"/>
+    </a:ext>
+  </dgm:extLst>
+</dgm:dataModel>
+</file>
+
 <file path=ppt/diagrams/drawing1.xml><?xml version="1.0" encoding="utf-8"?>
 <dsp:drawing xmlns:dgm="http://schemas.openxmlformats.org/drawingml/2006/diagram" xmlns:dsp="http://schemas.microsoft.com/office/drawing/2008/diagram" xmlns:a="http://schemas.openxmlformats.org/drawingml/2006/main">
   <dsp:spTree>
@@ -5895,7 +6899,7 @@
       <dsp:spPr>
         <a:xfrm>
           <a:off x="3243197" y="784453"/>
-          <a:ext cx="603570" cy="91440"/>
+          <a:ext cx="557855" cy="91440"/>
         </a:xfrm>
         <a:custGeom>
           <a:avLst/>
@@ -5909,7 +6913,13 @@
                 <a:pt x="0" y="45720"/>
               </a:moveTo>
               <a:lnTo>
-                <a:pt x="603570" y="45720"/>
+                <a:pt x="296027" y="45720"/>
+              </a:lnTo>
+              <a:lnTo>
+                <a:pt x="296027" y="55050"/>
+              </a:lnTo>
+              <a:lnTo>
+                <a:pt x="557855" y="55050"/>
               </a:lnTo>
             </a:path>
           </a:pathLst>
@@ -5964,8 +6974,8 @@
         </a:p>
       </dsp:txBody>
       <dsp:txXfrm>
-        <a:off x="3529128" y="827002"/>
-        <a:ext cx="31708" cy="6341"/>
+        <a:off x="3507411" y="827002"/>
+        <a:ext cx="29426" cy="6341"/>
       </dsp:txXfrm>
     </dsp:sp>
     <dsp:sp modelId="{DA69CA60-4EA7-4427-A43D-A002D1E45625}">
@@ -6023,7 +7033,7 @@
         </a:bodyPr>
         <a:lstStyle/>
         <a:p>
-          <a:pPr marL="0" lvl="0" indent="0" algn="l" defTabSz="1066800">
+          <a:pPr marL="0" lvl="0" indent="0" algn="l" defTabSz="1377950">
             <a:lnSpc>
               <a:spcPct val="90000"/>
             </a:lnSpc>
@@ -6036,13 +7046,13 @@
             <a:buNone/>
           </a:pPr>
           <a:r>
-            <a:rPr lang="en-US" sz="2400" kern="1200" dirty="0"/>
+            <a:rPr lang="en-US" sz="3100" kern="1200" dirty="0"/>
             <a:t>Frontend</a:t>
           </a:r>
-          <a:endParaRPr lang="en-IN" sz="2400" kern="1200" dirty="0"/>
+          <a:endParaRPr lang="en-IN" sz="3100" kern="1200" dirty="0"/>
         </a:p>
         <a:p>
-          <a:pPr marL="171450" lvl="1" indent="-171450" algn="l" defTabSz="844550">
+          <a:pPr marL="228600" lvl="1" indent="-228600" algn="l" defTabSz="1066800">
             <a:lnSpc>
               <a:spcPct val="90000"/>
             </a:lnSpc>
@@ -6055,14 +7065,10 @@
             <a:buChar char="•"/>
           </a:pPr>
           <a:r>
-            <a:rPr lang="en-US" sz="1900" kern="1200" dirty="0"/>
-            <a:t>Base44 </a:t>
-          </a:r>
-          <a:r>
-            <a:rPr lang="en-US" sz="1900" kern="1200" dirty="0" err="1"/>
+            <a:rPr lang="en-US" sz="2400" kern="1200" dirty="0" err="1"/>
             <a:t>ReactUI</a:t>
           </a:r>
-          <a:endParaRPr lang="en-IN" sz="1900" kern="1200" dirty="0"/>
+          <a:endParaRPr lang="en-IN" sz="2400" kern="1200" dirty="0"/>
         </a:p>
       </dsp:txBody>
       <dsp:txXfrm>
@@ -6077,8 +7083,8 @@
       </dsp:nvSpPr>
       <dsp:spPr>
         <a:xfrm>
-          <a:off x="6634632" y="784453"/>
-          <a:ext cx="603570" cy="91440"/>
+          <a:off x="6588916" y="784453"/>
+          <a:ext cx="649286" cy="91440"/>
         </a:xfrm>
         <a:custGeom>
           <a:avLst/>
@@ -6089,10 +7095,16 @@
           <a:pathLst>
             <a:path>
               <a:moveTo>
-                <a:pt x="0" y="45720"/>
+                <a:pt x="0" y="55050"/>
               </a:moveTo>
               <a:lnTo>
-                <a:pt x="603570" y="45720"/>
+                <a:pt x="341743" y="55050"/>
+              </a:lnTo>
+              <a:lnTo>
+                <a:pt x="341743" y="45720"/>
+              </a:lnTo>
+              <a:lnTo>
+                <a:pt x="649286" y="45720"/>
               </a:lnTo>
             </a:path>
           </a:pathLst>
@@ -6101,9 +7113,9 @@
         <a:ln w="12700" cap="flat" cmpd="sng" algn="ctr">
           <a:solidFill>
             <a:schemeClr val="accent2">
-              <a:hueOff val="1610903"/>
-              <a:satOff val="-4623"/>
-              <a:lumOff val="-7402"/>
+              <a:hueOff val="2147871"/>
+              <a:satOff val="-6164"/>
+              <a:lumOff val="-9870"/>
               <a:alphaOff val="0"/>
             </a:schemeClr>
           </a:solidFill>
@@ -6147,8 +7159,8 @@
         </a:p>
       </dsp:txBody>
       <dsp:txXfrm>
-        <a:off x="6920563" y="827002"/>
-        <a:ext cx="31708" cy="6341"/>
+        <a:off x="6896561" y="827002"/>
+        <a:ext cx="33997" cy="6341"/>
       </dsp:txXfrm>
     </dsp:sp>
     <dsp:sp modelId="{1437BAF8-7E09-4579-9F3F-943CD8ACC643}">
@@ -6158,7 +7170,7 @@
       </dsp:nvSpPr>
       <dsp:spPr>
         <a:xfrm>
-          <a:off x="3879167" y="2994"/>
+          <a:off x="3833452" y="12324"/>
           <a:ext cx="2757264" cy="1654358"/>
         </a:xfrm>
         <a:prstGeom prst="rect">
@@ -6201,7 +7213,7 @@
         </a:bodyPr>
         <a:lstStyle/>
         <a:p>
-          <a:pPr marL="0" lvl="0" indent="0" algn="l" defTabSz="1066800">
+          <a:pPr marL="0" lvl="0" indent="0" algn="l" defTabSz="1377950">
             <a:lnSpc>
               <a:spcPct val="90000"/>
             </a:lnSpc>
@@ -6214,13 +7226,13 @@
             <a:buNone/>
           </a:pPr>
           <a:r>
-            <a:rPr lang="en-US" sz="2400" kern="1200" dirty="0"/>
+            <a:rPr lang="en-US" sz="3100" kern="1200" dirty="0"/>
             <a:t>Backend </a:t>
           </a:r>
-          <a:endParaRPr lang="en-IN" sz="2400" kern="1200" dirty="0"/>
+          <a:endParaRPr lang="en-IN" sz="3100" kern="1200" dirty="0"/>
         </a:p>
         <a:p>
-          <a:pPr marL="171450" lvl="1" indent="-171450" algn="l" defTabSz="844550">
+          <a:pPr marL="228600" lvl="1" indent="-228600" algn="l" defTabSz="1066800">
             <a:lnSpc>
               <a:spcPct val="90000"/>
             </a:lnSpc>
@@ -6233,49 +7245,26 @@
             <a:buChar char="•"/>
           </a:pPr>
           <a:r>
-            <a:rPr lang="en-US" sz="1900" kern="1200" dirty="0" err="1"/>
-            <a:t>FastAPI</a:t>
+            <a:rPr lang="en-US" sz="2400" kern="1200" dirty="0"/>
+            <a:t>N8n webhook</a:t>
           </a:r>
-          <a:r>
-            <a:rPr lang="en-US" sz="1900" kern="1200" dirty="0"/>
-            <a:t> service </a:t>
-          </a:r>
-          <a:endParaRPr lang="en-IN" sz="1900" kern="1200" dirty="0"/>
-        </a:p>
-        <a:p>
-          <a:pPr marL="171450" lvl="1" indent="-171450" algn="l" defTabSz="844550">
-            <a:lnSpc>
-              <a:spcPct val="90000"/>
-            </a:lnSpc>
-            <a:spcBef>
-              <a:spcPct val="0"/>
-            </a:spcBef>
-            <a:spcAft>
-              <a:spcPct val="15000"/>
-            </a:spcAft>
-            <a:buChar char="•"/>
-          </a:pPr>
-          <a:r>
-            <a:rPr lang="en-US" sz="1900" kern="1200"/>
-            <a:t>Hosted on Render</a:t>
-          </a:r>
-          <a:endParaRPr lang="en-IN" sz="1900" kern="1200" dirty="0"/>
+          <a:endParaRPr lang="en-IN" sz="2400" kern="1200" dirty="0"/>
         </a:p>
       </dsp:txBody>
       <dsp:txXfrm>
-        <a:off x="3879167" y="2994"/>
+        <a:off x="3833452" y="12324"/>
         <a:ext cx="2757264" cy="1654358"/>
       </dsp:txXfrm>
     </dsp:sp>
-    <dsp:sp modelId="{C1731831-CE52-4FE5-A63C-629F9AAA1390}">
+    <dsp:sp modelId="{A23E8CEF-3A71-492E-A51D-2E75469F8209}">
       <dsp:nvSpPr>
         <dsp:cNvPr id="0" name=""/>
         <dsp:cNvSpPr/>
       </dsp:nvSpPr>
       <dsp:spPr>
         <a:xfrm>
-          <a:off x="1866364" y="1655552"/>
-          <a:ext cx="6782870" cy="603570"/>
+          <a:off x="3405911" y="1655552"/>
+          <a:ext cx="5243324" cy="547736"/>
         </a:xfrm>
         <a:custGeom>
           <a:avLst/>
@@ -6286,16 +7275,16 @@
           <a:pathLst>
             <a:path>
               <a:moveTo>
-                <a:pt x="6782870" y="0"/>
+                <a:pt x="5243324" y="0"/>
               </a:moveTo>
               <a:lnTo>
-                <a:pt x="6782870" y="318885"/>
+                <a:pt x="5243324" y="290968"/>
               </a:lnTo>
               <a:lnTo>
-                <a:pt x="0" y="318885"/>
+                <a:pt x="0" y="290968"/>
               </a:lnTo>
               <a:lnTo>
-                <a:pt x="0" y="603570"/>
+                <a:pt x="0" y="547736"/>
               </a:lnTo>
             </a:path>
           </a:pathLst>
@@ -6304,9 +7293,9 @@
         <a:ln w="12700" cap="flat" cmpd="sng" algn="ctr">
           <a:solidFill>
             <a:schemeClr val="accent2">
-              <a:hueOff val="3221807"/>
-              <a:satOff val="-9246"/>
-              <a:lumOff val="-14805"/>
+              <a:hueOff val="4295743"/>
+              <a:satOff val="-12329"/>
+              <a:lumOff val="-19739"/>
               <a:alphaOff val="0"/>
             </a:schemeClr>
           </a:solidFill>
@@ -6350,11 +7339,11 @@
         </a:p>
       </dsp:txBody>
       <dsp:txXfrm>
-        <a:off x="5087488" y="1954167"/>
-        <a:ext cx="340622" cy="6341"/>
+        <a:off x="5895694" y="1926249"/>
+        <a:ext cx="263756" cy="6341"/>
       </dsp:txXfrm>
     </dsp:sp>
-    <dsp:sp modelId="{53698D13-16AB-4CE5-BE3C-683FE844D74F}">
+    <dsp:sp modelId="{01993737-F1A7-4330-8B86-A4276BADA294}">
       <dsp:nvSpPr>
         <dsp:cNvPr id="0" name=""/>
         <dsp:cNvSpPr/>
@@ -6369,9 +7358,9 @@
         </a:prstGeom>
         <a:solidFill>
           <a:schemeClr val="accent2">
-            <a:hueOff val="2577445"/>
-            <a:satOff val="-7397"/>
-            <a:lumOff val="-11844"/>
+            <a:hueOff val="3221807"/>
+            <a:satOff val="-9246"/>
+            <a:lumOff val="-14805"/>
             <a:alphaOff val="0"/>
           </a:schemeClr>
         </a:solidFill>
@@ -6409,7 +7398,7 @@
         </a:bodyPr>
         <a:lstStyle/>
         <a:p>
-          <a:pPr marL="0" lvl="0" indent="0" algn="l" defTabSz="1066800">
+          <a:pPr marL="0" lvl="0" indent="0" algn="l" defTabSz="1377950">
             <a:lnSpc>
               <a:spcPct val="90000"/>
             </a:lnSpc>
@@ -6422,13 +7411,13 @@
             <a:buNone/>
           </a:pPr>
           <a:r>
-            <a:rPr lang="en-US" sz="2400" kern="1200" dirty="0" err="1"/>
-            <a:t>LangChain</a:t>
+            <a:rPr lang="en-US" sz="3100" kern="1200" dirty="0"/>
+            <a:t>LLM</a:t>
           </a:r>
-          <a:endParaRPr lang="en-IN" sz="2400" kern="1200" dirty="0"/>
+          <a:endParaRPr lang="en-IN" sz="3100" kern="1200" dirty="0"/>
         </a:p>
         <a:p>
-          <a:pPr marL="171450" lvl="1" indent="-171450" algn="l" defTabSz="844550">
+          <a:pPr marL="228600" lvl="1" indent="-228600" algn="l" defTabSz="1066800">
             <a:lnSpc>
               <a:spcPct val="90000"/>
             </a:lnSpc>
@@ -6441,10 +7430,10 @@
             <a:buChar char="•"/>
           </a:pPr>
           <a:r>
-            <a:rPr lang="en-US" sz="1900" kern="1200" dirty="0"/>
-            <a:t>Agent orchestration</a:t>
+            <a:rPr lang="en-US" sz="2400" kern="1200"/>
+            <a:t>Gemini API</a:t>
           </a:r>
-          <a:endParaRPr lang="en-IN" sz="1900" kern="1200" dirty="0"/>
+          <a:endParaRPr lang="en-IN" sz="2400" kern="1200" dirty="0"/>
         </a:p>
       </dsp:txBody>
       <dsp:txXfrm>
@@ -6452,15 +7441,15 @@
         <a:ext cx="2757264" cy="1654358"/>
       </dsp:txXfrm>
     </dsp:sp>
-    <dsp:sp modelId="{A23E8CEF-3A71-492E-A51D-2E75469F8209}">
+    <dsp:sp modelId="{5E48F94D-4FC1-4C24-8C76-6CD02CEC0A9E}">
       <dsp:nvSpPr>
         <dsp:cNvPr id="0" name=""/>
         <dsp:cNvSpPr/>
       </dsp:nvSpPr>
       <dsp:spPr>
         <a:xfrm>
-          <a:off x="3243197" y="3072982"/>
-          <a:ext cx="603570" cy="91440"/>
+          <a:off x="4782743" y="3017148"/>
+          <a:ext cx="958127" cy="91440"/>
         </a:xfrm>
         <a:custGeom>
           <a:avLst/>
@@ -6474,186 +7463,7 @@
                 <a:pt x="0" y="45720"/>
               </a:moveTo>
               <a:lnTo>
-                <a:pt x="603570" y="45720"/>
-              </a:lnTo>
-            </a:path>
-          </a:pathLst>
-        </a:custGeom>
-        <a:noFill/>
-        <a:ln w="12700" cap="flat" cmpd="sng" algn="ctr">
-          <a:solidFill>
-            <a:schemeClr val="accent2">
-              <a:hueOff val="4832710"/>
-              <a:satOff val="-13870"/>
-              <a:lumOff val="-22207"/>
-              <a:alphaOff val="0"/>
-            </a:schemeClr>
-          </a:solidFill>
-          <a:prstDash val="solid"/>
-          <a:miter lim="800000"/>
-          <a:tailEnd type="arrow"/>
-        </a:ln>
-        <a:effectLst/>
-      </dsp:spPr>
-      <dsp:style>
-        <a:lnRef idx="1">
-          <a:scrgbClr r="0" g="0" b="0"/>
-        </a:lnRef>
-        <a:fillRef idx="0">
-          <a:scrgbClr r="0" g="0" b="0"/>
-        </a:fillRef>
-        <a:effectRef idx="0">
-          <a:scrgbClr r="0" g="0" b="0"/>
-        </a:effectRef>
-        <a:fontRef idx="minor"/>
-      </dsp:style>
-      <dsp:txBody>
-        <a:bodyPr spcFirstLastPara="0" vert="horz" wrap="square" lIns="12700" tIns="0" rIns="12700" bIns="0" numCol="1" spcCol="1270" anchor="ctr" anchorCtr="0">
-          <a:noAutofit/>
-        </a:bodyPr>
-        <a:lstStyle/>
-        <a:p>
-          <a:pPr marL="0" lvl="0" indent="0" algn="ctr" defTabSz="222250">
-            <a:lnSpc>
-              <a:spcPct val="90000"/>
-            </a:lnSpc>
-            <a:spcBef>
-              <a:spcPct val="0"/>
-            </a:spcBef>
-            <a:spcAft>
-              <a:spcPct val="35000"/>
-            </a:spcAft>
-            <a:buNone/>
-          </a:pPr>
-          <a:endParaRPr lang="en-IN" sz="500" kern="1200"/>
-        </a:p>
-      </dsp:txBody>
-      <dsp:txXfrm>
-        <a:off x="3529128" y="3115531"/>
-        <a:ext cx="31708" cy="6341"/>
-      </dsp:txXfrm>
-    </dsp:sp>
-    <dsp:sp modelId="{01993737-F1A7-4330-8B86-A4276BADA294}">
-      <dsp:nvSpPr>
-        <dsp:cNvPr id="0" name=""/>
-        <dsp:cNvSpPr/>
-      </dsp:nvSpPr>
-      <dsp:spPr>
-        <a:xfrm>
-          <a:off x="487732" y="2291523"/>
-          <a:ext cx="2757264" cy="1654358"/>
-        </a:xfrm>
-        <a:prstGeom prst="rect">
-          <a:avLst/>
-        </a:prstGeom>
-        <a:solidFill>
-          <a:schemeClr val="accent2">
-            <a:hueOff val="3866169"/>
-            <a:satOff val="-11096"/>
-            <a:lumOff val="-17765"/>
-            <a:alphaOff val="0"/>
-          </a:schemeClr>
-        </a:solidFill>
-        <a:ln w="19050" cap="flat" cmpd="sng" algn="ctr">
-          <a:solidFill>
-            <a:schemeClr val="lt1">
-              <a:hueOff val="0"/>
-              <a:satOff val="0"/>
-              <a:lumOff val="0"/>
-              <a:alphaOff val="0"/>
-            </a:schemeClr>
-          </a:solidFill>
-          <a:prstDash val="solid"/>
-          <a:miter lim="800000"/>
-        </a:ln>
-        <a:effectLst/>
-      </dsp:spPr>
-      <dsp:style>
-        <a:lnRef idx="2">
-          <a:scrgbClr r="0" g="0" b="0"/>
-        </a:lnRef>
-        <a:fillRef idx="1">
-          <a:scrgbClr r="0" g="0" b="0"/>
-        </a:fillRef>
-        <a:effectRef idx="0">
-          <a:scrgbClr r="0" g="0" b="0"/>
-        </a:effectRef>
-        <a:fontRef idx="minor">
-          <a:schemeClr val="lt1"/>
-        </a:fontRef>
-      </dsp:style>
-      <dsp:txBody>
-        <a:bodyPr spcFirstLastPara="0" vert="horz" wrap="square" lIns="135108" tIns="141820" rIns="135108" bIns="141820" numCol="1" spcCol="1270" anchor="t" anchorCtr="0">
-          <a:noAutofit/>
-        </a:bodyPr>
-        <a:lstStyle/>
-        <a:p>
-          <a:pPr marL="0" lvl="0" indent="0" algn="l" defTabSz="1066800">
-            <a:lnSpc>
-              <a:spcPct val="90000"/>
-            </a:lnSpc>
-            <a:spcBef>
-              <a:spcPct val="0"/>
-            </a:spcBef>
-            <a:spcAft>
-              <a:spcPct val="35000"/>
-            </a:spcAft>
-            <a:buNone/>
-          </a:pPr>
-          <a:r>
-            <a:rPr lang="en-US" sz="2400" kern="1200" dirty="0"/>
-            <a:t>LLM</a:t>
-          </a:r>
-          <a:endParaRPr lang="en-IN" sz="2400" kern="1200" dirty="0"/>
-        </a:p>
-        <a:p>
-          <a:pPr marL="171450" lvl="1" indent="-171450" algn="l" defTabSz="844550">
-            <a:lnSpc>
-              <a:spcPct val="90000"/>
-            </a:lnSpc>
-            <a:spcBef>
-              <a:spcPct val="0"/>
-            </a:spcBef>
-            <a:spcAft>
-              <a:spcPct val="15000"/>
-            </a:spcAft>
-            <a:buChar char="•"/>
-          </a:pPr>
-          <a:r>
-            <a:rPr lang="en-US" sz="1900" kern="1200"/>
-            <a:t>Gemini API</a:t>
-          </a:r>
-          <a:endParaRPr lang="en-IN" sz="1900" kern="1200" dirty="0"/>
-        </a:p>
-      </dsp:txBody>
-      <dsp:txXfrm>
-        <a:off x="487732" y="2291523"/>
-        <a:ext cx="2757264" cy="1654358"/>
-      </dsp:txXfrm>
-    </dsp:sp>
-    <dsp:sp modelId="{5E48F94D-4FC1-4C24-8C76-6CD02CEC0A9E}">
-      <dsp:nvSpPr>
-        <dsp:cNvPr id="0" name=""/>
-        <dsp:cNvSpPr/>
-      </dsp:nvSpPr>
-      <dsp:spPr>
-        <a:xfrm>
-          <a:off x="6634632" y="3072982"/>
-          <a:ext cx="603570" cy="91440"/>
-        </a:xfrm>
-        <a:custGeom>
-          <a:avLst/>
-          <a:gdLst/>
-          <a:ahLst/>
-          <a:cxnLst/>
-          <a:rect l="0" t="0" r="0" b="0"/>
-          <a:pathLst>
-            <a:path>
-              <a:moveTo>
-                <a:pt x="0" y="45720"/>
-              </a:moveTo>
-              <a:lnTo>
-                <a:pt x="603570" y="45720"/>
+                <a:pt x="958127" y="45720"/>
               </a:lnTo>
             </a:path>
           </a:pathLst>
@@ -6708,8 +7518,8 @@
         </a:p>
       </dsp:txBody>
       <dsp:txXfrm>
-        <a:off x="6920563" y="3115531"/>
-        <a:ext cx="31708" cy="6341"/>
+        <a:off x="5237088" y="3059697"/>
+        <a:ext cx="49436" cy="6341"/>
       </dsp:txXfrm>
     </dsp:sp>
     <dsp:sp modelId="{A5E83872-5068-4290-9367-6DB7E271DA7D}">
@@ -6719,7 +7529,7 @@
       </dsp:nvSpPr>
       <dsp:spPr>
         <a:xfrm>
-          <a:off x="3879167" y="2291523"/>
+          <a:off x="2027278" y="2235688"/>
           <a:ext cx="2757264" cy="1654358"/>
         </a:xfrm>
         <a:prstGeom prst="rect">
@@ -6727,9 +7537,9 @@
         </a:prstGeom>
         <a:solidFill>
           <a:schemeClr val="accent2">
-            <a:hueOff val="5154891"/>
-            <a:satOff val="-14794"/>
-            <a:lumOff val="-23687"/>
+            <a:hueOff val="4832710"/>
+            <a:satOff val="-13870"/>
+            <a:lumOff val="-22207"/>
             <a:alphaOff val="0"/>
           </a:schemeClr>
         </a:solidFill>
@@ -6767,7 +7577,7 @@
         </a:bodyPr>
         <a:lstStyle/>
         <a:p>
-          <a:pPr marL="0" lvl="0" indent="0" algn="l" defTabSz="1066800">
+          <a:pPr marL="0" lvl="0" indent="0" algn="l" defTabSz="1377950">
             <a:lnSpc>
               <a:spcPct val="90000"/>
             </a:lnSpc>
@@ -6780,13 +7590,13 @@
             <a:buNone/>
           </a:pPr>
           <a:r>
-            <a:rPr lang="en-US" sz="2400" kern="1200"/>
+            <a:rPr lang="en-US" sz="3100" kern="1200" dirty="0"/>
             <a:t>Tools</a:t>
           </a:r>
-          <a:endParaRPr lang="en-IN" sz="2400" kern="1200" dirty="0"/>
+          <a:endParaRPr lang="en-IN" sz="3100" kern="1200" dirty="0"/>
         </a:p>
         <a:p>
-          <a:pPr marL="171450" lvl="1" indent="-171450" algn="l" defTabSz="844550">
+          <a:pPr marL="228600" lvl="1" indent="-228600" algn="l" defTabSz="1066800">
             <a:lnSpc>
               <a:spcPct val="90000"/>
             </a:lnSpc>
@@ -6799,13 +7609,13 @@
             <a:buChar char="•"/>
           </a:pPr>
           <a:r>
-            <a:rPr lang="en-US" sz="1900" kern="1200"/>
+            <a:rPr lang="en-US" sz="2400" kern="1200" dirty="0"/>
             <a:t>Gemini</a:t>
           </a:r>
-          <a:endParaRPr lang="en-IN" sz="1900" kern="1200" dirty="0"/>
+          <a:endParaRPr lang="en-IN" sz="2400" kern="1200" dirty="0"/>
         </a:p>
         <a:p>
-          <a:pPr marL="171450" lvl="1" indent="-171450" algn="l" defTabSz="844550">
+          <a:pPr marL="228600" lvl="1" indent="-228600" algn="l" defTabSz="1066800">
             <a:lnSpc>
               <a:spcPct val="90000"/>
             </a:lnSpc>
@@ -6818,33 +7628,14 @@
             <a:buChar char="•"/>
           </a:pPr>
           <a:r>
-            <a:rPr lang="en-US" sz="1900" kern="1200"/>
-            <a:t>Mailtrap</a:t>
+            <a:rPr lang="en-US" sz="2400" kern="1200" dirty="0" err="1"/>
+            <a:t>Supabase</a:t>
           </a:r>
-          <a:endParaRPr lang="en-IN" sz="1900" kern="1200" dirty="0"/>
-        </a:p>
-        <a:p>
-          <a:pPr marL="171450" lvl="1" indent="-171450" algn="l" defTabSz="844550">
-            <a:lnSpc>
-              <a:spcPct val="90000"/>
-            </a:lnSpc>
-            <a:spcBef>
-              <a:spcPct val="0"/>
-            </a:spcBef>
-            <a:spcAft>
-              <a:spcPct val="15000"/>
-            </a:spcAft>
-            <a:buChar char="•"/>
-          </a:pPr>
-          <a:r>
-            <a:rPr lang="en-US" sz="1900" kern="1200"/>
-            <a:t>Pandas</a:t>
-          </a:r>
-          <a:endParaRPr lang="en-IN" sz="1900" kern="1200" dirty="0"/>
+          <a:endParaRPr lang="en-IN" sz="2400" kern="1200" dirty="0"/>
         </a:p>
       </dsp:txBody>
       <dsp:txXfrm>
-        <a:off x="3879167" y="2291523"/>
+        <a:off x="2027278" y="2235688"/>
         <a:ext cx="2757264" cy="1654358"/>
       </dsp:txXfrm>
     </dsp:sp>
@@ -6855,7 +7646,7 @@
       </dsp:nvSpPr>
       <dsp:spPr>
         <a:xfrm>
-          <a:off x="7270602" y="2291523"/>
+          <a:off x="5773270" y="2235688"/>
           <a:ext cx="2757264" cy="1654358"/>
         </a:xfrm>
         <a:prstGeom prst="rect">
@@ -6903,7 +7694,7 @@
         </a:bodyPr>
         <a:lstStyle/>
         <a:p>
-          <a:pPr marL="0" lvl="0" indent="0" algn="ctr" defTabSz="1066800">
+          <a:pPr marL="0" lvl="0" indent="0" algn="ctr" defTabSz="1377950">
             <a:lnSpc>
               <a:spcPct val="90000"/>
             </a:lnSpc>
@@ -6916,14 +7707,14 @@
             <a:buNone/>
           </a:pPr>
           <a:r>
-            <a:rPr lang="en-US" sz="2400" kern="1200"/>
+            <a:rPr lang="en-US" sz="3100" kern="1200" dirty="0"/>
             <a:t>Response</a:t>
           </a:r>
-          <a:endParaRPr lang="en-IN" sz="2400" kern="1200" dirty="0"/>
+          <a:endParaRPr lang="en-IN" sz="3100" kern="1200" dirty="0"/>
         </a:p>
       </dsp:txBody>
       <dsp:txXfrm>
-        <a:off x="7270602" y="2291523"/>
+        <a:off x="5773270" y="2235688"/>
         <a:ext cx="2757264" cy="1654358"/>
       </dsp:txXfrm>
     </dsp:sp>
@@ -7161,12 +7952,12 @@
         </a:fontRef>
       </dsp:style>
       <dsp:txBody>
-        <a:bodyPr spcFirstLastPara="0" vert="horz" wrap="square" lIns="8255" tIns="8255" rIns="8255" bIns="8255" numCol="1" spcCol="1270" anchor="ctr" anchorCtr="0">
+        <a:bodyPr spcFirstLastPara="0" vert="horz" wrap="square" lIns="10160" tIns="10160" rIns="10160" bIns="10160" numCol="1" spcCol="1270" anchor="ctr" anchorCtr="0">
           <a:noAutofit/>
         </a:bodyPr>
         <a:lstStyle/>
         <a:p>
-          <a:pPr marL="0" lvl="0" indent="0" algn="ctr" defTabSz="577850">
+          <a:pPr marL="0" lvl="0" indent="0" algn="ctr" defTabSz="711200">
             <a:lnSpc>
               <a:spcPct val="90000"/>
             </a:lnSpc>
@@ -7179,10 +7970,10 @@
             <a:buNone/>
           </a:pPr>
           <a:r>
-            <a:rPr lang="en-US" sz="1300" kern="1200" dirty="0"/>
+            <a:rPr lang="en-US" sz="1600" kern="1200" dirty="0"/>
             <a:t>User sends query via React UI</a:t>
           </a:r>
-          <a:endParaRPr lang="en-IN" sz="1300" kern="1200" dirty="0"/>
+          <a:endParaRPr lang="en-IN" sz="1600" kern="1200" dirty="0"/>
         </a:p>
       </dsp:txBody>
       <dsp:txXfrm>
@@ -7235,12 +8026,12 @@
         </a:fontRef>
       </dsp:style>
       <dsp:txBody>
-        <a:bodyPr spcFirstLastPara="0" vert="horz" wrap="square" lIns="8255" tIns="8255" rIns="8255" bIns="8255" numCol="1" spcCol="1270" anchor="ctr" anchorCtr="0">
+        <a:bodyPr spcFirstLastPara="0" vert="horz" wrap="square" lIns="10160" tIns="10160" rIns="10160" bIns="10160" numCol="1" spcCol="1270" anchor="ctr" anchorCtr="0">
           <a:noAutofit/>
         </a:bodyPr>
         <a:lstStyle/>
         <a:p>
-          <a:pPr marL="0" lvl="0" indent="0" algn="ctr" defTabSz="577850">
+          <a:pPr marL="0" lvl="0" indent="0" algn="ctr" defTabSz="711200">
             <a:lnSpc>
               <a:spcPct val="90000"/>
             </a:lnSpc>
@@ -7253,22 +8044,10 @@
             <a:buNone/>
           </a:pPr>
           <a:r>
-            <a:rPr lang="en-US" sz="1300" kern="1200" dirty="0" err="1"/>
-            <a:t>FastAPI</a:t>
+            <a:rPr lang="en-US" sz="1600" kern="1200" dirty="0"/>
+            <a:t>N8n webhook receives the input</a:t>
           </a:r>
-          <a:r>
-            <a:rPr lang="en-US" sz="1300" kern="1200" dirty="0"/>
-            <a:t> receives request and passes it to </a:t>
-          </a:r>
-          <a:r>
-            <a:rPr lang="en-US" sz="1300" kern="1200" dirty="0" err="1"/>
-            <a:t>LangChain</a:t>
-          </a:r>
-          <a:r>
-            <a:rPr lang="en-US" sz="1300" kern="1200" dirty="0"/>
-            <a:t> agent</a:t>
-          </a:r>
-          <a:endParaRPr lang="en-IN" sz="1300" kern="1200" dirty="0"/>
+          <a:endParaRPr lang="en-IN" sz="1600" kern="1200" dirty="0"/>
         </a:p>
       </dsp:txBody>
       <dsp:txXfrm>
@@ -7321,12 +8100,12 @@
         </a:fontRef>
       </dsp:style>
       <dsp:txBody>
-        <a:bodyPr spcFirstLastPara="0" vert="horz" wrap="square" lIns="8255" tIns="8255" rIns="8255" bIns="8255" numCol="1" spcCol="1270" anchor="ctr" anchorCtr="0">
+        <a:bodyPr spcFirstLastPara="0" vert="horz" wrap="square" lIns="10160" tIns="10160" rIns="10160" bIns="10160" numCol="1" spcCol="1270" anchor="ctr" anchorCtr="0">
           <a:noAutofit/>
         </a:bodyPr>
         <a:lstStyle/>
         <a:p>
-          <a:pPr marL="0" lvl="0" indent="0" algn="ctr" defTabSz="577850">
+          <a:pPr marL="0" lvl="0" indent="0" algn="ctr" defTabSz="711200">
             <a:lnSpc>
               <a:spcPct val="90000"/>
             </a:lnSpc>
@@ -7339,14 +8118,10 @@
             <a:buNone/>
           </a:pPr>
           <a:r>
-            <a:rPr lang="en-US" sz="1300" kern="1200" dirty="0" err="1"/>
-            <a:t>LangChain</a:t>
+            <a:rPr lang="en-US" sz="1600" kern="1200" dirty="0"/>
+            <a:t>AI Agent </a:t>
           </a:r>
-          <a:r>
-            <a:rPr lang="en-US" sz="1300" kern="1200" dirty="0"/>
-            <a:t> agent </a:t>
-          </a:r>
-          <a:endParaRPr lang="en-IN" sz="1300" kern="1200" dirty="0"/>
+          <a:endParaRPr lang="en-IN" sz="1600" kern="1200" dirty="0"/>
         </a:p>
       </dsp:txBody>
       <dsp:txXfrm>
@@ -7404,12 +8179,12 @@
         </a:fontRef>
       </dsp:style>
       <dsp:txBody>
-        <a:bodyPr spcFirstLastPara="0" vert="horz" wrap="square" lIns="8255" tIns="8255" rIns="8255" bIns="8255" numCol="1" spcCol="1270" anchor="ctr" anchorCtr="0">
+        <a:bodyPr spcFirstLastPara="0" vert="horz" wrap="square" lIns="10160" tIns="10160" rIns="10160" bIns="10160" numCol="1" spcCol="1270" anchor="ctr" anchorCtr="0">
           <a:noAutofit/>
         </a:bodyPr>
         <a:lstStyle/>
         <a:p>
-          <a:pPr marL="0" lvl="0" indent="0" algn="ctr" defTabSz="577850">
+          <a:pPr marL="0" lvl="0" indent="0" algn="ctr" defTabSz="711200">
             <a:lnSpc>
               <a:spcPct val="90000"/>
             </a:lnSpc>
@@ -7422,10 +8197,18 @@
             <a:buNone/>
           </a:pPr>
           <a:r>
-            <a:rPr lang="en-US" sz="1300" kern="1200"/>
-            <a:t>Chooses Tool(s) to execute query(Pandas for CSV/analytics, API for external data).</a:t>
+            <a:rPr lang="en-US" sz="1600" kern="1200" dirty="0"/>
+            <a:t>Calls </a:t>
           </a:r>
-          <a:endParaRPr lang="en-IN" sz="1300" kern="1200"/>
+          <a:r>
+            <a:rPr lang="en-US" sz="1600" kern="1200" dirty="0" err="1"/>
+            <a:t>Supabase</a:t>
+          </a:r>
+          <a:r>
+            <a:rPr lang="en-US" sz="1600" kern="1200" dirty="0"/>
+            <a:t> for vector search using RAG</a:t>
+          </a:r>
+          <a:endParaRPr lang="en-IN" sz="1600" kern="1200" dirty="0"/>
         </a:p>
       </dsp:txBody>
       <dsp:txXfrm>
@@ -7483,12 +8266,12 @@
         </a:fontRef>
       </dsp:style>
       <dsp:txBody>
-        <a:bodyPr spcFirstLastPara="0" vert="horz" wrap="square" lIns="8255" tIns="8255" rIns="8255" bIns="8255" numCol="1" spcCol="1270" anchor="ctr" anchorCtr="0">
+        <a:bodyPr spcFirstLastPara="0" vert="horz" wrap="square" lIns="10160" tIns="10160" rIns="10160" bIns="10160" numCol="1" spcCol="1270" anchor="ctr" anchorCtr="0">
           <a:noAutofit/>
         </a:bodyPr>
         <a:lstStyle/>
         <a:p>
-          <a:pPr marL="0" lvl="0" indent="0" algn="ctr" defTabSz="577850">
+          <a:pPr marL="0" lvl="0" indent="0" algn="ctr" defTabSz="711200">
             <a:lnSpc>
               <a:spcPct val="90000"/>
             </a:lnSpc>
@@ -7501,10 +8284,10 @@
             <a:buNone/>
           </a:pPr>
           <a:r>
-            <a:rPr lang="en-US" sz="1300" kern="1200"/>
+            <a:rPr lang="en-US" sz="1600" kern="1200" dirty="0"/>
             <a:t>Calls LLM for reasoning / query passing</a:t>
           </a:r>
-          <a:endParaRPr lang="en-IN" sz="1300" kern="1200"/>
+          <a:endParaRPr lang="en-IN" sz="1600" kern="1200" dirty="0"/>
         </a:p>
       </dsp:txBody>
       <dsp:txXfrm>
@@ -7562,12 +8345,12 @@
         </a:fontRef>
       </dsp:style>
       <dsp:txBody>
-        <a:bodyPr spcFirstLastPara="0" vert="horz" wrap="square" lIns="8255" tIns="8255" rIns="8255" bIns="8255" numCol="1" spcCol="1270" anchor="ctr" anchorCtr="0">
+        <a:bodyPr spcFirstLastPara="0" vert="horz" wrap="square" lIns="10160" tIns="10160" rIns="10160" bIns="10160" numCol="1" spcCol="1270" anchor="ctr" anchorCtr="0">
           <a:noAutofit/>
         </a:bodyPr>
         <a:lstStyle/>
         <a:p>
-          <a:pPr marL="0" lvl="0" indent="0" algn="ctr" defTabSz="577850">
+          <a:pPr marL="0" lvl="0" indent="0" algn="ctr" defTabSz="711200">
             <a:lnSpc>
               <a:spcPct val="90000"/>
             </a:lnSpc>
@@ -7580,10 +8363,10 @@
             <a:buNone/>
           </a:pPr>
           <a:r>
-            <a:rPr lang="en-US" sz="1300" kern="1200"/>
+            <a:rPr lang="en-US" sz="1600" kern="1200" dirty="0"/>
             <a:t>Integrates results and returns structured response</a:t>
           </a:r>
-          <a:endParaRPr lang="en-IN" sz="1300" kern="1200"/>
+          <a:endParaRPr lang="en-IN" sz="1600" kern="1200" dirty="0"/>
         </a:p>
       </dsp:txBody>
       <dsp:txXfrm>
@@ -7636,12 +8419,12 @@
         </a:fontRef>
       </dsp:style>
       <dsp:txBody>
-        <a:bodyPr spcFirstLastPara="0" vert="horz" wrap="square" lIns="8255" tIns="8255" rIns="8255" bIns="8255" numCol="1" spcCol="1270" anchor="ctr" anchorCtr="0">
+        <a:bodyPr spcFirstLastPara="0" vert="horz" wrap="square" lIns="10160" tIns="10160" rIns="10160" bIns="10160" numCol="1" spcCol="1270" anchor="ctr" anchorCtr="0">
           <a:noAutofit/>
         </a:bodyPr>
         <a:lstStyle/>
         <a:p>
-          <a:pPr marL="0" lvl="0" indent="0" algn="ctr" defTabSz="577850">
+          <a:pPr marL="0" lvl="0" indent="0" algn="ctr" defTabSz="711200">
             <a:lnSpc>
               <a:spcPct val="90000"/>
             </a:lnSpc>
@@ -7654,14 +8437,10 @@
             <a:buNone/>
           </a:pPr>
           <a:r>
-            <a:rPr lang="en-US" sz="1300" kern="1200" dirty="0" err="1"/>
-            <a:t>FastAPI</a:t>
+            <a:rPr lang="en-US" sz="1600" kern="1200" dirty="0"/>
+            <a:t>Webhook returns results in UI</a:t>
           </a:r>
-          <a:r>
-            <a:rPr lang="en-US" sz="1300" kern="1200" dirty="0"/>
-            <a:t> returns results in UI</a:t>
-          </a:r>
-          <a:endParaRPr lang="en-IN" sz="1300" kern="1200" dirty="0"/>
+          <a:endParaRPr lang="en-IN" sz="1600" kern="1200" dirty="0"/>
         </a:p>
       </dsp:txBody>
       <dsp:txXfrm>
@@ -7714,12 +8493,12 @@
         </a:fontRef>
       </dsp:style>
       <dsp:txBody>
-        <a:bodyPr spcFirstLastPara="0" vert="horz" wrap="square" lIns="8255" tIns="8255" rIns="8255" bIns="8255" numCol="1" spcCol="1270" anchor="ctr" anchorCtr="0">
+        <a:bodyPr spcFirstLastPara="0" vert="horz" wrap="square" lIns="10160" tIns="10160" rIns="10160" bIns="10160" numCol="1" spcCol="1270" anchor="ctr" anchorCtr="0">
           <a:noAutofit/>
         </a:bodyPr>
         <a:lstStyle/>
         <a:p>
-          <a:pPr marL="0" lvl="0" indent="0" algn="ctr" defTabSz="577850">
+          <a:pPr marL="0" lvl="0" indent="0" algn="ctr" defTabSz="711200">
             <a:lnSpc>
               <a:spcPct val="90000"/>
             </a:lnSpc>
@@ -7732,10 +8511,10 @@
             <a:buNone/>
           </a:pPr>
           <a:r>
-            <a:rPr lang="en-US" sz="1300" kern="1200"/>
+            <a:rPr lang="en-US" sz="1600" kern="1200"/>
             <a:t>Optional triggers: Email</a:t>
           </a:r>
-          <a:endParaRPr lang="en-IN" sz="1300" kern="1200" dirty="0"/>
+          <a:endParaRPr lang="en-IN" sz="1600" kern="1200" dirty="0"/>
         </a:p>
       </dsp:txBody>
       <dsp:txXfrm>
@@ -7812,7 +8591,7 @@
         </a:bodyPr>
         <a:lstStyle/>
         <a:p>
-          <a:pPr marL="0" lvl="0" indent="0" algn="l" defTabSz="800100">
+          <a:pPr marL="0" lvl="0" indent="0" algn="l" defTabSz="622300">
             <a:lnSpc>
               <a:spcPct val="90000"/>
             </a:lnSpc>
@@ -7825,10 +8604,10 @@
             <a:buNone/>
           </a:pPr>
           <a:r>
-            <a:rPr lang="en-US" sz="1800" b="0" i="0" kern="1200" baseline="0"/>
-            <a:t>Modular: Easily add new tools via LangChain.</a:t>
+            <a:rPr lang="en-US" sz="1400" b="0" i="0" kern="1200" baseline="0" dirty="0"/>
+            <a:t>Modular: Easily add new tools via n8n</a:t>
           </a:r>
-          <a:endParaRPr lang="en-US" sz="1800" kern="1200"/>
+          <a:endParaRPr lang="en-US" sz="1400" kern="1200" dirty="0"/>
         </a:p>
       </dsp:txBody>
       <dsp:txXfrm>
@@ -8021,7 +8800,7 @@
         </a:bodyPr>
         <a:lstStyle/>
         <a:p>
-          <a:pPr marL="0" lvl="0" indent="0" algn="l" defTabSz="800100">
+          <a:pPr marL="0" lvl="0" indent="0" algn="l" defTabSz="622300">
             <a:lnSpc>
               <a:spcPct val="90000"/>
             </a:lnSpc>
@@ -8034,10 +8813,16 @@
             <a:buNone/>
           </a:pPr>
           <a:r>
-            <a:rPr lang="en-US" sz="1800" b="0" i="0" kern="1200" baseline="0"/>
-            <a:t>Reactive: Real-time analytics via FastAPI + React.</a:t>
+            <a:rPr lang="en-US" sz="1400" kern="1200" dirty="0"/>
+            <a:t>Quick Prototyping:</a:t>
           </a:r>
-          <a:endParaRPr lang="en-US" sz="1800" kern="1200"/>
+          <a:br>
+            <a:rPr lang="en-US" sz="1400" kern="1200" dirty="0"/>
+          </a:br>
+          <a:r>
+            <a:rPr lang="en-US" sz="1400" kern="1200" dirty="0"/>
+            <a:t>Helps build the PoC easily</a:t>
+          </a:r>
         </a:p>
       </dsp:txBody>
       <dsp:txXfrm>
@@ -8230,7 +9015,7 @@
         </a:bodyPr>
         <a:lstStyle/>
         <a:p>
-          <a:pPr marL="0" lvl="0" indent="0" algn="l" defTabSz="800100">
+          <a:pPr marL="0" lvl="0" indent="0" algn="l" defTabSz="622300">
             <a:lnSpc>
               <a:spcPct val="90000"/>
             </a:lnSpc>
@@ -8243,10 +9028,10 @@
             <a:buNone/>
           </a:pPr>
           <a:r>
-            <a:rPr lang="en-US" sz="1800" b="0" i="0" kern="1200" baseline="0"/>
+            <a:rPr lang="en-US" sz="1400" b="0" i="0" kern="1200" baseline="0"/>
             <a:t>Transparent: Logs all agent decisions.</a:t>
           </a:r>
-          <a:endParaRPr lang="en-US" sz="1800" kern="1200"/>
+          <a:endParaRPr lang="en-US" sz="1400" kern="1200"/>
         </a:p>
       </dsp:txBody>
       <dsp:txXfrm>
@@ -8439,7 +9224,7 @@
         </a:bodyPr>
         <a:lstStyle/>
         <a:p>
-          <a:pPr marL="0" lvl="0" indent="0" algn="l" defTabSz="800100">
+          <a:pPr marL="0" lvl="0" indent="0" algn="l" defTabSz="622300">
             <a:lnSpc>
               <a:spcPct val="90000"/>
             </a:lnSpc>
@@ -8452,10 +9237,10 @@
             <a:buNone/>
           </a:pPr>
           <a:r>
-            <a:rPr lang="en-US" sz="1800" b="0" i="0" kern="1200" baseline="0"/>
+            <a:rPr lang="en-US" sz="1400" b="0" i="0" kern="1200" baseline="0" dirty="0"/>
             <a:t>Scalable: Extend to multiple LLMs or parallel queries.</a:t>
           </a:r>
-          <a:endParaRPr lang="en-US" sz="1800" kern="1200"/>
+          <a:endParaRPr lang="en-US" sz="1400" kern="1200" dirty="0"/>
         </a:p>
       </dsp:txBody>
       <dsp:txXfrm>
@@ -8648,7 +9433,7 @@
         </a:bodyPr>
         <a:lstStyle/>
         <a:p>
-          <a:pPr marL="0" lvl="0" indent="0" algn="l" defTabSz="800100">
+          <a:pPr marL="0" lvl="0" indent="0" algn="l" defTabSz="622300">
             <a:lnSpc>
               <a:spcPct val="90000"/>
             </a:lnSpc>
@@ -8661,10 +9446,10 @@
             <a:buNone/>
           </a:pPr>
           <a:r>
-            <a:rPr lang="en-US" sz="1800" b="0" i="0" kern="1200" baseline="0"/>
-            <a:t>Roadmap: Multi-agent, advanced analytics, more integrations.</a:t>
+            <a:rPr lang="en-US" sz="1400" b="0" i="0" kern="1200" baseline="0" dirty="0"/>
+            <a:t>Roadmap: Multi-agent, advanced analytics, more autonomous actions.</a:t>
           </a:r>
-          <a:endParaRPr lang="en-US" sz="1800" kern="1200"/>
+          <a:endParaRPr lang="en-US" sz="1400" kern="1200" dirty="0"/>
         </a:p>
       </dsp:txBody>
       <dsp:txXfrm>
@@ -8952,8 +9737,8 @@
             <a:defRPr cap="all"/>
           </a:pPr>
           <a:r>
-            <a:rPr lang="en-US" sz="1100" kern="1200"/>
-            <a:t>It was difficult to get the render API endpoint up and running to version mismatch with local windows setup and the render linux setup. </a:t>
+            <a:rPr lang="en-US" sz="1100" kern="1200" dirty="0"/>
+            <a:t>Data extraction and processing is challenging without having access to various in-built tools.</a:t>
           </a:r>
         </a:p>
       </dsp:txBody>
@@ -9102,7 +9887,7 @@
             <a:defRPr cap="all"/>
           </a:pPr>
           <a:r>
-            <a:rPr lang="en-US" sz="1100" kern="1200"/>
+            <a:rPr lang="en-US" sz="1100" kern="1200" dirty="0"/>
             <a:t>With Vibe coding the UI there are limitations to code control and editability which leads to more failures as the scenarios become more complex. </a:t>
           </a:r>
         </a:p>
@@ -9416,6 +10201,687 @@
       <dsp:txXfrm>
         <a:off x="8456657" y="2650848"/>
         <a:ext cx="2370489" cy="787500"/>
+      </dsp:txXfrm>
+    </dsp:sp>
+  </dsp:spTree>
+</dsp:drawing>
+</file>
+
+<file path=ppt/diagrams/drawing5.xml><?xml version="1.0" encoding="utf-8"?>
+<dsp:drawing xmlns:dgm="http://schemas.openxmlformats.org/drawingml/2006/diagram" xmlns:dsp="http://schemas.microsoft.com/office/drawing/2008/diagram" xmlns:a="http://schemas.openxmlformats.org/drawingml/2006/main">
+  <dsp:spTree>
+    <dsp:nvGrpSpPr>
+      <dsp:cNvPr id="0" name=""/>
+      <dsp:cNvGrpSpPr/>
+    </dsp:nvGrpSpPr>
+    <dsp:grpSpPr/>
+    <dsp:sp modelId="{D3427E41-BB66-4B56-BB53-583FEE7226FE}">
+      <dsp:nvSpPr>
+        <dsp:cNvPr id="0" name=""/>
+        <dsp:cNvSpPr/>
+      </dsp:nvSpPr>
+      <dsp:spPr>
+        <a:xfrm rot="5400000">
+          <a:off x="3779588" y="157467"/>
+          <a:ext cx="2402480" cy="2090158"/>
+        </a:xfrm>
+        <a:prstGeom prst="hexagon">
+          <a:avLst>
+            <a:gd name="adj" fmla="val 25000"/>
+            <a:gd name="vf" fmla="val 115470"/>
+          </a:avLst>
+        </a:prstGeom>
+        <a:solidFill>
+          <a:schemeClr val="accent2">
+            <a:hueOff val="0"/>
+            <a:satOff val="0"/>
+            <a:lumOff val="0"/>
+            <a:alphaOff val="0"/>
+          </a:schemeClr>
+        </a:solidFill>
+        <a:ln w="19050" cap="flat" cmpd="sng" algn="ctr">
+          <a:solidFill>
+            <a:schemeClr val="lt1">
+              <a:hueOff val="0"/>
+              <a:satOff val="0"/>
+              <a:lumOff val="0"/>
+              <a:alphaOff val="0"/>
+            </a:schemeClr>
+          </a:solidFill>
+          <a:prstDash val="solid"/>
+          <a:miter lim="800000"/>
+        </a:ln>
+        <a:effectLst/>
+      </dsp:spPr>
+      <dsp:style>
+        <a:lnRef idx="2">
+          <a:scrgbClr r="0" g="0" b="0"/>
+        </a:lnRef>
+        <a:fillRef idx="1">
+          <a:scrgbClr r="0" g="0" b="0"/>
+        </a:fillRef>
+        <a:effectRef idx="0">
+          <a:scrgbClr r="0" g="0" b="0"/>
+        </a:effectRef>
+        <a:fontRef idx="minor">
+          <a:schemeClr val="lt1"/>
+        </a:fontRef>
+      </dsp:style>
+      <dsp:txBody>
+        <a:bodyPr spcFirstLastPara="0" vert="horz" wrap="square" lIns="53340" tIns="53340" rIns="53340" bIns="53340" numCol="1" spcCol="1270" anchor="ctr" anchorCtr="0">
+          <a:noAutofit/>
+        </a:bodyPr>
+        <a:lstStyle/>
+        <a:p>
+          <a:pPr marL="0" lvl="0" indent="0" algn="ctr" defTabSz="622300">
+            <a:lnSpc>
+              <a:spcPct val="90000"/>
+            </a:lnSpc>
+            <a:spcBef>
+              <a:spcPct val="0"/>
+            </a:spcBef>
+            <a:spcAft>
+              <a:spcPct val="35000"/>
+            </a:spcAft>
+            <a:buNone/>
+          </a:pPr>
+          <a:r>
+            <a:rPr lang="en-US" sz="1400" b="1" kern="1200" dirty="0"/>
+            <a:t>Conversational </a:t>
+          </a:r>
+        </a:p>
+        <a:p>
+          <a:pPr marL="0" lvl="0" indent="0" algn="ctr" defTabSz="622300">
+            <a:lnSpc>
+              <a:spcPct val="90000"/>
+            </a:lnSpc>
+            <a:spcBef>
+              <a:spcPct val="0"/>
+            </a:spcBef>
+            <a:spcAft>
+              <a:spcPct val="35000"/>
+            </a:spcAft>
+            <a:buNone/>
+          </a:pPr>
+          <a:r>
+            <a:rPr lang="en-US" sz="1400" b="1" kern="1200" dirty="0"/>
+            <a:t>Agent</a:t>
+          </a:r>
+          <a:endParaRPr lang="en-IN" sz="1400" b="1" kern="1200" dirty="0"/>
+        </a:p>
+      </dsp:txBody>
+      <dsp:txXfrm rot="-5400000">
+        <a:off x="4261465" y="375694"/>
+        <a:ext cx="1438726" cy="1653707"/>
+      </dsp:txXfrm>
+    </dsp:sp>
+    <dsp:sp modelId="{0CE9F5EB-F39A-442E-A9EA-5C277B72FCB0}">
+      <dsp:nvSpPr>
+        <dsp:cNvPr id="0" name=""/>
+        <dsp:cNvSpPr/>
+      </dsp:nvSpPr>
+      <dsp:spPr>
+        <a:xfrm>
+          <a:off x="6089333" y="481802"/>
+          <a:ext cx="2681168" cy="1441488"/>
+        </a:xfrm>
+        <a:prstGeom prst="rect">
+          <a:avLst/>
+        </a:prstGeom>
+        <a:noFill/>
+        <a:ln>
+          <a:noFill/>
+        </a:ln>
+        <a:effectLst/>
+      </dsp:spPr>
+      <dsp:style>
+        <a:lnRef idx="0">
+          <a:scrgbClr r="0" g="0" b="0"/>
+        </a:lnRef>
+        <a:fillRef idx="0">
+          <a:scrgbClr r="0" g="0" b="0"/>
+        </a:fillRef>
+        <a:effectRef idx="0">
+          <a:scrgbClr r="0" g="0" b="0"/>
+        </a:effectRef>
+        <a:fontRef idx="minor"/>
+      </dsp:style>
+      <dsp:txBody>
+        <a:bodyPr spcFirstLastPara="0" vert="horz" wrap="square" lIns="137160" tIns="137160" rIns="137160" bIns="137160" numCol="1" spcCol="1270" anchor="ctr" anchorCtr="0">
+          <a:noAutofit/>
+        </a:bodyPr>
+        <a:lstStyle/>
+        <a:p>
+          <a:pPr marL="0" lvl="0" indent="0" algn="l" defTabSz="1600200">
+            <a:lnSpc>
+              <a:spcPct val="90000"/>
+            </a:lnSpc>
+            <a:spcBef>
+              <a:spcPct val="0"/>
+            </a:spcBef>
+            <a:spcAft>
+              <a:spcPct val="35000"/>
+            </a:spcAft>
+            <a:buNone/>
+          </a:pPr>
+          <a:endParaRPr lang="en-IN" sz="3600" kern="1200"/>
+        </a:p>
+      </dsp:txBody>
+      <dsp:txXfrm>
+        <a:off x="6089333" y="481802"/>
+        <a:ext cx="2681168" cy="1441488"/>
+      </dsp:txXfrm>
+    </dsp:sp>
+    <dsp:sp modelId="{43FBEBAC-01CE-4782-9780-39C5D8AD27E4}">
+      <dsp:nvSpPr>
+        <dsp:cNvPr id="0" name=""/>
+        <dsp:cNvSpPr/>
+      </dsp:nvSpPr>
+      <dsp:spPr>
+        <a:xfrm rot="5400000">
+          <a:off x="1522217" y="157467"/>
+          <a:ext cx="2402480" cy="2090158"/>
+        </a:xfrm>
+        <a:prstGeom prst="hexagon">
+          <a:avLst>
+            <a:gd name="adj" fmla="val 25000"/>
+            <a:gd name="vf" fmla="val 115470"/>
+          </a:avLst>
+        </a:prstGeom>
+        <a:solidFill>
+          <a:schemeClr val="accent2">
+            <a:hueOff val="1288723"/>
+            <a:satOff val="-3699"/>
+            <a:lumOff val="-5922"/>
+            <a:alphaOff val="0"/>
+          </a:schemeClr>
+        </a:solidFill>
+        <a:ln w="19050" cap="flat" cmpd="sng" algn="ctr">
+          <a:solidFill>
+            <a:schemeClr val="lt1">
+              <a:hueOff val="0"/>
+              <a:satOff val="0"/>
+              <a:lumOff val="0"/>
+              <a:alphaOff val="0"/>
+            </a:schemeClr>
+          </a:solidFill>
+          <a:prstDash val="solid"/>
+          <a:miter lim="800000"/>
+        </a:ln>
+        <a:effectLst/>
+      </dsp:spPr>
+      <dsp:style>
+        <a:lnRef idx="2">
+          <a:scrgbClr r="0" g="0" b="0"/>
+        </a:lnRef>
+        <a:fillRef idx="1">
+          <a:scrgbClr r="0" g="0" b="0"/>
+        </a:fillRef>
+        <a:effectRef idx="0">
+          <a:scrgbClr r="0" g="0" b="0"/>
+        </a:effectRef>
+        <a:fontRef idx="minor">
+          <a:schemeClr val="lt1"/>
+        </a:fontRef>
+      </dsp:style>
+      <dsp:txBody>
+        <a:bodyPr spcFirstLastPara="0" vert="horz" wrap="square" lIns="0" tIns="0" rIns="0" bIns="0" numCol="1" spcCol="1270" anchor="ctr" anchorCtr="0">
+          <a:noAutofit/>
+        </a:bodyPr>
+        <a:lstStyle/>
+        <a:p>
+          <a:pPr marL="0" lvl="0" indent="0" algn="ctr" defTabSz="1600200">
+            <a:lnSpc>
+              <a:spcPct val="90000"/>
+            </a:lnSpc>
+            <a:spcBef>
+              <a:spcPct val="0"/>
+            </a:spcBef>
+            <a:spcAft>
+              <a:spcPct val="35000"/>
+            </a:spcAft>
+            <a:buNone/>
+          </a:pPr>
+          <a:endParaRPr lang="en-IN" sz="3600" kern="1200"/>
+        </a:p>
+      </dsp:txBody>
+      <dsp:txXfrm rot="-5400000">
+        <a:off x="2004094" y="375694"/>
+        <a:ext cx="1438726" cy="1653707"/>
+      </dsp:txXfrm>
+    </dsp:sp>
+    <dsp:sp modelId="{9656F1BB-E7FE-4A3E-9DC4-99B72F70F8DD}">
+      <dsp:nvSpPr>
+        <dsp:cNvPr id="0" name=""/>
+        <dsp:cNvSpPr/>
+      </dsp:nvSpPr>
+      <dsp:spPr>
+        <a:xfrm rot="5400000">
+          <a:off x="2646578" y="2196693"/>
+          <a:ext cx="2402480" cy="2090158"/>
+        </a:xfrm>
+        <a:prstGeom prst="hexagon">
+          <a:avLst>
+            <a:gd name="adj" fmla="val 25000"/>
+            <a:gd name="vf" fmla="val 115470"/>
+          </a:avLst>
+        </a:prstGeom>
+        <a:solidFill>
+          <a:schemeClr val="accent2">
+            <a:hueOff val="2577445"/>
+            <a:satOff val="-7397"/>
+            <a:lumOff val="-11844"/>
+            <a:alphaOff val="0"/>
+          </a:schemeClr>
+        </a:solidFill>
+        <a:ln w="19050" cap="flat" cmpd="sng" algn="ctr">
+          <a:solidFill>
+            <a:schemeClr val="lt1">
+              <a:hueOff val="0"/>
+              <a:satOff val="0"/>
+              <a:lumOff val="0"/>
+              <a:alphaOff val="0"/>
+            </a:schemeClr>
+          </a:solidFill>
+          <a:prstDash val="solid"/>
+          <a:miter lim="800000"/>
+        </a:ln>
+        <a:effectLst/>
+      </dsp:spPr>
+      <dsp:style>
+        <a:lnRef idx="2">
+          <a:scrgbClr r="0" g="0" b="0"/>
+        </a:lnRef>
+        <a:fillRef idx="1">
+          <a:scrgbClr r="0" g="0" b="0"/>
+        </a:fillRef>
+        <a:effectRef idx="0">
+          <a:scrgbClr r="0" g="0" b="0"/>
+        </a:effectRef>
+        <a:fontRef idx="minor">
+          <a:schemeClr val="lt1"/>
+        </a:fontRef>
+      </dsp:style>
+      <dsp:txBody>
+        <a:bodyPr spcFirstLastPara="0" vert="horz" wrap="square" lIns="60960" tIns="60960" rIns="60960" bIns="60960" numCol="1" spcCol="1270" anchor="ctr" anchorCtr="0">
+          <a:noAutofit/>
+        </a:bodyPr>
+        <a:lstStyle/>
+        <a:p>
+          <a:pPr marL="0" lvl="0" indent="0" algn="ctr" defTabSz="711200">
+            <a:lnSpc>
+              <a:spcPct val="90000"/>
+            </a:lnSpc>
+            <a:spcBef>
+              <a:spcPct val="0"/>
+            </a:spcBef>
+            <a:spcAft>
+              <a:spcPct val="35000"/>
+            </a:spcAft>
+            <a:buNone/>
+          </a:pPr>
+          <a:r>
+            <a:rPr lang="en-US" sz="1600" b="1" kern="1200" dirty="0"/>
+            <a:t>Insights Agent</a:t>
+          </a:r>
+          <a:endParaRPr lang="en-IN" sz="1600" b="1" kern="1200" dirty="0"/>
+        </a:p>
+      </dsp:txBody>
+      <dsp:txXfrm rot="-5400000">
+        <a:off x="3128455" y="2414920"/>
+        <a:ext cx="1438726" cy="1653707"/>
+      </dsp:txXfrm>
+    </dsp:sp>
+    <dsp:sp modelId="{0DD339D3-2B15-40A4-9D42-5B1B89625CB9}">
+      <dsp:nvSpPr>
+        <dsp:cNvPr id="0" name=""/>
+        <dsp:cNvSpPr/>
+      </dsp:nvSpPr>
+      <dsp:spPr>
+        <a:xfrm>
+          <a:off x="121571" y="2521028"/>
+          <a:ext cx="2594679" cy="1441488"/>
+        </a:xfrm>
+        <a:prstGeom prst="rect">
+          <a:avLst/>
+        </a:prstGeom>
+        <a:noFill/>
+        <a:ln>
+          <a:noFill/>
+        </a:ln>
+        <a:effectLst/>
+      </dsp:spPr>
+      <dsp:style>
+        <a:lnRef idx="0">
+          <a:scrgbClr r="0" g="0" b="0"/>
+        </a:lnRef>
+        <a:fillRef idx="0">
+          <a:scrgbClr r="0" g="0" b="0"/>
+        </a:fillRef>
+        <a:effectRef idx="0">
+          <a:scrgbClr r="0" g="0" b="0"/>
+        </a:effectRef>
+        <a:fontRef idx="minor"/>
+      </dsp:style>
+      <dsp:txBody>
+        <a:bodyPr spcFirstLastPara="0" vert="horz" wrap="square" lIns="137160" tIns="137160" rIns="137160" bIns="137160" numCol="1" spcCol="1270" anchor="ctr" anchorCtr="0">
+          <a:noAutofit/>
+        </a:bodyPr>
+        <a:lstStyle/>
+        <a:p>
+          <a:pPr marL="0" lvl="0" indent="0" algn="r" defTabSz="1600200">
+            <a:lnSpc>
+              <a:spcPct val="90000"/>
+            </a:lnSpc>
+            <a:spcBef>
+              <a:spcPct val="0"/>
+            </a:spcBef>
+            <a:spcAft>
+              <a:spcPct val="35000"/>
+            </a:spcAft>
+            <a:buNone/>
+          </a:pPr>
+          <a:endParaRPr lang="en-IN" sz="3600" kern="1200"/>
+        </a:p>
+      </dsp:txBody>
+      <dsp:txXfrm>
+        <a:off x="121571" y="2521028"/>
+        <a:ext cx="2594679" cy="1441488"/>
+      </dsp:txXfrm>
+    </dsp:sp>
+    <dsp:sp modelId="{78680469-76FB-49AC-B719-E06B2974D68C}">
+      <dsp:nvSpPr>
+        <dsp:cNvPr id="0" name=""/>
+        <dsp:cNvSpPr/>
+      </dsp:nvSpPr>
+      <dsp:spPr>
+        <a:xfrm rot="5400000">
+          <a:off x="4903949" y="2196693"/>
+          <a:ext cx="2402480" cy="2090158"/>
+        </a:xfrm>
+        <a:prstGeom prst="hexagon">
+          <a:avLst>
+            <a:gd name="adj" fmla="val 25000"/>
+            <a:gd name="vf" fmla="val 115470"/>
+          </a:avLst>
+        </a:prstGeom>
+        <a:solidFill>
+          <a:schemeClr val="accent2">
+            <a:hueOff val="3866169"/>
+            <a:satOff val="-11096"/>
+            <a:lumOff val="-17765"/>
+            <a:alphaOff val="0"/>
+          </a:schemeClr>
+        </a:solidFill>
+        <a:ln w="19050" cap="flat" cmpd="sng" algn="ctr">
+          <a:solidFill>
+            <a:schemeClr val="lt1">
+              <a:hueOff val="0"/>
+              <a:satOff val="0"/>
+              <a:lumOff val="0"/>
+              <a:alphaOff val="0"/>
+            </a:schemeClr>
+          </a:solidFill>
+          <a:prstDash val="solid"/>
+          <a:miter lim="800000"/>
+        </a:ln>
+        <a:effectLst/>
+      </dsp:spPr>
+      <dsp:style>
+        <a:lnRef idx="2">
+          <a:scrgbClr r="0" g="0" b="0"/>
+        </a:lnRef>
+        <a:fillRef idx="1">
+          <a:scrgbClr r="0" g="0" b="0"/>
+        </a:fillRef>
+        <a:effectRef idx="0">
+          <a:scrgbClr r="0" g="0" b="0"/>
+        </a:effectRef>
+        <a:fontRef idx="minor">
+          <a:schemeClr val="lt1"/>
+        </a:fontRef>
+      </dsp:style>
+      <dsp:txBody>
+        <a:bodyPr spcFirstLastPara="0" vert="horz" wrap="square" lIns="0" tIns="0" rIns="0" bIns="0" numCol="1" spcCol="1270" anchor="ctr" anchorCtr="0">
+          <a:noAutofit/>
+        </a:bodyPr>
+        <a:lstStyle/>
+        <a:p>
+          <a:pPr marL="0" lvl="0" indent="0" algn="ctr" defTabSz="1600200">
+            <a:lnSpc>
+              <a:spcPct val="90000"/>
+            </a:lnSpc>
+            <a:spcBef>
+              <a:spcPct val="0"/>
+            </a:spcBef>
+            <a:spcAft>
+              <a:spcPct val="35000"/>
+            </a:spcAft>
+            <a:buNone/>
+          </a:pPr>
+          <a:endParaRPr lang="en-IN" sz="3600" kern="1200"/>
+        </a:p>
+      </dsp:txBody>
+      <dsp:txXfrm rot="-5400000">
+        <a:off x="5385826" y="2414920"/>
+        <a:ext cx="1438726" cy="1653707"/>
+      </dsp:txXfrm>
+    </dsp:sp>
+    <dsp:sp modelId="{7E675A58-2050-451E-8727-9471987AF611}">
+      <dsp:nvSpPr>
+        <dsp:cNvPr id="0" name=""/>
+        <dsp:cNvSpPr/>
+      </dsp:nvSpPr>
+      <dsp:spPr>
+        <a:xfrm rot="5400000">
+          <a:off x="3779588" y="4235918"/>
+          <a:ext cx="2402480" cy="2090158"/>
+        </a:xfrm>
+        <a:prstGeom prst="hexagon">
+          <a:avLst>
+            <a:gd name="adj" fmla="val 25000"/>
+            <a:gd name="vf" fmla="val 115470"/>
+          </a:avLst>
+        </a:prstGeom>
+        <a:solidFill>
+          <a:schemeClr val="accent2">
+            <a:hueOff val="5154891"/>
+            <a:satOff val="-14794"/>
+            <a:lumOff val="-23687"/>
+            <a:alphaOff val="0"/>
+          </a:schemeClr>
+        </a:solidFill>
+        <a:ln w="19050" cap="flat" cmpd="sng" algn="ctr">
+          <a:solidFill>
+            <a:schemeClr val="lt1">
+              <a:hueOff val="0"/>
+              <a:satOff val="0"/>
+              <a:lumOff val="0"/>
+              <a:alphaOff val="0"/>
+            </a:schemeClr>
+          </a:solidFill>
+          <a:prstDash val="solid"/>
+          <a:miter lim="800000"/>
+        </a:ln>
+        <a:effectLst/>
+      </dsp:spPr>
+      <dsp:style>
+        <a:lnRef idx="2">
+          <a:scrgbClr r="0" g="0" b="0"/>
+        </a:lnRef>
+        <a:fillRef idx="1">
+          <a:scrgbClr r="0" g="0" b="0"/>
+        </a:fillRef>
+        <a:effectRef idx="0">
+          <a:scrgbClr r="0" g="0" b="0"/>
+        </a:effectRef>
+        <a:fontRef idx="minor">
+          <a:schemeClr val="lt1"/>
+        </a:fontRef>
+      </dsp:style>
+      <dsp:txBody>
+        <a:bodyPr spcFirstLastPara="0" vert="horz" wrap="square" lIns="60960" tIns="60960" rIns="60960" bIns="60960" numCol="1" spcCol="1270" anchor="ctr" anchorCtr="0">
+          <a:noAutofit/>
+        </a:bodyPr>
+        <a:lstStyle/>
+        <a:p>
+          <a:pPr marL="0" lvl="0" indent="0" algn="ctr" defTabSz="711200">
+            <a:lnSpc>
+              <a:spcPct val="90000"/>
+            </a:lnSpc>
+            <a:spcBef>
+              <a:spcPct val="0"/>
+            </a:spcBef>
+            <a:spcAft>
+              <a:spcPct val="35000"/>
+            </a:spcAft>
+            <a:buNone/>
+          </a:pPr>
+          <a:r>
+            <a:rPr lang="en-US" sz="1600" b="1" kern="1200" dirty="0"/>
+            <a:t>Email Agent</a:t>
+          </a:r>
+          <a:endParaRPr lang="en-IN" sz="1600" b="1" kern="1200" dirty="0"/>
+        </a:p>
+      </dsp:txBody>
+      <dsp:txXfrm rot="-5400000">
+        <a:off x="4261465" y="4454145"/>
+        <a:ext cx="1438726" cy="1653707"/>
+      </dsp:txXfrm>
+    </dsp:sp>
+    <dsp:sp modelId="{956379C4-709D-4700-AED6-B933C4935025}">
+      <dsp:nvSpPr>
+        <dsp:cNvPr id="0" name=""/>
+        <dsp:cNvSpPr/>
+      </dsp:nvSpPr>
+      <dsp:spPr>
+        <a:xfrm>
+          <a:off x="6089333" y="4560253"/>
+          <a:ext cx="2681168" cy="1441488"/>
+        </a:xfrm>
+        <a:prstGeom prst="rect">
+          <a:avLst/>
+        </a:prstGeom>
+        <a:noFill/>
+        <a:ln>
+          <a:noFill/>
+        </a:ln>
+        <a:effectLst/>
+      </dsp:spPr>
+      <dsp:style>
+        <a:lnRef idx="0">
+          <a:scrgbClr r="0" g="0" b="0"/>
+        </a:lnRef>
+        <a:fillRef idx="0">
+          <a:scrgbClr r="0" g="0" b="0"/>
+        </a:fillRef>
+        <a:effectRef idx="0">
+          <a:scrgbClr r="0" g="0" b="0"/>
+        </a:effectRef>
+        <a:fontRef idx="minor"/>
+      </dsp:style>
+      <dsp:txBody>
+        <a:bodyPr spcFirstLastPara="0" vert="horz" wrap="square" lIns="137160" tIns="137160" rIns="137160" bIns="137160" numCol="1" spcCol="1270" anchor="ctr" anchorCtr="0">
+          <a:noAutofit/>
+        </a:bodyPr>
+        <a:lstStyle/>
+        <a:p>
+          <a:pPr marL="0" lvl="0" indent="0" algn="l" defTabSz="1600200">
+            <a:lnSpc>
+              <a:spcPct val="90000"/>
+            </a:lnSpc>
+            <a:spcBef>
+              <a:spcPct val="0"/>
+            </a:spcBef>
+            <a:spcAft>
+              <a:spcPct val="35000"/>
+            </a:spcAft>
+            <a:buNone/>
+          </a:pPr>
+          <a:endParaRPr lang="en-IN" sz="3600" kern="1200"/>
+        </a:p>
+      </dsp:txBody>
+      <dsp:txXfrm>
+        <a:off x="6089333" y="4560253"/>
+        <a:ext cx="2681168" cy="1441488"/>
+      </dsp:txXfrm>
+    </dsp:sp>
+    <dsp:sp modelId="{68E2687C-7F09-4D76-B5C9-5DBF7D940A23}">
+      <dsp:nvSpPr>
+        <dsp:cNvPr id="0" name=""/>
+        <dsp:cNvSpPr/>
+      </dsp:nvSpPr>
+      <dsp:spPr>
+        <a:xfrm rot="5400000">
+          <a:off x="1522217" y="4235918"/>
+          <a:ext cx="2402480" cy="2090158"/>
+        </a:xfrm>
+        <a:prstGeom prst="hexagon">
+          <a:avLst>
+            <a:gd name="adj" fmla="val 25000"/>
+            <a:gd name="vf" fmla="val 115470"/>
+          </a:avLst>
+        </a:prstGeom>
+        <a:solidFill>
+          <a:schemeClr val="accent2">
+            <a:hueOff val="6443614"/>
+            <a:satOff val="-18493"/>
+            <a:lumOff val="-29609"/>
+            <a:alphaOff val="0"/>
+          </a:schemeClr>
+        </a:solidFill>
+        <a:ln w="19050" cap="flat" cmpd="sng" algn="ctr">
+          <a:solidFill>
+            <a:schemeClr val="lt1">
+              <a:hueOff val="0"/>
+              <a:satOff val="0"/>
+              <a:lumOff val="0"/>
+              <a:alphaOff val="0"/>
+            </a:schemeClr>
+          </a:solidFill>
+          <a:prstDash val="solid"/>
+          <a:miter lim="800000"/>
+        </a:ln>
+        <a:effectLst/>
+      </dsp:spPr>
+      <dsp:style>
+        <a:lnRef idx="2">
+          <a:scrgbClr r="0" g="0" b="0"/>
+        </a:lnRef>
+        <a:fillRef idx="1">
+          <a:scrgbClr r="0" g="0" b="0"/>
+        </a:fillRef>
+        <a:effectRef idx="0">
+          <a:scrgbClr r="0" g="0" b="0"/>
+        </a:effectRef>
+        <a:fontRef idx="minor">
+          <a:schemeClr val="lt1"/>
+        </a:fontRef>
+      </dsp:style>
+      <dsp:txBody>
+        <a:bodyPr spcFirstLastPara="0" vert="horz" wrap="square" lIns="0" tIns="0" rIns="0" bIns="0" numCol="1" spcCol="1270" anchor="ctr" anchorCtr="0">
+          <a:noAutofit/>
+        </a:bodyPr>
+        <a:lstStyle/>
+        <a:p>
+          <a:pPr marL="0" lvl="0" indent="0" algn="ctr" defTabSz="1600200">
+            <a:lnSpc>
+              <a:spcPct val="90000"/>
+            </a:lnSpc>
+            <a:spcBef>
+              <a:spcPct val="0"/>
+            </a:spcBef>
+            <a:spcAft>
+              <a:spcPct val="35000"/>
+            </a:spcAft>
+            <a:buNone/>
+          </a:pPr>
+          <a:endParaRPr lang="en-IN" sz="3600" kern="1200"/>
+        </a:p>
+      </dsp:txBody>
+      <dsp:txXfrm rot="-5400000">
+        <a:off x="2004094" y="4454145"/>
+        <a:ext cx="1438726" cy="1653707"/>
       </dsp:txXfrm>
     </dsp:sp>
   </dsp:spTree>
@@ -11290,6 +12756,361 @@
 </dgm:layoutDef>
 </file>
 
+<file path=ppt/diagrams/layout5.xml><?xml version="1.0" encoding="utf-8"?>
+<dgm:layoutDef xmlns:dgm="http://schemas.openxmlformats.org/drawingml/2006/diagram" xmlns:a="http://schemas.openxmlformats.org/drawingml/2006/main" uniqueId="urn:microsoft.com/office/officeart/2008/layout/AlternatingHexagons">
+  <dgm:title val=""/>
+  <dgm:desc val=""/>
+  <dgm:catLst>
+    <dgm:cat type="list" pri="1500"/>
+  </dgm:catLst>
+  <dgm:sampData>
+    <dgm:dataModel>
+      <dgm:ptLst>
+        <dgm:pt modelId="0" type="doc"/>
+        <dgm:pt modelId="10">
+          <dgm:prSet phldr="1"/>
+        </dgm:pt>
+        <dgm:pt modelId="11">
+          <dgm:prSet phldr="1"/>
+        </dgm:pt>
+        <dgm:pt modelId="20">
+          <dgm:prSet phldr="1"/>
+        </dgm:pt>
+        <dgm:pt modelId="21">
+          <dgm:prSet phldr="1"/>
+        </dgm:pt>
+        <dgm:pt modelId="30">
+          <dgm:prSet phldr="1"/>
+        </dgm:pt>
+        <dgm:pt modelId="31">
+          <dgm:prSet phldr="1"/>
+        </dgm:pt>
+      </dgm:ptLst>
+      <dgm:cxnLst>
+        <dgm:cxn modelId="40" srcId="0" destId="10" srcOrd="0" destOrd="0"/>
+        <dgm:cxn modelId="12" srcId="10" destId="11" srcOrd="0" destOrd="0"/>
+        <dgm:cxn modelId="50" srcId="0" destId="20" srcOrd="1" destOrd="0"/>
+        <dgm:cxn modelId="22" srcId="20" destId="21" srcOrd="0" destOrd="0"/>
+        <dgm:cxn modelId="60" srcId="0" destId="30" srcOrd="1" destOrd="0"/>
+        <dgm:cxn modelId="32" srcId="30" destId="31" srcOrd="0" destOrd="0"/>
+      </dgm:cxnLst>
+      <dgm:bg/>
+      <dgm:whole/>
+    </dgm:dataModel>
+  </dgm:sampData>
+  <dgm:styleData>
+    <dgm:dataModel>
+      <dgm:ptLst>
+        <dgm:pt modelId="0" type="doc"/>
+        <dgm:pt modelId="10">
+          <dgm:prSet phldr="1"/>
+        </dgm:pt>
+        <dgm:pt modelId="20">
+          <dgm:prSet phldr="1"/>
+        </dgm:pt>
+      </dgm:ptLst>
+      <dgm:cxnLst>
+        <dgm:cxn modelId="60" srcId="0" destId="10" srcOrd="0" destOrd="0"/>
+        <dgm:cxn modelId="70" srcId="0" destId="20" srcOrd="1" destOrd="0"/>
+      </dgm:cxnLst>
+      <dgm:bg/>
+      <dgm:whole/>
+    </dgm:dataModel>
+  </dgm:styleData>
+  <dgm:clrData>
+    <dgm:dataModel>
+      <dgm:ptLst>
+        <dgm:pt modelId="0" type="doc"/>
+        <dgm:pt modelId="10">
+          <dgm:prSet phldr="1"/>
+        </dgm:pt>
+        <dgm:pt modelId="20">
+          <dgm:prSet phldr="1"/>
+        </dgm:pt>
+        <dgm:pt modelId="30">
+          <dgm:prSet phldr="1"/>
+        </dgm:pt>
+        <dgm:pt modelId="40">
+          <dgm:prSet phldr="1"/>
+        </dgm:pt>
+      </dgm:ptLst>
+      <dgm:cxnLst>
+        <dgm:cxn modelId="60" srcId="0" destId="10" srcOrd="0" destOrd="0"/>
+        <dgm:cxn modelId="70" srcId="0" destId="20" srcOrd="1" destOrd="0"/>
+        <dgm:cxn modelId="80" srcId="0" destId="30" srcOrd="2" destOrd="0"/>
+        <dgm:cxn modelId="90" srcId="0" destId="40" srcOrd="3" destOrd="0"/>
+      </dgm:cxnLst>
+      <dgm:bg/>
+      <dgm:whole/>
+    </dgm:dataModel>
+  </dgm:clrData>
+  <dgm:layoutNode name="Name0">
+    <dgm:varLst>
+      <dgm:chMax/>
+      <dgm:chPref/>
+      <dgm:dir/>
+      <dgm:animLvl val="lvl"/>
+    </dgm:varLst>
+    <dgm:alg type="lin">
+      <dgm:param type="linDir" val="fromT"/>
+    </dgm:alg>
+    <dgm:shape xmlns:r="http://schemas.openxmlformats.org/officeDocument/2006/relationships" r:blip="">
+      <dgm:adjLst/>
+    </dgm:shape>
+    <dgm:constrLst>
+      <dgm:constr type="primFontSz" for="des" forName="Parent1" val="65"/>
+      <dgm:constr type="primFontSz" for="des" forName="Childtext1" refType="primFontSz" refFor="des" refForName="Parent1" op="lte"/>
+      <dgm:constr type="w" for="ch" forName="composite" refType="w"/>
+      <dgm:constr type="h" for="ch" forName="composite" refType="h"/>
+      <dgm:constr type="h" for="ch" forName="spaceBetweenRectangles" refType="w" refFor="ch" refForName="composite" fact="-0.042"/>
+      <dgm:constr type="sp" refType="h" refFor="ch" refForName="composite" op="equ" fact="0.1"/>
+    </dgm:constrLst>
+    <dgm:forEach name="nodesForEach" axis="ch" ptType="node">
+      <dgm:layoutNode name="composite">
+        <dgm:alg type="composite">
+          <dgm:param type="ar" val="3.6"/>
+        </dgm:alg>
+        <dgm:shape xmlns:r="http://schemas.openxmlformats.org/officeDocument/2006/relationships" r:blip="">
+          <dgm:adjLst/>
+        </dgm:shape>
+        <dgm:choose name="Name1">
+          <dgm:if name="Name2" func="var" arg="dir" op="equ" val="norm">
+            <dgm:choose name="Name3">
+              <dgm:if name="Name4" axis="self" ptType="node" func="posOdd" op="equ" val="1">
+                <dgm:constrLst>
+                  <dgm:constr type="l" for="ch" forName="Accent1" refType="w" fact="0.18"/>
+                  <dgm:constr type="t" for="ch" forName="Accent1" refType="h" fact="0"/>
+                  <dgm:constr type="h" for="ch" forName="Accent1" refType="h"/>
+                  <dgm:constr type="w" for="ch" forName="Accent1" refType="h" fact="0.87"/>
+                  <dgm:constr type="l" for="ch" forName="Accent1Text" refType="w" fact="0.18"/>
+                  <dgm:constr type="t" for="ch" forName="Accent1Text" refType="h" fact="0"/>
+                  <dgm:constr type="h" for="ch" forName="Accent1Text" refType="h"/>
+                  <dgm:constr type="w" for="ch" forName="Accent1Text" refType="h" fact="0.87"/>
+                  <dgm:constr type="l" for="ch" forName="Parent1" refType="w" fact="0.441"/>
+                  <dgm:constr type="t" for="ch" forName="Parent1" refType="h" fact="0"/>
+                  <dgm:constr type="h" for="ch" forName="Parent1" refType="h"/>
+                  <dgm:constr type="w" for="ch" forName="Parent1" refType="h" fact="0.87"/>
+                  <dgm:constr type="l" for="ch" forName="Childtext1" refType="w" fact="0.69"/>
+                  <dgm:constr type="t" for="ch" forName="Childtext1" refType="h" fact="0.2"/>
+                  <dgm:constr type="w" for="ch" forName="Childtext1" refType="w" fact="0.31"/>
+                  <dgm:constr type="h" for="ch" forName="Childtext1" refType="h" fact="0.6"/>
+                  <dgm:constr type="l" for="ch" forName="BalanceSpacing" refType="w" fact="0"/>
+                  <dgm:constr type="t" for="ch" forName="BalanceSpacing" refType="h" fact="0"/>
+                  <dgm:constr type="w" for="ch" forName="BalanceSpacing" refType="w"/>
+                  <dgm:constr type="h" for="ch" forName="BalanceSpacing" refType="h" fact="0.1"/>
+                  <dgm:constr type="l" for="ch" forName="BalanceSpacing1" refType="w" fact="0.69"/>
+                  <dgm:constr type="t" for="ch" forName="BalanceSpacing1" refType="h" fact="0.2"/>
+                  <dgm:constr type="w" for="ch" forName="BalanceSpacing1" refType="w" fact="0.31"/>
+                  <dgm:constr type="h" for="ch" forName="BalanceSpacing1" refType="h" fact="0.6"/>
+                </dgm:constrLst>
+              </dgm:if>
+              <dgm:else name="Name5">
+                <dgm:constrLst>
+                  <dgm:constr type="l" for="ch" forName="Accent1" refType="w" fact="0.571"/>
+                  <dgm:constr type="t" for="ch" forName="Accent1" refType="h" fact="0"/>
+                  <dgm:constr type="h" for="ch" forName="Accent1" refType="h"/>
+                  <dgm:constr type="w" for="ch" forName="Accent1" refType="h" fact="0.87"/>
+                  <dgm:constr type="l" for="ch" forName="Accent1Text" refType="w" fact="0.571"/>
+                  <dgm:constr type="t" for="ch" forName="Accent1Text" refType="h" fact="0"/>
+                  <dgm:constr type="h" for="ch" forName="Accent1Text" refType="h"/>
+                  <dgm:constr type="w" for="ch" forName="Accent1Text" refType="h" fact="0.87"/>
+                  <dgm:constr type="l" for="ch" forName="Parent1" refType="w" fact="0.31"/>
+                  <dgm:constr type="t" for="ch" forName="Parent1" refType="h" fact="0"/>
+                  <dgm:constr type="h" for="ch" forName="Parent1" refType="h"/>
+                  <dgm:constr type="w" for="ch" forName="Parent1" refType="h" fact="0.87"/>
+                  <dgm:constr type="l" for="ch" forName="Childtext1" refType="w" fact="0"/>
+                  <dgm:constr type="t" for="ch" forName="Childtext1" refType="h" fact="0.2"/>
+                  <dgm:constr type="w" for="ch" forName="Childtext1" refType="w" fact="0.3"/>
+                  <dgm:constr type="h" for="ch" forName="Childtext1" refType="h" fact="0.6"/>
+                  <dgm:constr type="l" for="ch" forName="BalanceSpacing" refType="w" fact="0.82"/>
+                  <dgm:constr type="t" for="ch" forName="BalanceSpacing" refType="h" fact="0"/>
+                  <dgm:constr type="w" for="ch" forName="BalanceSpacing" refType="w" fact="0.18"/>
+                  <dgm:constr type="h" for="ch" forName="BalanceSpacing" refType="h"/>
+                  <dgm:constr type="l" for="ch" forName="BalanceSpacing1" refType="w" fact="0"/>
+                  <dgm:constr type="t" for="ch" forName="BalanceSpacing1" refType="h" fact="0.2"/>
+                  <dgm:constr type="w" for="ch" forName="BalanceSpacing1" refType="w" fact="0.3"/>
+                  <dgm:constr type="h" for="ch" forName="BalanceSpacing1" refType="h" fact="0.6"/>
+                </dgm:constrLst>
+              </dgm:else>
+            </dgm:choose>
+          </dgm:if>
+          <dgm:else name="Name6">
+            <dgm:choose name="Name7">
+              <dgm:if name="Name8" axis="self" ptType="node" func="posOdd" op="equ" val="1">
+                <dgm:constrLst>
+                  <dgm:constr type="l" for="ch" forName="Accent1" refType="w" fact="0.571"/>
+                  <dgm:constr type="t" for="ch" forName="Accent1" refType="h" fact="0"/>
+                  <dgm:constr type="h" for="ch" forName="Accent1" refType="h"/>
+                  <dgm:constr type="w" for="ch" forName="Accent1" refType="h" fact="0.87"/>
+                  <dgm:constr type="l" for="ch" forName="Accent1Text" refType="w" fact="0.571"/>
+                  <dgm:constr type="t" for="ch" forName="Accent1Text" refType="h" fact="0"/>
+                  <dgm:constr type="h" for="ch" forName="Accent1Text" refType="h"/>
+                  <dgm:constr type="w" for="ch" forName="Accent1Text" refType="h" fact="0.87"/>
+                  <dgm:constr type="l" for="ch" forName="Parent1" refType="w" fact="0.31"/>
+                  <dgm:constr type="t" for="ch" forName="Parent1" refType="h" fact="0"/>
+                  <dgm:constr type="h" for="ch" forName="Parent1" refType="h"/>
+                  <dgm:constr type="w" for="ch" forName="Parent1" refType="h" fact="0.87"/>
+                  <dgm:constr type="l" for="ch" forName="Childtext1" refType="w" fact="0"/>
+                  <dgm:constr type="t" for="ch" forName="Childtext1" refType="h" fact="0.2"/>
+                  <dgm:constr type="w" for="ch" forName="Childtext1" refType="w" fact="0.3"/>
+                  <dgm:constr type="h" for="ch" forName="Childtext1" refType="h" fact="0.6"/>
+                  <dgm:constr type="l" for="ch" forName="BalanceSpacing" refType="w" fact="0.82"/>
+                  <dgm:constr type="t" for="ch" forName="BalanceSpacing" refType="h" fact="0"/>
+                  <dgm:constr type="w" for="ch" forName="BalanceSpacing" refType="w" fact="0.18"/>
+                  <dgm:constr type="h" for="ch" forName="BalanceSpacing" refType="h"/>
+                </dgm:constrLst>
+              </dgm:if>
+              <dgm:else name="Name9">
+                <dgm:constrLst>
+                  <dgm:constr type="l" for="ch" forName="Accent1" refType="w" fact="0.18"/>
+                  <dgm:constr type="t" for="ch" forName="Accent1" refType="h" fact="0"/>
+                  <dgm:constr type="h" for="ch" forName="Accent1" refType="h"/>
+                  <dgm:constr type="w" for="ch" forName="Accent1" refType="h" fact="0.87"/>
+                  <dgm:constr type="l" for="ch" forName="Accent1Text" refType="w" fact="0.18"/>
+                  <dgm:constr type="t" for="ch" forName="Accent1Text" refType="h" fact="0"/>
+                  <dgm:constr type="h" for="ch" forName="Accent1Text" refType="h"/>
+                  <dgm:constr type="w" for="ch" forName="Accent1Text" refType="h" fact="0.87"/>
+                  <dgm:constr type="l" for="ch" forName="Parent1" refType="w" fact="0.441"/>
+                  <dgm:constr type="t" for="ch" forName="Parent1" refType="h" fact="0"/>
+                  <dgm:constr type="h" for="ch" forName="Parent1" refType="h"/>
+                  <dgm:constr type="w" for="ch" forName="Parent1" refType="h" fact="0.87"/>
+                  <dgm:constr type="l" for="ch" forName="Childtext1" refType="w" fact="0.69"/>
+                  <dgm:constr type="t" for="ch" forName="Childtext1" refType="h" fact="0.2"/>
+                  <dgm:constr type="w" for="ch" forName="Childtext1" refType="w" fact="0.31"/>
+                  <dgm:constr type="h" for="ch" forName="Childtext1" refType="h" fact="0.6"/>
+                  <dgm:constr type="l" for="ch" forName="BalanceSpacing" refType="w" fact="0"/>
+                  <dgm:constr type="t" for="ch" forName="BalanceSpacing" refType="h" fact="0"/>
+                  <dgm:constr type="w" for="ch" forName="BalanceSpacing" refType="w" fact="0.18"/>
+                  <dgm:constr type="h" for="ch" forName="BalanceSpacing" refType="h"/>
+                </dgm:constrLst>
+              </dgm:else>
+            </dgm:choose>
+          </dgm:else>
+        </dgm:choose>
+        <dgm:layoutNode name="Parent1" styleLbl="node1">
+          <dgm:varLst>
+            <dgm:chMax val="1"/>
+            <dgm:chPref val="1"/>
+            <dgm:bulletEnabled val="1"/>
+          </dgm:varLst>
+          <dgm:alg type="tx"/>
+          <dgm:shape xmlns:r="http://schemas.openxmlformats.org/officeDocument/2006/relationships" rot="90" type="hexagon" r:blip="">
+            <dgm:adjLst>
+              <dgm:adj idx="1" val="0.25"/>
+              <dgm:adj idx="2" val="1.1547"/>
+            </dgm:adjLst>
+          </dgm:shape>
+          <dgm:presOf axis="self" ptType="node"/>
+          <dgm:constrLst>
+            <dgm:constr type="lMarg" refType="primFontSz" fact="0.3"/>
+            <dgm:constr type="rMarg" refType="primFontSz" fact="0.3"/>
+            <dgm:constr type="tMarg" refType="primFontSz" fact="0.3"/>
+            <dgm:constr type="bMarg" refType="primFontSz" fact="0.3"/>
+          </dgm:constrLst>
+          <dgm:ruleLst>
+            <dgm:rule type="primFontSz" val="5" fact="NaN" max="NaN"/>
+          </dgm:ruleLst>
+        </dgm:layoutNode>
+        <dgm:layoutNode name="Childtext1" styleLbl="revTx">
+          <dgm:varLst>
+            <dgm:chMax val="0"/>
+            <dgm:chPref val="0"/>
+            <dgm:bulletEnabled val="1"/>
+          </dgm:varLst>
+          <dgm:choose name="Name10">
+            <dgm:if name="Name11" func="var" arg="dir" op="equ" val="norm">
+              <dgm:choose name="Name12">
+                <dgm:if name="Name13" axis="self" ptType="node" func="posOdd" op="equ" val="1">
+                  <dgm:alg type="tx">
+                    <dgm:param type="parTxLTRAlign" val="l"/>
+                  </dgm:alg>
+                </dgm:if>
+                <dgm:else name="Name14">
+                  <dgm:alg type="tx">
+                    <dgm:param type="parTxLTRAlign" val="r"/>
+                  </dgm:alg>
+                </dgm:else>
+              </dgm:choose>
+            </dgm:if>
+            <dgm:else name="Name15">
+              <dgm:choose name="Name16">
+                <dgm:if name="Name17" axis="self" ptType="node" func="posOdd" op="equ" val="1">
+                  <dgm:alg type="tx">
+                    <dgm:param type="parTxLTRAlign" val="r"/>
+                  </dgm:alg>
+                </dgm:if>
+                <dgm:else name="Name18">
+                  <dgm:alg type="tx">
+                    <dgm:param type="parTxLTRAlign" val="l"/>
+                  </dgm:alg>
+                </dgm:else>
+              </dgm:choose>
+            </dgm:else>
+          </dgm:choose>
+          <dgm:shape xmlns:r="http://schemas.openxmlformats.org/officeDocument/2006/relationships" type="rect" r:blip="">
+            <dgm:adjLst/>
+          </dgm:shape>
+          <dgm:presOf axis="des" ptType="node"/>
+          <dgm:constrLst>
+            <dgm:constr type="lMarg" refType="primFontSz" fact="0.3"/>
+            <dgm:constr type="rMarg" refType="primFontSz" fact="0.3"/>
+            <dgm:constr type="tMarg" refType="primFontSz" fact="0.3"/>
+            <dgm:constr type="bMarg" refType="primFontSz" fact="0.3"/>
+          </dgm:constrLst>
+          <dgm:ruleLst>
+            <dgm:rule type="primFontSz" val="5" fact="NaN" max="NaN"/>
+          </dgm:ruleLst>
+        </dgm:layoutNode>
+        <dgm:layoutNode name="BalanceSpacing">
+          <dgm:alg type="sp"/>
+          <dgm:shape xmlns:r="http://schemas.openxmlformats.org/officeDocument/2006/relationships" r:blip="">
+            <dgm:adjLst/>
+          </dgm:shape>
+        </dgm:layoutNode>
+        <dgm:layoutNode name="BalanceSpacing1">
+          <dgm:alg type="sp"/>
+          <dgm:shape xmlns:r="http://schemas.openxmlformats.org/officeDocument/2006/relationships" r:blip="">
+            <dgm:adjLst/>
+          </dgm:shape>
+        </dgm:layoutNode>
+        <dgm:forEach name="Name19" axis="followSib" ptType="sibTrans" hideLastTrans="0" cnt="1">
+          <dgm:layoutNode name="Accent1Text" styleLbl="node1">
+            <dgm:alg type="tx"/>
+            <dgm:shape xmlns:r="http://schemas.openxmlformats.org/officeDocument/2006/relationships" rot="90" type="hexagon" r:blip="">
+              <dgm:adjLst>
+                <dgm:adj idx="1" val="0.25"/>
+                <dgm:adj idx="2" val="1.1547"/>
+              </dgm:adjLst>
+            </dgm:shape>
+            <dgm:presOf axis="self" ptType="sibTrans"/>
+            <dgm:constrLst>
+              <dgm:constr type="lMarg"/>
+              <dgm:constr type="rMarg"/>
+              <dgm:constr type="tMarg"/>
+              <dgm:constr type="bMarg"/>
+            </dgm:constrLst>
+            <dgm:ruleLst>
+              <dgm:rule type="primFontSz" val="5" fact="NaN" max="NaN"/>
+            </dgm:ruleLst>
+          </dgm:layoutNode>
+        </dgm:forEach>
+      </dgm:layoutNode>
+      <dgm:forEach name="Name20" axis="followSib" ptType="sibTrans" cnt="1">
+        <dgm:layoutNode name="spaceBetweenRectangles">
+          <dgm:alg type="sp"/>
+          <dgm:shape xmlns:r="http://schemas.openxmlformats.org/officeDocument/2006/relationships" r:blip="">
+            <dgm:adjLst/>
+          </dgm:shape>
+          <dgm:presOf/>
+          <dgm:constrLst/>
+          <dgm:ruleLst/>
+        </dgm:layoutNode>
+      </dgm:forEach>
+    </dgm:forEach>
+  </dgm:layoutNode>
+</dgm:layoutDef>
+</file>
+
 <file path=ppt/diagrams/quickStyle1.xml><?xml version="1.0" encoding="utf-8"?>
 <dgm:styleDef xmlns:dgm="http://schemas.openxmlformats.org/drawingml/2006/diagram" xmlns:a="http://schemas.openxmlformats.org/drawingml/2006/main" uniqueId="urn:microsoft.com/office/officeart/2005/8/quickstyle/simple1">
   <dgm:title val=""/>
@@ -14393,6 +16214,1040 @@
 </file>
 
 <file path=ppt/diagrams/quickStyle4.xml><?xml version="1.0" encoding="utf-8"?>
+<dgm:styleDef xmlns:dgm="http://schemas.openxmlformats.org/drawingml/2006/diagram" xmlns:a="http://schemas.openxmlformats.org/drawingml/2006/main" uniqueId="urn:microsoft.com/office/officeart/2005/8/quickstyle/simple1">
+  <dgm:title val=""/>
+  <dgm:desc val=""/>
+  <dgm:catLst>
+    <dgm:cat type="simple" pri="10100"/>
+  </dgm:catLst>
+  <dgm:scene3d>
+    <a:camera prst="orthographicFront"/>
+    <a:lightRig rig="threePt" dir="t"/>
+  </dgm:scene3d>
+  <dgm:styleLbl name="node0">
+    <dgm:scene3d>
+      <a:camera prst="orthographicFront"/>
+      <a:lightRig rig="threePt" dir="t"/>
+    </dgm:scene3d>
+    <dgm:sp3d/>
+    <dgm:txPr/>
+    <dgm:style>
+      <a:lnRef idx="2">
+        <a:scrgbClr r="0" g="0" b="0"/>
+      </a:lnRef>
+      <a:fillRef idx="1">
+        <a:scrgbClr r="0" g="0" b="0"/>
+      </a:fillRef>
+      <a:effectRef idx="0">
+        <a:scrgbClr r="0" g="0" b="0"/>
+      </a:effectRef>
+      <a:fontRef idx="minor">
+        <a:schemeClr val="lt1"/>
+      </a:fontRef>
+    </dgm:style>
+  </dgm:styleLbl>
+  <dgm:styleLbl name="lnNode1">
+    <dgm:scene3d>
+      <a:camera prst="orthographicFront"/>
+      <a:lightRig rig="threePt" dir="t"/>
+    </dgm:scene3d>
+    <dgm:sp3d/>
+    <dgm:txPr/>
+    <dgm:style>
+      <a:lnRef idx="2">
+        <a:scrgbClr r="0" g="0" b="0"/>
+      </a:lnRef>
+      <a:fillRef idx="1">
+        <a:scrgbClr r="0" g="0" b="0"/>
+      </a:fillRef>
+      <a:effectRef idx="0">
+        <a:scrgbClr r="0" g="0" b="0"/>
+      </a:effectRef>
+      <a:fontRef idx="minor">
+        <a:schemeClr val="lt1"/>
+      </a:fontRef>
+    </dgm:style>
+  </dgm:styleLbl>
+  <dgm:styleLbl name="vennNode1">
+    <dgm:scene3d>
+      <a:camera prst="orthographicFront"/>
+      <a:lightRig rig="threePt" dir="t"/>
+    </dgm:scene3d>
+    <dgm:sp3d/>
+    <dgm:txPr/>
+    <dgm:style>
+      <a:lnRef idx="2">
+        <a:scrgbClr r="0" g="0" b="0"/>
+      </a:lnRef>
+      <a:fillRef idx="1">
+        <a:scrgbClr r="0" g="0" b="0"/>
+      </a:fillRef>
+      <a:effectRef idx="0">
+        <a:scrgbClr r="0" g="0" b="0"/>
+      </a:effectRef>
+      <a:fontRef idx="minor">
+        <a:schemeClr val="tx1"/>
+      </a:fontRef>
+    </dgm:style>
+  </dgm:styleLbl>
+  <dgm:styleLbl name="alignNode1">
+    <dgm:scene3d>
+      <a:camera prst="orthographicFront"/>
+      <a:lightRig rig="threePt" dir="t"/>
+    </dgm:scene3d>
+    <dgm:sp3d/>
+    <dgm:txPr/>
+    <dgm:style>
+      <a:lnRef idx="2">
+        <a:scrgbClr r="0" g="0" b="0"/>
+      </a:lnRef>
+      <a:fillRef idx="1">
+        <a:scrgbClr r="0" g="0" b="0"/>
+      </a:fillRef>
+      <a:effectRef idx="0">
+        <a:scrgbClr r="0" g="0" b="0"/>
+      </a:effectRef>
+      <a:fontRef idx="minor">
+        <a:schemeClr val="lt1"/>
+      </a:fontRef>
+    </dgm:style>
+  </dgm:styleLbl>
+  <dgm:styleLbl name="node1">
+    <dgm:scene3d>
+      <a:camera prst="orthographicFront"/>
+      <a:lightRig rig="threePt" dir="t"/>
+    </dgm:scene3d>
+    <dgm:sp3d/>
+    <dgm:txPr/>
+    <dgm:style>
+      <a:lnRef idx="2">
+        <a:scrgbClr r="0" g="0" b="0"/>
+      </a:lnRef>
+      <a:fillRef idx="1">
+        <a:scrgbClr r="0" g="0" b="0"/>
+      </a:fillRef>
+      <a:effectRef idx="0">
+        <a:scrgbClr r="0" g="0" b="0"/>
+      </a:effectRef>
+      <a:fontRef idx="minor">
+        <a:schemeClr val="lt1"/>
+      </a:fontRef>
+    </dgm:style>
+  </dgm:styleLbl>
+  <dgm:styleLbl name="node2">
+    <dgm:scene3d>
+      <a:camera prst="orthographicFront"/>
+      <a:lightRig rig="threePt" dir="t"/>
+    </dgm:scene3d>
+    <dgm:sp3d/>
+    <dgm:txPr/>
+    <dgm:style>
+      <a:lnRef idx="2">
+        <a:scrgbClr r="0" g="0" b="0"/>
+      </a:lnRef>
+      <a:fillRef idx="1">
+        <a:scrgbClr r="0" g="0" b="0"/>
+      </a:fillRef>
+      <a:effectRef idx="0">
+        <a:scrgbClr r="0" g="0" b="0"/>
+      </a:effectRef>
+      <a:fontRef idx="minor">
+        <a:schemeClr val="lt1"/>
+      </a:fontRef>
+    </dgm:style>
+  </dgm:styleLbl>
+  <dgm:styleLbl name="node3">
+    <dgm:scene3d>
+      <a:camera prst="orthographicFront"/>
+      <a:lightRig rig="threePt" dir="t"/>
+    </dgm:scene3d>
+    <dgm:sp3d/>
+    <dgm:txPr/>
+    <dgm:style>
+      <a:lnRef idx="2">
+        <a:scrgbClr r="0" g="0" b="0"/>
+      </a:lnRef>
+      <a:fillRef idx="1">
+        <a:scrgbClr r="0" g="0" b="0"/>
+      </a:fillRef>
+      <a:effectRef idx="0">
+        <a:scrgbClr r="0" g="0" b="0"/>
+      </a:effectRef>
+      <a:fontRef idx="minor">
+        <a:schemeClr val="lt1"/>
+      </a:fontRef>
+    </dgm:style>
+  </dgm:styleLbl>
+  <dgm:styleLbl name="node4">
+    <dgm:scene3d>
+      <a:camera prst="orthographicFront"/>
+      <a:lightRig rig="threePt" dir="t"/>
+    </dgm:scene3d>
+    <dgm:sp3d/>
+    <dgm:txPr/>
+    <dgm:style>
+      <a:lnRef idx="2">
+        <a:scrgbClr r="0" g="0" b="0"/>
+      </a:lnRef>
+      <a:fillRef idx="1">
+        <a:scrgbClr r="0" g="0" b="0"/>
+      </a:fillRef>
+      <a:effectRef idx="0">
+        <a:scrgbClr r="0" g="0" b="0"/>
+      </a:effectRef>
+      <a:fontRef idx="minor">
+        <a:schemeClr val="lt1"/>
+      </a:fontRef>
+    </dgm:style>
+  </dgm:styleLbl>
+  <dgm:styleLbl name="fgImgPlace1">
+    <dgm:scene3d>
+      <a:camera prst="orthographicFront"/>
+      <a:lightRig rig="threePt" dir="t"/>
+    </dgm:scene3d>
+    <dgm:sp3d/>
+    <dgm:txPr/>
+    <dgm:style>
+      <a:lnRef idx="2">
+        <a:scrgbClr r="0" g="0" b="0"/>
+      </a:lnRef>
+      <a:fillRef idx="1">
+        <a:scrgbClr r="0" g="0" b="0"/>
+      </a:fillRef>
+      <a:effectRef idx="0">
+        <a:scrgbClr r="0" g="0" b="0"/>
+      </a:effectRef>
+      <a:fontRef idx="minor"/>
+    </dgm:style>
+  </dgm:styleLbl>
+  <dgm:styleLbl name="alignImgPlace1">
+    <dgm:scene3d>
+      <a:camera prst="orthographicFront"/>
+      <a:lightRig rig="threePt" dir="t"/>
+    </dgm:scene3d>
+    <dgm:sp3d/>
+    <dgm:txPr/>
+    <dgm:style>
+      <a:lnRef idx="2">
+        <a:scrgbClr r="0" g="0" b="0"/>
+      </a:lnRef>
+      <a:fillRef idx="1">
+        <a:scrgbClr r="0" g="0" b="0"/>
+      </a:fillRef>
+      <a:effectRef idx="0">
+        <a:scrgbClr r="0" g="0" b="0"/>
+      </a:effectRef>
+      <a:fontRef idx="minor"/>
+    </dgm:style>
+  </dgm:styleLbl>
+  <dgm:styleLbl name="bgImgPlace1">
+    <dgm:scene3d>
+      <a:camera prst="orthographicFront"/>
+      <a:lightRig rig="threePt" dir="t"/>
+    </dgm:scene3d>
+    <dgm:sp3d/>
+    <dgm:txPr/>
+    <dgm:style>
+      <a:lnRef idx="2">
+        <a:scrgbClr r="0" g="0" b="0"/>
+      </a:lnRef>
+      <a:fillRef idx="1">
+        <a:scrgbClr r="0" g="0" b="0"/>
+      </a:fillRef>
+      <a:effectRef idx="0">
+        <a:scrgbClr r="0" g="0" b="0"/>
+      </a:effectRef>
+      <a:fontRef idx="minor"/>
+    </dgm:style>
+  </dgm:styleLbl>
+  <dgm:styleLbl name="sibTrans2D1">
+    <dgm:scene3d>
+      <a:camera prst="orthographicFront"/>
+      <a:lightRig rig="threePt" dir="t"/>
+    </dgm:scene3d>
+    <dgm:sp3d/>
+    <dgm:txPr/>
+    <dgm:style>
+      <a:lnRef idx="0">
+        <a:scrgbClr r="0" g="0" b="0"/>
+      </a:lnRef>
+      <a:fillRef idx="1">
+        <a:scrgbClr r="0" g="0" b="0"/>
+      </a:fillRef>
+      <a:effectRef idx="0">
+        <a:scrgbClr r="0" g="0" b="0"/>
+      </a:effectRef>
+      <a:fontRef idx="minor">
+        <a:schemeClr val="lt1"/>
+      </a:fontRef>
+    </dgm:style>
+  </dgm:styleLbl>
+  <dgm:styleLbl name="fgSibTrans2D1">
+    <dgm:scene3d>
+      <a:camera prst="orthographicFront"/>
+      <a:lightRig rig="threePt" dir="t"/>
+    </dgm:scene3d>
+    <dgm:sp3d/>
+    <dgm:txPr/>
+    <dgm:style>
+      <a:lnRef idx="0">
+        <a:scrgbClr r="0" g="0" b="0"/>
+      </a:lnRef>
+      <a:fillRef idx="1">
+        <a:scrgbClr r="0" g="0" b="0"/>
+      </a:fillRef>
+      <a:effectRef idx="0">
+        <a:scrgbClr r="0" g="0" b="0"/>
+      </a:effectRef>
+      <a:fontRef idx="minor">
+        <a:schemeClr val="lt1"/>
+      </a:fontRef>
+    </dgm:style>
+  </dgm:styleLbl>
+  <dgm:styleLbl name="bgSibTrans2D1">
+    <dgm:scene3d>
+      <a:camera prst="orthographicFront"/>
+      <a:lightRig rig="threePt" dir="t"/>
+    </dgm:scene3d>
+    <dgm:sp3d/>
+    <dgm:txPr/>
+    <dgm:style>
+      <a:lnRef idx="0">
+        <a:scrgbClr r="0" g="0" b="0"/>
+      </a:lnRef>
+      <a:fillRef idx="1">
+        <a:scrgbClr r="0" g="0" b="0"/>
+      </a:fillRef>
+      <a:effectRef idx="0">
+        <a:scrgbClr r="0" g="0" b="0"/>
+      </a:effectRef>
+      <a:fontRef idx="minor">
+        <a:schemeClr val="lt1"/>
+      </a:fontRef>
+    </dgm:style>
+  </dgm:styleLbl>
+  <dgm:styleLbl name="sibTrans1D1">
+    <dgm:scene3d>
+      <a:camera prst="orthographicFront"/>
+      <a:lightRig rig="threePt" dir="t"/>
+    </dgm:scene3d>
+    <dgm:sp3d/>
+    <dgm:txPr/>
+    <dgm:style>
+      <a:lnRef idx="1">
+        <a:scrgbClr r="0" g="0" b="0"/>
+      </a:lnRef>
+      <a:fillRef idx="0">
+        <a:scrgbClr r="0" g="0" b="0"/>
+      </a:fillRef>
+      <a:effectRef idx="0">
+        <a:scrgbClr r="0" g="0" b="0"/>
+      </a:effectRef>
+      <a:fontRef idx="minor"/>
+    </dgm:style>
+  </dgm:styleLbl>
+  <dgm:styleLbl name="callout">
+    <dgm:scene3d>
+      <a:camera prst="orthographicFront"/>
+      <a:lightRig rig="threePt" dir="t"/>
+    </dgm:scene3d>
+    <dgm:sp3d/>
+    <dgm:txPr/>
+    <dgm:style>
+      <a:lnRef idx="2">
+        <a:scrgbClr r="0" g="0" b="0"/>
+      </a:lnRef>
+      <a:fillRef idx="1">
+        <a:scrgbClr r="0" g="0" b="0"/>
+      </a:fillRef>
+      <a:effectRef idx="0">
+        <a:scrgbClr r="0" g="0" b="0"/>
+      </a:effectRef>
+      <a:fontRef idx="minor"/>
+    </dgm:style>
+  </dgm:styleLbl>
+  <dgm:styleLbl name="asst0">
+    <dgm:scene3d>
+      <a:camera prst="orthographicFront"/>
+      <a:lightRig rig="threePt" dir="t"/>
+    </dgm:scene3d>
+    <dgm:sp3d/>
+    <dgm:txPr/>
+    <dgm:style>
+      <a:lnRef idx="2">
+        <a:scrgbClr r="0" g="0" b="0"/>
+      </a:lnRef>
+      <a:fillRef idx="1">
+        <a:scrgbClr r="0" g="0" b="0"/>
+      </a:fillRef>
+      <a:effectRef idx="0">
+        <a:scrgbClr r="0" g="0" b="0"/>
+      </a:effectRef>
+      <a:fontRef idx="minor">
+        <a:schemeClr val="lt1"/>
+      </a:fontRef>
+    </dgm:style>
+  </dgm:styleLbl>
+  <dgm:styleLbl name="asst1">
+    <dgm:scene3d>
+      <a:camera prst="orthographicFront"/>
+      <a:lightRig rig="threePt" dir="t"/>
+    </dgm:scene3d>
+    <dgm:sp3d/>
+    <dgm:txPr/>
+    <dgm:style>
+      <a:lnRef idx="2">
+        <a:scrgbClr r="0" g="0" b="0"/>
+      </a:lnRef>
+      <a:fillRef idx="1">
+        <a:scrgbClr r="0" g="0" b="0"/>
+      </a:fillRef>
+      <a:effectRef idx="0">
+        <a:scrgbClr r="0" g="0" b="0"/>
+      </a:effectRef>
+      <a:fontRef idx="minor">
+        <a:schemeClr val="lt1"/>
+      </a:fontRef>
+    </dgm:style>
+  </dgm:styleLbl>
+  <dgm:styleLbl name="asst2">
+    <dgm:scene3d>
+      <a:camera prst="orthographicFront"/>
+      <a:lightRig rig="threePt" dir="t"/>
+    </dgm:scene3d>
+    <dgm:sp3d/>
+    <dgm:txPr/>
+    <dgm:style>
+      <a:lnRef idx="2">
+        <a:scrgbClr r="0" g="0" b="0"/>
+      </a:lnRef>
+      <a:fillRef idx="1">
+        <a:scrgbClr r="0" g="0" b="0"/>
+      </a:fillRef>
+      <a:effectRef idx="0">
+        <a:scrgbClr r="0" g="0" b="0"/>
+      </a:effectRef>
+      <a:fontRef idx="minor">
+        <a:schemeClr val="lt1"/>
+      </a:fontRef>
+    </dgm:style>
+  </dgm:styleLbl>
+  <dgm:styleLbl name="asst3">
+    <dgm:scene3d>
+      <a:camera prst="orthographicFront"/>
+      <a:lightRig rig="threePt" dir="t"/>
+    </dgm:scene3d>
+    <dgm:sp3d/>
+    <dgm:txPr/>
+    <dgm:style>
+      <a:lnRef idx="2">
+        <a:scrgbClr r="0" g="0" b="0"/>
+      </a:lnRef>
+      <a:fillRef idx="1">
+        <a:scrgbClr r="0" g="0" b="0"/>
+      </a:fillRef>
+      <a:effectRef idx="0">
+        <a:scrgbClr r="0" g="0" b="0"/>
+      </a:effectRef>
+      <a:fontRef idx="minor">
+        <a:schemeClr val="lt1"/>
+      </a:fontRef>
+    </dgm:style>
+  </dgm:styleLbl>
+  <dgm:styleLbl name="asst4">
+    <dgm:scene3d>
+      <a:camera prst="orthographicFront"/>
+      <a:lightRig rig="threePt" dir="t"/>
+    </dgm:scene3d>
+    <dgm:sp3d/>
+    <dgm:txPr/>
+    <dgm:style>
+      <a:lnRef idx="2">
+        <a:scrgbClr r="0" g="0" b="0"/>
+      </a:lnRef>
+      <a:fillRef idx="1">
+        <a:scrgbClr r="0" g="0" b="0"/>
+      </a:fillRef>
+      <a:effectRef idx="0">
+        <a:scrgbClr r="0" g="0" b="0"/>
+      </a:effectRef>
+      <a:fontRef idx="minor">
+        <a:schemeClr val="lt1"/>
+      </a:fontRef>
+    </dgm:style>
+  </dgm:styleLbl>
+  <dgm:styleLbl name="parChTrans2D1">
+    <dgm:scene3d>
+      <a:camera prst="orthographicFront"/>
+      <a:lightRig rig="threePt" dir="t"/>
+    </dgm:scene3d>
+    <dgm:sp3d/>
+    <dgm:txPr/>
+    <dgm:style>
+      <a:lnRef idx="2">
+        <a:scrgbClr r="0" g="0" b="0"/>
+      </a:lnRef>
+      <a:fillRef idx="1">
+        <a:scrgbClr r="0" g="0" b="0"/>
+      </a:fillRef>
+      <a:effectRef idx="0">
+        <a:scrgbClr r="0" g="0" b="0"/>
+      </a:effectRef>
+      <a:fontRef idx="minor">
+        <a:schemeClr val="lt1"/>
+      </a:fontRef>
+    </dgm:style>
+  </dgm:styleLbl>
+  <dgm:styleLbl name="parChTrans2D2">
+    <dgm:scene3d>
+      <a:camera prst="orthographicFront"/>
+      <a:lightRig rig="threePt" dir="t"/>
+    </dgm:scene3d>
+    <dgm:sp3d/>
+    <dgm:txPr/>
+    <dgm:style>
+      <a:lnRef idx="2">
+        <a:scrgbClr r="0" g="0" b="0"/>
+      </a:lnRef>
+      <a:fillRef idx="1">
+        <a:scrgbClr r="0" g="0" b="0"/>
+      </a:fillRef>
+      <a:effectRef idx="0">
+        <a:scrgbClr r="0" g="0" b="0"/>
+      </a:effectRef>
+      <a:fontRef idx="minor">
+        <a:schemeClr val="lt1"/>
+      </a:fontRef>
+    </dgm:style>
+  </dgm:styleLbl>
+  <dgm:styleLbl name="parChTrans2D3">
+    <dgm:scene3d>
+      <a:camera prst="orthographicFront"/>
+      <a:lightRig rig="threePt" dir="t"/>
+    </dgm:scene3d>
+    <dgm:sp3d/>
+    <dgm:txPr/>
+    <dgm:style>
+      <a:lnRef idx="2">
+        <a:scrgbClr r="0" g="0" b="0"/>
+      </a:lnRef>
+      <a:fillRef idx="1">
+        <a:scrgbClr r="0" g="0" b="0"/>
+      </a:fillRef>
+      <a:effectRef idx="0">
+        <a:scrgbClr r="0" g="0" b="0"/>
+      </a:effectRef>
+      <a:fontRef idx="minor">
+        <a:schemeClr val="lt1"/>
+      </a:fontRef>
+    </dgm:style>
+  </dgm:styleLbl>
+  <dgm:styleLbl name="parChTrans2D4">
+    <dgm:scene3d>
+      <a:camera prst="orthographicFront"/>
+      <a:lightRig rig="threePt" dir="t"/>
+    </dgm:scene3d>
+    <dgm:sp3d/>
+    <dgm:txPr/>
+    <dgm:style>
+      <a:lnRef idx="2">
+        <a:scrgbClr r="0" g="0" b="0"/>
+      </a:lnRef>
+      <a:fillRef idx="1">
+        <a:scrgbClr r="0" g="0" b="0"/>
+      </a:fillRef>
+      <a:effectRef idx="0">
+        <a:scrgbClr r="0" g="0" b="0"/>
+      </a:effectRef>
+      <a:fontRef idx="minor">
+        <a:schemeClr val="lt1"/>
+      </a:fontRef>
+    </dgm:style>
+  </dgm:styleLbl>
+  <dgm:styleLbl name="parChTrans1D1">
+    <dgm:scene3d>
+      <a:camera prst="orthographicFront"/>
+      <a:lightRig rig="threePt" dir="t"/>
+    </dgm:scene3d>
+    <dgm:sp3d/>
+    <dgm:txPr/>
+    <dgm:style>
+      <a:lnRef idx="2">
+        <a:scrgbClr r="0" g="0" b="0"/>
+      </a:lnRef>
+      <a:fillRef idx="0">
+        <a:scrgbClr r="0" g="0" b="0"/>
+      </a:fillRef>
+      <a:effectRef idx="0">
+        <a:scrgbClr r="0" g="0" b="0"/>
+      </a:effectRef>
+      <a:fontRef idx="minor"/>
+    </dgm:style>
+  </dgm:styleLbl>
+  <dgm:styleLbl name="parChTrans1D2">
+    <dgm:scene3d>
+      <a:camera prst="orthographicFront"/>
+      <a:lightRig rig="threePt" dir="t"/>
+    </dgm:scene3d>
+    <dgm:sp3d/>
+    <dgm:txPr/>
+    <dgm:style>
+      <a:lnRef idx="2">
+        <a:scrgbClr r="0" g="0" b="0"/>
+      </a:lnRef>
+      <a:fillRef idx="0">
+        <a:scrgbClr r="0" g="0" b="0"/>
+      </a:fillRef>
+      <a:effectRef idx="0">
+        <a:scrgbClr r="0" g="0" b="0"/>
+      </a:effectRef>
+      <a:fontRef idx="minor"/>
+    </dgm:style>
+  </dgm:styleLbl>
+  <dgm:styleLbl name="parChTrans1D3">
+    <dgm:scene3d>
+      <a:camera prst="orthographicFront"/>
+      <a:lightRig rig="threePt" dir="t"/>
+    </dgm:scene3d>
+    <dgm:sp3d/>
+    <dgm:txPr/>
+    <dgm:style>
+      <a:lnRef idx="2">
+        <a:scrgbClr r="0" g="0" b="0"/>
+      </a:lnRef>
+      <a:fillRef idx="0">
+        <a:scrgbClr r="0" g="0" b="0"/>
+      </a:fillRef>
+      <a:effectRef idx="0">
+        <a:scrgbClr r="0" g="0" b="0"/>
+      </a:effectRef>
+      <a:fontRef idx="minor"/>
+    </dgm:style>
+  </dgm:styleLbl>
+  <dgm:styleLbl name="parChTrans1D4">
+    <dgm:scene3d>
+      <a:camera prst="orthographicFront"/>
+      <a:lightRig rig="threePt" dir="t"/>
+    </dgm:scene3d>
+    <dgm:sp3d/>
+    <dgm:txPr/>
+    <dgm:style>
+      <a:lnRef idx="2">
+        <a:scrgbClr r="0" g="0" b="0"/>
+      </a:lnRef>
+      <a:fillRef idx="0">
+        <a:scrgbClr r="0" g="0" b="0"/>
+      </a:fillRef>
+      <a:effectRef idx="0">
+        <a:scrgbClr r="0" g="0" b="0"/>
+      </a:effectRef>
+      <a:fontRef idx="minor"/>
+    </dgm:style>
+  </dgm:styleLbl>
+  <dgm:styleLbl name="fgAcc1">
+    <dgm:scene3d>
+      <a:camera prst="orthographicFront"/>
+      <a:lightRig rig="threePt" dir="t"/>
+    </dgm:scene3d>
+    <dgm:sp3d/>
+    <dgm:txPr/>
+    <dgm:style>
+      <a:lnRef idx="2">
+        <a:scrgbClr r="0" g="0" b="0"/>
+      </a:lnRef>
+      <a:fillRef idx="1">
+        <a:scrgbClr r="0" g="0" b="0"/>
+      </a:fillRef>
+      <a:effectRef idx="0">
+        <a:scrgbClr r="0" g="0" b="0"/>
+      </a:effectRef>
+      <a:fontRef idx="minor"/>
+    </dgm:style>
+  </dgm:styleLbl>
+  <dgm:styleLbl name="conFgAcc1">
+    <dgm:scene3d>
+      <a:camera prst="orthographicFront"/>
+      <a:lightRig rig="threePt" dir="t"/>
+    </dgm:scene3d>
+    <dgm:sp3d/>
+    <dgm:txPr/>
+    <dgm:style>
+      <a:lnRef idx="2">
+        <a:scrgbClr r="0" g="0" b="0"/>
+      </a:lnRef>
+      <a:fillRef idx="1">
+        <a:scrgbClr r="0" g="0" b="0"/>
+      </a:fillRef>
+      <a:effectRef idx="0">
+        <a:scrgbClr r="0" g="0" b="0"/>
+      </a:effectRef>
+      <a:fontRef idx="minor"/>
+    </dgm:style>
+  </dgm:styleLbl>
+  <dgm:styleLbl name="alignAcc1">
+    <dgm:scene3d>
+      <a:camera prst="orthographicFront"/>
+      <a:lightRig rig="threePt" dir="t"/>
+    </dgm:scene3d>
+    <dgm:sp3d/>
+    <dgm:txPr/>
+    <dgm:style>
+      <a:lnRef idx="2">
+        <a:scrgbClr r="0" g="0" b="0"/>
+      </a:lnRef>
+      <a:fillRef idx="1">
+        <a:scrgbClr r="0" g="0" b="0"/>
+      </a:fillRef>
+      <a:effectRef idx="0">
+        <a:scrgbClr r="0" g="0" b="0"/>
+      </a:effectRef>
+      <a:fontRef idx="minor"/>
+    </dgm:style>
+  </dgm:styleLbl>
+  <dgm:styleLbl name="trAlignAcc1">
+    <dgm:scene3d>
+      <a:camera prst="orthographicFront"/>
+      <a:lightRig rig="threePt" dir="t"/>
+    </dgm:scene3d>
+    <dgm:sp3d/>
+    <dgm:txPr/>
+    <dgm:style>
+      <a:lnRef idx="1">
+        <a:scrgbClr r="0" g="0" b="0"/>
+      </a:lnRef>
+      <a:fillRef idx="1">
+        <a:scrgbClr r="0" g="0" b="0"/>
+      </a:fillRef>
+      <a:effectRef idx="0">
+        <a:scrgbClr r="0" g="0" b="0"/>
+      </a:effectRef>
+      <a:fontRef idx="minor"/>
+    </dgm:style>
+  </dgm:styleLbl>
+  <dgm:styleLbl name="bgAcc1">
+    <dgm:scene3d>
+      <a:camera prst="orthographicFront"/>
+      <a:lightRig rig="threePt" dir="t"/>
+    </dgm:scene3d>
+    <dgm:sp3d/>
+    <dgm:txPr/>
+    <dgm:style>
+      <a:lnRef idx="2">
+        <a:scrgbClr r="0" g="0" b="0"/>
+      </a:lnRef>
+      <a:fillRef idx="1">
+        <a:scrgbClr r="0" g="0" b="0"/>
+      </a:fillRef>
+      <a:effectRef idx="0">
+        <a:scrgbClr r="0" g="0" b="0"/>
+      </a:effectRef>
+      <a:fontRef idx="minor"/>
+    </dgm:style>
+  </dgm:styleLbl>
+  <dgm:styleLbl name="solidFgAcc1">
+    <dgm:scene3d>
+      <a:camera prst="orthographicFront"/>
+      <a:lightRig rig="threePt" dir="t"/>
+    </dgm:scene3d>
+    <dgm:sp3d/>
+    <dgm:txPr/>
+    <dgm:style>
+      <a:lnRef idx="2">
+        <a:scrgbClr r="0" g="0" b="0"/>
+      </a:lnRef>
+      <a:fillRef idx="1">
+        <a:scrgbClr r="0" g="0" b="0"/>
+      </a:fillRef>
+      <a:effectRef idx="0">
+        <a:scrgbClr r="0" g="0" b="0"/>
+      </a:effectRef>
+      <a:fontRef idx="minor"/>
+    </dgm:style>
+  </dgm:styleLbl>
+  <dgm:styleLbl name="solidAlignAcc1">
+    <dgm:scene3d>
+      <a:camera prst="orthographicFront"/>
+      <a:lightRig rig="threePt" dir="t"/>
+    </dgm:scene3d>
+    <dgm:sp3d/>
+    <dgm:txPr/>
+    <dgm:style>
+      <a:lnRef idx="2">
+        <a:scrgbClr r="0" g="0" b="0"/>
+      </a:lnRef>
+      <a:fillRef idx="1">
+        <a:scrgbClr r="0" g="0" b="0"/>
+      </a:fillRef>
+      <a:effectRef idx="0">
+        <a:scrgbClr r="0" g="0" b="0"/>
+      </a:effectRef>
+      <a:fontRef idx="minor"/>
+    </dgm:style>
+  </dgm:styleLbl>
+  <dgm:styleLbl name="solidBgAcc1">
+    <dgm:scene3d>
+      <a:camera prst="orthographicFront"/>
+      <a:lightRig rig="threePt" dir="t"/>
+    </dgm:scene3d>
+    <dgm:sp3d/>
+    <dgm:txPr/>
+    <dgm:style>
+      <a:lnRef idx="2">
+        <a:scrgbClr r="0" g="0" b="0"/>
+      </a:lnRef>
+      <a:fillRef idx="1">
+        <a:scrgbClr r="0" g="0" b="0"/>
+      </a:fillRef>
+      <a:effectRef idx="0">
+        <a:scrgbClr r="0" g="0" b="0"/>
+      </a:effectRef>
+      <a:fontRef idx="minor"/>
+    </dgm:style>
+  </dgm:styleLbl>
+  <dgm:styleLbl name="fgAccFollowNode1">
+    <dgm:scene3d>
+      <a:camera prst="orthographicFront"/>
+      <a:lightRig rig="threePt" dir="t"/>
+    </dgm:scene3d>
+    <dgm:sp3d/>
+    <dgm:txPr/>
+    <dgm:style>
+      <a:lnRef idx="2">
+        <a:scrgbClr r="0" g="0" b="0"/>
+      </a:lnRef>
+      <a:fillRef idx="1">
+        <a:scrgbClr r="0" g="0" b="0"/>
+      </a:fillRef>
+      <a:effectRef idx="0">
+        <a:scrgbClr r="0" g="0" b="0"/>
+      </a:effectRef>
+      <a:fontRef idx="minor"/>
+    </dgm:style>
+  </dgm:styleLbl>
+  <dgm:styleLbl name="alignAccFollowNode1">
+    <dgm:scene3d>
+      <a:camera prst="orthographicFront"/>
+      <a:lightRig rig="threePt" dir="t"/>
+    </dgm:scene3d>
+    <dgm:sp3d/>
+    <dgm:txPr/>
+    <dgm:style>
+      <a:lnRef idx="2">
+        <a:scrgbClr r="0" g="0" b="0"/>
+      </a:lnRef>
+      <a:fillRef idx="1">
+        <a:scrgbClr r="0" g="0" b="0"/>
+      </a:fillRef>
+      <a:effectRef idx="0">
+        <a:scrgbClr r="0" g="0" b="0"/>
+      </a:effectRef>
+      <a:fontRef idx="minor"/>
+    </dgm:style>
+  </dgm:styleLbl>
+  <dgm:styleLbl name="bgAccFollowNode1">
+    <dgm:scene3d>
+      <a:camera prst="orthographicFront"/>
+      <a:lightRig rig="threePt" dir="t"/>
+    </dgm:scene3d>
+    <dgm:sp3d/>
+    <dgm:txPr/>
+    <dgm:style>
+      <a:lnRef idx="2">
+        <a:scrgbClr r="0" g="0" b="0"/>
+      </a:lnRef>
+      <a:fillRef idx="1">
+        <a:scrgbClr r="0" g="0" b="0"/>
+      </a:fillRef>
+      <a:effectRef idx="0">
+        <a:scrgbClr r="0" g="0" b="0"/>
+      </a:effectRef>
+      <a:fontRef idx="minor"/>
+    </dgm:style>
+  </dgm:styleLbl>
+  <dgm:styleLbl name="fgAcc0">
+    <dgm:scene3d>
+      <a:camera prst="orthographicFront"/>
+      <a:lightRig rig="threePt" dir="t"/>
+    </dgm:scene3d>
+    <dgm:sp3d/>
+    <dgm:txPr/>
+    <dgm:style>
+      <a:lnRef idx="2">
+        <a:scrgbClr r="0" g="0" b="0"/>
+      </a:lnRef>
+      <a:fillRef idx="1">
+        <a:scrgbClr r="0" g="0" b="0"/>
+      </a:fillRef>
+      <a:effectRef idx="0">
+        <a:scrgbClr r="0" g="0" b="0"/>
+      </a:effectRef>
+      <a:fontRef idx="minor"/>
+    </dgm:style>
+  </dgm:styleLbl>
+  <dgm:styleLbl name="fgAcc2">
+    <dgm:scene3d>
+      <a:camera prst="orthographicFront"/>
+      <a:lightRig rig="threePt" dir="t"/>
+    </dgm:scene3d>
+    <dgm:sp3d/>
+    <dgm:txPr/>
+    <dgm:style>
+      <a:lnRef idx="2">
+        <a:scrgbClr r="0" g="0" b="0"/>
+      </a:lnRef>
+      <a:fillRef idx="1">
+        <a:scrgbClr r="0" g="0" b="0"/>
+      </a:fillRef>
+      <a:effectRef idx="0">
+        <a:scrgbClr r="0" g="0" b="0"/>
+      </a:effectRef>
+      <a:fontRef idx="minor"/>
+    </dgm:style>
+  </dgm:styleLbl>
+  <dgm:styleLbl name="fgAcc3">
+    <dgm:scene3d>
+      <a:camera prst="orthographicFront"/>
+      <a:lightRig rig="threePt" dir="t"/>
+    </dgm:scene3d>
+    <dgm:sp3d/>
+    <dgm:txPr/>
+    <dgm:style>
+      <a:lnRef idx="2">
+        <a:scrgbClr r="0" g="0" b="0"/>
+      </a:lnRef>
+      <a:fillRef idx="1">
+        <a:scrgbClr r="0" g="0" b="0"/>
+      </a:fillRef>
+      <a:effectRef idx="0">
+        <a:scrgbClr r="0" g="0" b="0"/>
+      </a:effectRef>
+      <a:fontRef idx="minor"/>
+    </dgm:style>
+  </dgm:styleLbl>
+  <dgm:styleLbl name="fgAcc4">
+    <dgm:scene3d>
+      <a:camera prst="orthographicFront"/>
+      <a:lightRig rig="threePt" dir="t"/>
+    </dgm:scene3d>
+    <dgm:sp3d/>
+    <dgm:txPr/>
+    <dgm:style>
+      <a:lnRef idx="2">
+        <a:scrgbClr r="0" g="0" b="0"/>
+      </a:lnRef>
+      <a:fillRef idx="1">
+        <a:scrgbClr r="0" g="0" b="0"/>
+      </a:fillRef>
+      <a:effectRef idx="0">
+        <a:scrgbClr r="0" g="0" b="0"/>
+      </a:effectRef>
+      <a:fontRef idx="minor"/>
+    </dgm:style>
+  </dgm:styleLbl>
+  <dgm:styleLbl name="bgShp">
+    <dgm:scene3d>
+      <a:camera prst="orthographicFront"/>
+      <a:lightRig rig="threePt" dir="t"/>
+    </dgm:scene3d>
+    <dgm:sp3d/>
+    <dgm:txPr/>
+    <dgm:style>
+      <a:lnRef idx="0">
+        <a:scrgbClr r="0" g="0" b="0"/>
+      </a:lnRef>
+      <a:fillRef idx="1">
+        <a:scrgbClr r="0" g="0" b="0"/>
+      </a:fillRef>
+      <a:effectRef idx="0">
+        <a:scrgbClr r="0" g="0" b="0"/>
+      </a:effectRef>
+      <a:fontRef idx="minor"/>
+    </dgm:style>
+  </dgm:styleLbl>
+  <dgm:styleLbl name="dkBgShp">
+    <dgm:scene3d>
+      <a:camera prst="orthographicFront"/>
+      <a:lightRig rig="threePt" dir="t"/>
+    </dgm:scene3d>
+    <dgm:sp3d/>
+    <dgm:txPr/>
+    <dgm:style>
+      <a:lnRef idx="0">
+        <a:scrgbClr r="0" g="0" b="0"/>
+      </a:lnRef>
+      <a:fillRef idx="1">
+        <a:scrgbClr r="0" g="0" b="0"/>
+      </a:fillRef>
+      <a:effectRef idx="0">
+        <a:scrgbClr r="0" g="0" b="0"/>
+      </a:effectRef>
+      <a:fontRef idx="minor"/>
+    </dgm:style>
+  </dgm:styleLbl>
+  <dgm:styleLbl name="trBgShp">
+    <dgm:scene3d>
+      <a:camera prst="orthographicFront"/>
+      <a:lightRig rig="threePt" dir="t"/>
+    </dgm:scene3d>
+    <dgm:sp3d/>
+    <dgm:txPr/>
+    <dgm:style>
+      <a:lnRef idx="0">
+        <a:scrgbClr r="0" g="0" b="0"/>
+      </a:lnRef>
+      <a:fillRef idx="1">
+        <a:scrgbClr r="0" g="0" b="0"/>
+      </a:fillRef>
+      <a:effectRef idx="0">
+        <a:scrgbClr r="0" g="0" b="0"/>
+      </a:effectRef>
+      <a:fontRef idx="minor"/>
+    </dgm:style>
+  </dgm:styleLbl>
+  <dgm:styleLbl name="fgShp">
+    <dgm:scene3d>
+      <a:camera prst="orthographicFront"/>
+      <a:lightRig rig="threePt" dir="t"/>
+    </dgm:scene3d>
+    <dgm:sp3d/>
+    <dgm:txPr/>
+    <dgm:style>
+      <a:lnRef idx="2">
+        <a:scrgbClr r="0" g="0" b="0"/>
+      </a:lnRef>
+      <a:fillRef idx="1">
+        <a:scrgbClr r="0" g="0" b="0"/>
+      </a:fillRef>
+      <a:effectRef idx="0">
+        <a:scrgbClr r="0" g="0" b="0"/>
+      </a:effectRef>
+      <a:fontRef idx="minor"/>
+    </dgm:style>
+  </dgm:styleLbl>
+  <dgm:styleLbl name="revTx">
+    <dgm:scene3d>
+      <a:camera prst="orthographicFront"/>
+      <a:lightRig rig="threePt" dir="t"/>
+    </dgm:scene3d>
+    <dgm:sp3d/>
+    <dgm:txPr/>
+    <dgm:style>
+      <a:lnRef idx="0">
+        <a:scrgbClr r="0" g="0" b="0"/>
+      </a:lnRef>
+      <a:fillRef idx="0">
+        <a:scrgbClr r="0" g="0" b="0"/>
+      </a:fillRef>
+      <a:effectRef idx="0">
+        <a:scrgbClr r="0" g="0" b="0"/>
+      </a:effectRef>
+      <a:fontRef idx="minor"/>
+    </dgm:style>
+  </dgm:styleLbl>
+</dgm:styleDef>
+</file>
+
+<file path=ppt/diagrams/quickStyle5.xml><?xml version="1.0" encoding="utf-8"?>
 <dgm:styleDef xmlns:dgm="http://schemas.openxmlformats.org/drawingml/2006/diagram" xmlns:a="http://schemas.openxmlformats.org/drawingml/2006/main" uniqueId="urn:microsoft.com/office/officeart/2005/8/quickstyle/simple1">
   <dgm:title val=""/>
   <dgm:desc val=""/>
@@ -15575,7 +18430,7 @@
           <a:p>
             <a:fld id="{B615A683-BA44-48BB-A25E-D6D95E3091CF}" type="datetimeFigureOut">
               <a:rPr lang="en-IN" smtClean="0"/>
-              <a:t>09-09-2025</a:t>
+              <a:t>14-09-2025</a:t>
             </a:fld>
             <a:endParaRPr lang="en-IN"/>
           </a:p>
@@ -15775,7 +18630,7 @@
           <a:p>
             <a:fld id="{B615A683-BA44-48BB-A25E-D6D95E3091CF}" type="datetimeFigureOut">
               <a:rPr lang="en-IN" smtClean="0"/>
-              <a:t>09-09-2025</a:t>
+              <a:t>14-09-2025</a:t>
             </a:fld>
             <a:endParaRPr lang="en-IN"/>
           </a:p>
@@ -15985,7 +18840,7 @@
           <a:p>
             <a:fld id="{B615A683-BA44-48BB-A25E-D6D95E3091CF}" type="datetimeFigureOut">
               <a:rPr lang="en-IN" smtClean="0"/>
-              <a:t>09-09-2025</a:t>
+              <a:t>14-09-2025</a:t>
             </a:fld>
             <a:endParaRPr lang="en-IN"/>
           </a:p>
@@ -16185,7 +19040,7 @@
           <a:p>
             <a:fld id="{B615A683-BA44-48BB-A25E-D6D95E3091CF}" type="datetimeFigureOut">
               <a:rPr lang="en-IN" smtClean="0"/>
-              <a:t>09-09-2025</a:t>
+              <a:t>14-09-2025</a:t>
             </a:fld>
             <a:endParaRPr lang="en-IN"/>
           </a:p>
@@ -16461,7 +19316,7 @@
           <a:p>
             <a:fld id="{B615A683-BA44-48BB-A25E-D6D95E3091CF}" type="datetimeFigureOut">
               <a:rPr lang="en-IN" smtClean="0"/>
-              <a:t>09-09-2025</a:t>
+              <a:t>14-09-2025</a:t>
             </a:fld>
             <a:endParaRPr lang="en-IN"/>
           </a:p>
@@ -16729,7 +19584,7 @@
           <a:p>
             <a:fld id="{B615A683-BA44-48BB-A25E-D6D95E3091CF}" type="datetimeFigureOut">
               <a:rPr lang="en-IN" smtClean="0"/>
-              <a:t>09-09-2025</a:t>
+              <a:t>14-09-2025</a:t>
             </a:fld>
             <a:endParaRPr lang="en-IN"/>
           </a:p>
@@ -17144,7 +19999,7 @@
           <a:p>
             <a:fld id="{B615A683-BA44-48BB-A25E-D6D95E3091CF}" type="datetimeFigureOut">
               <a:rPr lang="en-IN" smtClean="0"/>
-              <a:t>09-09-2025</a:t>
+              <a:t>14-09-2025</a:t>
             </a:fld>
             <a:endParaRPr lang="en-IN"/>
           </a:p>
@@ -17286,7 +20141,7 @@
           <a:p>
             <a:fld id="{B615A683-BA44-48BB-A25E-D6D95E3091CF}" type="datetimeFigureOut">
               <a:rPr lang="en-IN" smtClean="0"/>
-              <a:t>09-09-2025</a:t>
+              <a:t>14-09-2025</a:t>
             </a:fld>
             <a:endParaRPr lang="en-IN"/>
           </a:p>
@@ -17399,7 +20254,7 @@
           <a:p>
             <a:fld id="{B615A683-BA44-48BB-A25E-D6D95E3091CF}" type="datetimeFigureOut">
               <a:rPr lang="en-IN" smtClean="0"/>
-              <a:t>09-09-2025</a:t>
+              <a:t>14-09-2025</a:t>
             </a:fld>
             <a:endParaRPr lang="en-IN"/>
           </a:p>
@@ -17712,7 +20567,7 @@
           <a:p>
             <a:fld id="{B615A683-BA44-48BB-A25E-D6D95E3091CF}" type="datetimeFigureOut">
               <a:rPr lang="en-IN" smtClean="0"/>
-              <a:t>09-09-2025</a:t>
+              <a:t>14-09-2025</a:t>
             </a:fld>
             <a:endParaRPr lang="en-IN"/>
           </a:p>
@@ -18001,7 +20856,7 @@
           <a:p>
             <a:fld id="{B615A683-BA44-48BB-A25E-D6D95E3091CF}" type="datetimeFigureOut">
               <a:rPr lang="en-IN" smtClean="0"/>
-              <a:t>09-09-2025</a:t>
+              <a:t>14-09-2025</a:t>
             </a:fld>
             <a:endParaRPr lang="en-IN"/>
           </a:p>
@@ -18247,7 +21102,7 @@
           <a:p>
             <a:fld id="{B615A683-BA44-48BB-A25E-D6D95E3091CF}" type="datetimeFigureOut">
               <a:rPr lang="en-IN" smtClean="0"/>
-              <a:t>09-09-2025</a:t>
+              <a:t>14-09-2025</a:t>
             </a:fld>
             <a:endParaRPr lang="en-IN"/>
           </a:p>
@@ -18918,6 +21773,903 @@
     <p:extLst>
       <p:ext uri="{BB962C8B-B14F-4D97-AF65-F5344CB8AC3E}">
         <p14:creationId xmlns:p14="http://schemas.microsoft.com/office/powerpoint/2010/main" val="115590707"/>
+      </p:ext>
+    </p:extLst>
+  </p:cSld>
+  <p:clrMapOvr>
+    <a:masterClrMapping/>
+  </p:clrMapOvr>
+</p:sld>
+</file>
+
+<file path=ppt/slides/slide10.xml><?xml version="1.0" encoding="utf-8"?>
+<p:sld xmlns:a="http://schemas.openxmlformats.org/drawingml/2006/main" xmlns:r="http://schemas.openxmlformats.org/officeDocument/2006/relationships" xmlns:p="http://schemas.openxmlformats.org/presentationml/2006/main">
+  <p:cSld>
+    <p:spTree>
+      <p:nvGrpSpPr>
+        <p:cNvPr id="1" name=""/>
+        <p:cNvGrpSpPr/>
+        <p:nvPr/>
+      </p:nvGrpSpPr>
+      <p:grpSpPr>
+        <a:xfrm>
+          <a:off x="0" y="0"/>
+          <a:ext cx="0" cy="0"/>
+          <a:chOff x="0" y="0"/>
+          <a:chExt cx="0" cy="0"/>
+        </a:xfrm>
+      </p:grpSpPr>
+      <p:sp>
+        <p:nvSpPr>
+          <p:cNvPr id="2" name="Title 1">
+            <a:extLst>
+              <a:ext uri="{FF2B5EF4-FFF2-40B4-BE49-F238E27FC236}">
+                <a16:creationId xmlns:a16="http://schemas.microsoft.com/office/drawing/2014/main" id="{F5C17B8F-FFD9-6D32-D9EE-7206705F812F}"/>
+              </a:ext>
+            </a:extLst>
+          </p:cNvPr>
+          <p:cNvSpPr>
+            <a:spLocks noGrp="1"/>
+          </p:cNvSpPr>
+          <p:nvPr>
+            <p:ph type="title"/>
+          </p:nvPr>
+        </p:nvSpPr>
+        <p:spPr/>
+        <p:txBody>
+          <a:bodyPr>
+            <a:normAutofit fontScale="90000"/>
+          </a:bodyPr>
+          <a:lstStyle/>
+          <a:p>
+            <a:r>
+              <a:rPr lang="en-US" dirty="0">
+                <a:solidFill>
+                  <a:schemeClr val="bg1"/>
+                </a:solidFill>
+              </a:rPr>
+              <a:t>Insights Agent – Real-time insights generated on Database records and triggered through </a:t>
+            </a:r>
+            <a:r>
+              <a:rPr lang="en-US" dirty="0" err="1">
+                <a:solidFill>
+                  <a:schemeClr val="bg1"/>
+                </a:solidFill>
+              </a:rPr>
+              <a:t>WebHook</a:t>
+            </a:r>
+            <a:endParaRPr lang="en-IN" dirty="0">
+              <a:solidFill>
+                <a:schemeClr val="bg1"/>
+              </a:solidFill>
+            </a:endParaRPr>
+          </a:p>
+        </p:txBody>
+      </p:sp>
+      <p:pic>
+        <p:nvPicPr>
+          <p:cNvPr id="7" name="Picture 6">
+            <a:extLst>
+              <a:ext uri="{FF2B5EF4-FFF2-40B4-BE49-F238E27FC236}">
+                <a16:creationId xmlns:a16="http://schemas.microsoft.com/office/drawing/2014/main" id="{52E173C8-9467-0E82-44C1-60AAA679D4E7}"/>
+              </a:ext>
+            </a:extLst>
+          </p:cNvPr>
+          <p:cNvPicPr>
+            <a:picLocks noChangeAspect="1"/>
+          </p:cNvPicPr>
+          <p:nvPr/>
+        </p:nvPicPr>
+        <p:blipFill>
+          <a:blip r:embed="rId2"/>
+          <a:stretch>
+            <a:fillRect/>
+          </a:stretch>
+        </p:blipFill>
+        <p:spPr>
+          <a:xfrm>
+            <a:off x="1337598" y="2053230"/>
+            <a:ext cx="9516803" cy="4039164"/>
+          </a:xfrm>
+          <a:prstGeom prst="rect">
+            <a:avLst/>
+          </a:prstGeom>
+        </p:spPr>
+      </p:pic>
+    </p:spTree>
+    <p:extLst>
+      <p:ext uri="{BB962C8B-B14F-4D97-AF65-F5344CB8AC3E}">
+        <p14:creationId xmlns:p14="http://schemas.microsoft.com/office/powerpoint/2010/main" val="763336221"/>
+      </p:ext>
+    </p:extLst>
+  </p:cSld>
+  <p:clrMapOvr>
+    <a:masterClrMapping/>
+  </p:clrMapOvr>
+</p:sld>
+</file>
+
+<file path=ppt/slides/slide11.xml><?xml version="1.0" encoding="utf-8"?>
+<p:sld xmlns:a="http://schemas.openxmlformats.org/drawingml/2006/main" xmlns:r="http://schemas.openxmlformats.org/officeDocument/2006/relationships" xmlns:p="http://schemas.openxmlformats.org/presentationml/2006/main">
+  <p:cSld>
+    <p:spTree>
+      <p:nvGrpSpPr>
+        <p:cNvPr id="1" name=""/>
+        <p:cNvGrpSpPr/>
+        <p:nvPr/>
+      </p:nvGrpSpPr>
+      <p:grpSpPr>
+        <a:xfrm>
+          <a:off x="0" y="0"/>
+          <a:ext cx="0" cy="0"/>
+          <a:chOff x="0" y="0"/>
+          <a:chExt cx="0" cy="0"/>
+        </a:xfrm>
+      </p:grpSpPr>
+      <p:sp>
+        <p:nvSpPr>
+          <p:cNvPr id="2" name="Title 1">
+            <a:extLst>
+              <a:ext uri="{FF2B5EF4-FFF2-40B4-BE49-F238E27FC236}">
+                <a16:creationId xmlns:a16="http://schemas.microsoft.com/office/drawing/2014/main" id="{F16CFA37-775C-EAD7-3A7E-6DD35C3AB103}"/>
+              </a:ext>
+            </a:extLst>
+          </p:cNvPr>
+          <p:cNvSpPr>
+            <a:spLocks noGrp="1"/>
+          </p:cNvSpPr>
+          <p:nvPr>
+            <p:ph type="title"/>
+          </p:nvPr>
+        </p:nvSpPr>
+        <p:spPr>
+          <a:xfrm>
+            <a:off x="660917" y="2856399"/>
+            <a:ext cx="3472543" cy="1325563"/>
+          </a:xfrm>
+        </p:spPr>
+        <p:txBody>
+          <a:bodyPr>
+            <a:normAutofit fontScale="90000"/>
+          </a:bodyPr>
+          <a:lstStyle/>
+          <a:p>
+            <a:r>
+              <a:rPr lang="en-US" dirty="0">
+                <a:solidFill>
+                  <a:schemeClr val="bg1"/>
+                </a:solidFill>
+              </a:rPr>
+              <a:t>Email Agent – Reads new emails, categorizes them and auto generates responses for them.</a:t>
+            </a:r>
+            <a:endParaRPr lang="en-IN" dirty="0">
+              <a:solidFill>
+                <a:schemeClr val="bg1"/>
+              </a:solidFill>
+            </a:endParaRPr>
+          </a:p>
+        </p:txBody>
+      </p:sp>
+      <p:pic>
+        <p:nvPicPr>
+          <p:cNvPr id="5" name="Picture 4">
+            <a:extLst>
+              <a:ext uri="{FF2B5EF4-FFF2-40B4-BE49-F238E27FC236}">
+                <a16:creationId xmlns:a16="http://schemas.microsoft.com/office/drawing/2014/main" id="{8B626DDF-931D-F4A5-6FF0-177836574825}"/>
+              </a:ext>
+            </a:extLst>
+          </p:cNvPr>
+          <p:cNvPicPr>
+            <a:picLocks noChangeAspect="1"/>
+          </p:cNvPicPr>
+          <p:nvPr/>
+        </p:nvPicPr>
+        <p:blipFill>
+          <a:blip r:embed="rId2"/>
+          <a:stretch>
+            <a:fillRect/>
+          </a:stretch>
+        </p:blipFill>
+        <p:spPr>
+          <a:xfrm>
+            <a:off x="4488275" y="228153"/>
+            <a:ext cx="7544853" cy="6401693"/>
+          </a:xfrm>
+          <a:prstGeom prst="rect">
+            <a:avLst/>
+          </a:prstGeom>
+        </p:spPr>
+      </p:pic>
+    </p:spTree>
+    <p:extLst>
+      <p:ext uri="{BB962C8B-B14F-4D97-AF65-F5344CB8AC3E}">
+        <p14:creationId xmlns:p14="http://schemas.microsoft.com/office/powerpoint/2010/main" val="3441450040"/>
+      </p:ext>
+    </p:extLst>
+  </p:cSld>
+  <p:clrMapOvr>
+    <a:masterClrMapping/>
+  </p:clrMapOvr>
+</p:sld>
+</file>
+
+<file path=ppt/slides/slide12.xml><?xml version="1.0" encoding="utf-8"?>
+<p:sld xmlns:a="http://schemas.openxmlformats.org/drawingml/2006/main" xmlns:r="http://schemas.openxmlformats.org/officeDocument/2006/relationships" xmlns:p="http://schemas.openxmlformats.org/presentationml/2006/main">
+  <p:cSld>
+    <p:bg>
+      <p:bgPr>
+        <a:solidFill>
+          <a:schemeClr val="bg1"/>
+        </a:solidFill>
+        <a:effectLst/>
+      </p:bgPr>
+    </p:bg>
+    <p:spTree>
+      <p:nvGrpSpPr>
+        <p:cNvPr id="1" name=""/>
+        <p:cNvGrpSpPr/>
+        <p:nvPr/>
+      </p:nvGrpSpPr>
+      <p:grpSpPr>
+        <a:xfrm>
+          <a:off x="0" y="0"/>
+          <a:ext cx="0" cy="0"/>
+          <a:chOff x="0" y="0"/>
+          <a:chExt cx="0" cy="0"/>
+        </a:xfrm>
+      </p:grpSpPr>
+      <p:sp useBgFill="1">
+        <p:nvSpPr>
+          <p:cNvPr id="12" name="Rectangle 11">
+            <a:extLst>
+              <a:ext uri="{FF2B5EF4-FFF2-40B4-BE49-F238E27FC236}">
+                <a16:creationId xmlns:a16="http://schemas.microsoft.com/office/drawing/2014/main" id="{577D6B2E-37A3-429E-A37C-F30ED6487282}"/>
+              </a:ext>
+              <a:ext uri="{C183D7F6-B498-43B3-948B-1728B52AA6E4}">
+                <adec:decorative xmlns:adec="http://schemas.microsoft.com/office/drawing/2017/decorative" val="1"/>
+              </a:ext>
+            </a:extLst>
+          </p:cNvPr>
+          <p:cNvSpPr>
+            <a:spLocks noGrp="1" noRot="1" noChangeAspect="1" noMove="1" noResize="1" noEditPoints="1" noAdjustHandles="1" noChangeArrowheads="1" noChangeShapeType="1" noTextEdit="1"/>
+          </p:cNvSpPr>
+          <p:nvPr>
+            <p:extLst>
+              <p:ext uri="{386F3935-93C4-4BCD-93E2-E3B085C9AB24}">
+                <p16:designElem xmlns:p16="http://schemas.microsoft.com/office/powerpoint/2015/main" val="1"/>
+              </p:ext>
+            </p:extLst>
+          </p:nvPr>
+        </p:nvSpPr>
+        <p:spPr>
+          <a:xfrm>
+            <a:off x="0" y="0"/>
+            <a:ext cx="12192000" cy="6858000"/>
+          </a:xfrm>
+          <a:prstGeom prst="rect">
+            <a:avLst/>
+          </a:prstGeom>
+          <a:ln w="12700" cap="flat" cmpd="sng" algn="ctr">
+            <a:noFill/>
+            <a:prstDash val="solid"/>
+            <a:miter lim="800000"/>
+          </a:ln>
+          <a:effectLst/>
+          <a:extLst>
+            <a:ext uri="{91240B29-F687-4F45-9708-019B960494DF}">
+              <a14:hiddenLine xmlns:a14="http://schemas.microsoft.com/office/drawing/2010/main" w="12700" cap="flat" cmpd="sng" algn="ctr">
+                <a:solidFill>
+                  <a:schemeClr val="accent1">
+                    <a:shade val="50000"/>
+                  </a:schemeClr>
+                </a:solidFill>
+                <a:prstDash val="solid"/>
+                <a:miter lim="800000"/>
+              </a14:hiddenLine>
+            </a:ext>
+          </a:extLst>
+        </p:spPr>
+        <p:style>
+          <a:lnRef idx="2">
+            <a:schemeClr val="accent1">
+              <a:shade val="50000"/>
+            </a:schemeClr>
+          </a:lnRef>
+          <a:fillRef idx="1">
+            <a:schemeClr val="accent1"/>
+          </a:fillRef>
+          <a:effectRef idx="0">
+            <a:schemeClr val="accent1"/>
+          </a:effectRef>
+          <a:fontRef idx="minor">
+            <a:schemeClr val="lt1"/>
+          </a:fontRef>
+        </p:style>
+        <p:txBody>
+          <a:bodyPr rtlCol="0" anchor="ctr"/>
+          <a:lstStyle/>
+          <a:p>
+            <a:pPr algn="ctr"/>
+            <a:endParaRPr lang="en-US"/>
+          </a:p>
+        </p:txBody>
+      </p:sp>
+      <p:sp>
+        <p:nvSpPr>
+          <p:cNvPr id="14" name="Rectangle 13">
+            <a:extLst>
+              <a:ext uri="{FF2B5EF4-FFF2-40B4-BE49-F238E27FC236}">
+                <a16:creationId xmlns:a16="http://schemas.microsoft.com/office/drawing/2014/main" id="{5CEAD642-85CF-4750-8432-7C80C901F001}"/>
+              </a:ext>
+              <a:ext uri="{C183D7F6-B498-43B3-948B-1728B52AA6E4}">
+                <adec:decorative xmlns:adec="http://schemas.microsoft.com/office/drawing/2017/decorative" val="1"/>
+              </a:ext>
+            </a:extLst>
+          </p:cNvPr>
+          <p:cNvSpPr>
+            <a:spLocks noGrp="1" noRot="1" noChangeAspect="1" noMove="1" noResize="1" noEditPoints="1" noAdjustHandles="1" noChangeArrowheads="1" noChangeShapeType="1" noTextEdit="1"/>
+          </p:cNvSpPr>
+          <p:nvPr>
+            <p:extLst>
+              <p:ext uri="{386F3935-93C4-4BCD-93E2-E3B085C9AB24}">
+                <p16:designElem xmlns:p16="http://schemas.microsoft.com/office/powerpoint/2015/main" val="1"/>
+              </p:ext>
+            </p:extLst>
+          </p:nvPr>
+        </p:nvSpPr>
+        <p:spPr>
+          <a:xfrm rot="10800000">
+            <a:off x="-11723" y="-1"/>
+            <a:ext cx="12225953" cy="6868071"/>
+          </a:xfrm>
+          <a:prstGeom prst="rect">
+            <a:avLst/>
+          </a:prstGeom>
+          <a:gradFill>
+            <a:gsLst>
+              <a:gs pos="0">
+                <a:srgbClr val="000000"/>
+              </a:gs>
+              <a:gs pos="100000">
+                <a:schemeClr val="accent1">
+                  <a:lumMod val="75000"/>
+                </a:schemeClr>
+              </a:gs>
+            </a:gsLst>
+            <a:lin ang="4200000" scaled="0"/>
+          </a:gradFill>
+          <a:ln>
+            <a:noFill/>
+          </a:ln>
+        </p:spPr>
+        <p:style>
+          <a:lnRef idx="2">
+            <a:schemeClr val="accent1">
+              <a:shade val="50000"/>
+            </a:schemeClr>
+          </a:lnRef>
+          <a:fillRef idx="1">
+            <a:schemeClr val="accent1"/>
+          </a:fillRef>
+          <a:effectRef idx="0">
+            <a:schemeClr val="accent1"/>
+          </a:effectRef>
+          <a:fontRef idx="minor">
+            <a:schemeClr val="lt1"/>
+          </a:fontRef>
+        </p:style>
+        <p:txBody>
+          <a:bodyPr rtlCol="0" anchor="ctr"/>
+          <a:lstStyle/>
+          <a:p>
+            <a:pPr algn="ctr"/>
+            <a:endParaRPr lang="en-US"/>
+          </a:p>
+        </p:txBody>
+      </p:sp>
+      <p:sp>
+        <p:nvSpPr>
+          <p:cNvPr id="11" name="Rectangle 10">
+            <a:extLst>
+              <a:ext uri="{FF2B5EF4-FFF2-40B4-BE49-F238E27FC236}">
+                <a16:creationId xmlns:a16="http://schemas.microsoft.com/office/drawing/2014/main" id="{FA33EEAE-15D5-4119-8C1E-89D943F911EF}"/>
+              </a:ext>
+              <a:ext uri="{C183D7F6-B498-43B3-948B-1728B52AA6E4}">
+                <adec:decorative xmlns:adec="http://schemas.microsoft.com/office/drawing/2017/decorative" val="1"/>
+              </a:ext>
+            </a:extLst>
+          </p:cNvPr>
+          <p:cNvSpPr>
+            <a:spLocks noGrp="1" noRot="1" noChangeAspect="1" noMove="1" noResize="1" noEditPoints="1" noAdjustHandles="1" noChangeArrowheads="1" noChangeShapeType="1" noTextEdit="1"/>
+          </p:cNvSpPr>
+          <p:nvPr>
+            <p:extLst>
+              <p:ext uri="{386F3935-93C4-4BCD-93E2-E3B085C9AB24}">
+                <p16:designElem xmlns:p16="http://schemas.microsoft.com/office/powerpoint/2015/main" val="1"/>
+              </p:ext>
+            </p:extLst>
+          </p:nvPr>
+        </p:nvSpPr>
+        <p:spPr>
+          <a:xfrm rot="10800000" flipH="1">
+            <a:off x="441959" y="-3"/>
+            <a:ext cx="11772269" cy="6868074"/>
+          </a:xfrm>
+          <a:prstGeom prst="rect">
+            <a:avLst/>
+          </a:prstGeom>
+          <a:gradFill>
+            <a:gsLst>
+              <a:gs pos="21000">
+                <a:schemeClr val="accent1">
+                  <a:lumMod val="50000"/>
+                  <a:alpha val="83000"/>
+                </a:schemeClr>
+              </a:gs>
+              <a:gs pos="100000">
+                <a:schemeClr val="accent1">
+                  <a:alpha val="0"/>
+                </a:schemeClr>
+              </a:gs>
+            </a:gsLst>
+            <a:lin ang="8400000" scaled="0"/>
+          </a:gradFill>
+          <a:ln>
+            <a:noFill/>
+          </a:ln>
+        </p:spPr>
+        <p:style>
+          <a:lnRef idx="2">
+            <a:schemeClr val="accent1">
+              <a:shade val="50000"/>
+            </a:schemeClr>
+          </a:lnRef>
+          <a:fillRef idx="1">
+            <a:schemeClr val="accent1"/>
+          </a:fillRef>
+          <a:effectRef idx="0">
+            <a:schemeClr val="accent1"/>
+          </a:effectRef>
+          <a:fontRef idx="minor">
+            <a:schemeClr val="lt1"/>
+          </a:fontRef>
+        </p:style>
+        <p:txBody>
+          <a:bodyPr rtlCol="0" anchor="ctr"/>
+          <a:lstStyle/>
+          <a:p>
+            <a:pPr algn="ctr"/>
+            <a:endParaRPr lang="en-US"/>
+          </a:p>
+        </p:txBody>
+      </p:sp>
+      <p:sp>
+        <p:nvSpPr>
+          <p:cNvPr id="13" name="Rectangle 12">
+            <a:extLst>
+              <a:ext uri="{FF2B5EF4-FFF2-40B4-BE49-F238E27FC236}">
+                <a16:creationId xmlns:a16="http://schemas.microsoft.com/office/drawing/2014/main" id="{730D8B3B-9B80-4025-B934-26DC7D7CD231}"/>
+              </a:ext>
+              <a:ext uri="{C183D7F6-B498-43B3-948B-1728B52AA6E4}">
+                <adec:decorative xmlns:adec="http://schemas.microsoft.com/office/drawing/2017/decorative" val="1"/>
+              </a:ext>
+            </a:extLst>
+          </p:cNvPr>
+          <p:cNvSpPr>
+            <a:spLocks noGrp="1" noRot="1" noChangeAspect="1" noMove="1" noResize="1" noEditPoints="1" noAdjustHandles="1" noChangeArrowheads="1" noChangeShapeType="1" noTextEdit="1"/>
+          </p:cNvSpPr>
+          <p:nvPr>
+            <p:extLst>
+              <p:ext uri="{386F3935-93C4-4BCD-93E2-E3B085C9AB24}">
+                <p16:designElem xmlns:p16="http://schemas.microsoft.com/office/powerpoint/2015/main" val="1"/>
+              </p:ext>
+            </p:extLst>
+          </p:nvPr>
+        </p:nvSpPr>
+        <p:spPr>
+          <a:xfrm rot="10800000">
+            <a:off x="-15200" y="0"/>
+            <a:ext cx="3623374" cy="6868072"/>
+          </a:xfrm>
+          <a:prstGeom prst="rect">
+            <a:avLst/>
+          </a:prstGeom>
+          <a:gradFill>
+            <a:gsLst>
+              <a:gs pos="0">
+                <a:schemeClr val="accent1">
+                  <a:lumMod val="75000"/>
+                  <a:alpha val="0"/>
+                </a:schemeClr>
+              </a:gs>
+              <a:gs pos="99000">
+                <a:srgbClr val="000000">
+                  <a:alpha val="41000"/>
+                </a:srgbClr>
+              </a:gs>
+            </a:gsLst>
+            <a:lin ang="13200000" scaled="0"/>
+          </a:gradFill>
+          <a:ln>
+            <a:noFill/>
+          </a:ln>
+        </p:spPr>
+        <p:style>
+          <a:lnRef idx="2">
+            <a:schemeClr val="accent1">
+              <a:shade val="50000"/>
+            </a:schemeClr>
+          </a:lnRef>
+          <a:fillRef idx="1">
+            <a:schemeClr val="accent1"/>
+          </a:fillRef>
+          <a:effectRef idx="0">
+            <a:schemeClr val="accent1"/>
+          </a:effectRef>
+          <a:fontRef idx="minor">
+            <a:schemeClr val="lt1"/>
+          </a:fontRef>
+        </p:style>
+        <p:txBody>
+          <a:bodyPr rtlCol="0" anchor="ctr"/>
+          <a:lstStyle/>
+          <a:p>
+            <a:pPr algn="ctr"/>
+            <a:endParaRPr lang="en-US"/>
+          </a:p>
+        </p:txBody>
+      </p:sp>
+      <p:sp>
+        <p:nvSpPr>
+          <p:cNvPr id="15" name="Rectangle 14">
+            <a:extLst>
+              <a:ext uri="{FF2B5EF4-FFF2-40B4-BE49-F238E27FC236}">
+                <a16:creationId xmlns:a16="http://schemas.microsoft.com/office/drawing/2014/main" id="{1064D5D5-227B-4F66-9AEA-46F570E793BD}"/>
+              </a:ext>
+              <a:ext uri="{C183D7F6-B498-43B3-948B-1728B52AA6E4}">
+                <adec:decorative xmlns:adec="http://schemas.microsoft.com/office/drawing/2017/decorative" val="1"/>
+              </a:ext>
+            </a:extLst>
+          </p:cNvPr>
+          <p:cNvSpPr>
+            <a:spLocks noGrp="1" noRot="1" noChangeAspect="1" noMove="1" noResize="1" noEditPoints="1" noAdjustHandles="1" noChangeArrowheads="1" noChangeShapeType="1" noTextEdit="1"/>
+          </p:cNvSpPr>
+          <p:nvPr>
+            <p:extLst>
+              <p:ext uri="{386F3935-93C4-4BCD-93E2-E3B085C9AB24}">
+                <p16:designElem xmlns:p16="http://schemas.microsoft.com/office/powerpoint/2015/main" val="1"/>
+              </p:ext>
+            </p:extLst>
+          </p:nvPr>
+        </p:nvSpPr>
+        <p:spPr>
+          <a:xfrm flipH="1">
+            <a:off x="-15875" y="-3"/>
+            <a:ext cx="12233581" cy="6868076"/>
+          </a:xfrm>
+          <a:prstGeom prst="rect">
+            <a:avLst/>
+          </a:prstGeom>
+          <a:gradFill>
+            <a:gsLst>
+              <a:gs pos="3000">
+                <a:schemeClr val="accent1">
+                  <a:lumMod val="75000"/>
+                  <a:alpha val="0"/>
+                </a:schemeClr>
+              </a:gs>
+              <a:gs pos="100000">
+                <a:srgbClr val="000000">
+                  <a:alpha val="73000"/>
+                </a:srgbClr>
+              </a:gs>
+            </a:gsLst>
+            <a:lin ang="17400000" scaled="0"/>
+          </a:gradFill>
+          <a:ln>
+            <a:noFill/>
+          </a:ln>
+        </p:spPr>
+        <p:style>
+          <a:lnRef idx="2">
+            <a:schemeClr val="accent1">
+              <a:shade val="50000"/>
+            </a:schemeClr>
+          </a:lnRef>
+          <a:fillRef idx="1">
+            <a:schemeClr val="accent1"/>
+          </a:fillRef>
+          <a:effectRef idx="0">
+            <a:schemeClr val="accent1"/>
+          </a:effectRef>
+          <a:fontRef idx="minor">
+            <a:schemeClr val="lt1"/>
+          </a:fontRef>
+        </p:style>
+        <p:txBody>
+          <a:bodyPr rtlCol="0" anchor="ctr"/>
+          <a:lstStyle/>
+          <a:p>
+            <a:pPr algn="ctr"/>
+            <a:endParaRPr lang="en-US"/>
+          </a:p>
+        </p:txBody>
+      </p:sp>
+      <p:sp>
+        <p:nvSpPr>
+          <p:cNvPr id="17" name="Rectangle 16">
+            <a:extLst>
+              <a:ext uri="{FF2B5EF4-FFF2-40B4-BE49-F238E27FC236}">
+                <a16:creationId xmlns:a16="http://schemas.microsoft.com/office/drawing/2014/main" id="{646B67A4-D328-4747-A82B-65E84FA46368}"/>
+              </a:ext>
+              <a:ext uri="{C183D7F6-B498-43B3-948B-1728B52AA6E4}">
+                <adec:decorative xmlns:adec="http://schemas.microsoft.com/office/drawing/2017/decorative" val="1"/>
+              </a:ext>
+            </a:extLst>
+          </p:cNvPr>
+          <p:cNvSpPr>
+            <a:spLocks noGrp="1" noRot="1" noChangeAspect="1" noMove="1" noResize="1" noEditPoints="1" noAdjustHandles="1" noChangeArrowheads="1" noChangeShapeType="1" noTextEdit="1"/>
+          </p:cNvSpPr>
+          <p:nvPr>
+            <p:extLst>
+              <p:ext uri="{386F3935-93C4-4BCD-93E2-E3B085C9AB24}">
+                <p16:designElem xmlns:p16="http://schemas.microsoft.com/office/powerpoint/2015/main" val="1"/>
+              </p:ext>
+            </p:extLst>
+          </p:nvPr>
+        </p:nvSpPr>
+        <p:spPr>
+          <a:xfrm rot="5400000" flipH="1">
+            <a:off x="4484334" y="-861824"/>
+            <a:ext cx="6861931" cy="8597859"/>
+          </a:xfrm>
+          <a:prstGeom prst="rect">
+            <a:avLst/>
+          </a:prstGeom>
+          <a:gradFill>
+            <a:gsLst>
+              <a:gs pos="3000">
+                <a:schemeClr val="accent1">
+                  <a:lumMod val="75000"/>
+                  <a:alpha val="0"/>
+                </a:schemeClr>
+              </a:gs>
+              <a:gs pos="100000">
+                <a:srgbClr val="000000">
+                  <a:alpha val="27000"/>
+                </a:srgbClr>
+              </a:gs>
+            </a:gsLst>
+            <a:lin ang="13800000" scaled="0"/>
+          </a:gradFill>
+          <a:ln>
+            <a:noFill/>
+          </a:ln>
+        </p:spPr>
+        <p:style>
+          <a:lnRef idx="2">
+            <a:schemeClr val="accent1">
+              <a:shade val="50000"/>
+            </a:schemeClr>
+          </a:lnRef>
+          <a:fillRef idx="1">
+            <a:schemeClr val="accent1"/>
+          </a:fillRef>
+          <a:effectRef idx="0">
+            <a:schemeClr val="accent1"/>
+          </a:effectRef>
+          <a:fontRef idx="minor">
+            <a:schemeClr val="lt1"/>
+          </a:fontRef>
+        </p:style>
+        <p:txBody>
+          <a:bodyPr rtlCol="0" anchor="ctr"/>
+          <a:lstStyle/>
+          <a:p>
+            <a:pPr algn="ctr"/>
+            <a:endParaRPr lang="en-US"/>
+          </a:p>
+        </p:txBody>
+      </p:sp>
+      <p:sp>
+        <p:nvSpPr>
+          <p:cNvPr id="19" name="Oval 18">
+            <a:extLst>
+              <a:ext uri="{FF2B5EF4-FFF2-40B4-BE49-F238E27FC236}">
+                <a16:creationId xmlns:a16="http://schemas.microsoft.com/office/drawing/2014/main" id="{B5A1B09C-1565-46F8-B70F-621C5EB48A09}"/>
+              </a:ext>
+              <a:ext uri="{C183D7F6-B498-43B3-948B-1728B52AA6E4}">
+                <adec:decorative xmlns:adec="http://schemas.microsoft.com/office/drawing/2017/decorative" val="1"/>
+              </a:ext>
+            </a:extLst>
+          </p:cNvPr>
+          <p:cNvSpPr>
+            <a:spLocks noGrp="1" noRot="1" noChangeAspect="1" noMove="1" noResize="1" noEditPoints="1" noAdjustHandles="1" noChangeArrowheads="1" noChangeShapeType="1" noTextEdit="1"/>
+          </p:cNvSpPr>
+          <p:nvPr>
+            <p:extLst>
+              <p:ext uri="{386F3935-93C4-4BCD-93E2-E3B085C9AB24}">
+                <p16:designElem xmlns:p16="http://schemas.microsoft.com/office/powerpoint/2015/main" val="1"/>
+              </p:ext>
+            </p:extLst>
+          </p:nvPr>
+        </p:nvSpPr>
+        <p:spPr>
+          <a:xfrm rot="5993193">
+            <a:off x="1186972" y="1089049"/>
+            <a:ext cx="4967533" cy="4988390"/>
+          </a:xfrm>
+          <a:prstGeom prst="ellipse">
+            <a:avLst/>
+          </a:prstGeom>
+          <a:gradFill>
+            <a:gsLst>
+              <a:gs pos="0">
+                <a:schemeClr val="accent1">
+                  <a:alpha val="26000"/>
+                </a:schemeClr>
+              </a:gs>
+              <a:gs pos="85000">
+                <a:schemeClr val="accent1">
+                  <a:lumMod val="60000"/>
+                  <a:lumOff val="40000"/>
+                  <a:alpha val="0"/>
+                </a:schemeClr>
+              </a:gs>
+            </a:gsLst>
+            <a:lin ang="14400000" scaled="0"/>
+          </a:gradFill>
+          <a:ln>
+            <a:noFill/>
+          </a:ln>
+        </p:spPr>
+        <p:style>
+          <a:lnRef idx="2">
+            <a:schemeClr val="accent1">
+              <a:shade val="50000"/>
+            </a:schemeClr>
+          </a:lnRef>
+          <a:fillRef idx="1">
+            <a:schemeClr val="accent1"/>
+          </a:fillRef>
+          <a:effectRef idx="0">
+            <a:schemeClr val="accent1"/>
+          </a:effectRef>
+          <a:fontRef idx="minor">
+            <a:schemeClr val="lt1"/>
+          </a:fontRef>
+        </p:style>
+        <p:txBody>
+          <a:bodyPr rtlCol="0" anchor="ctr"/>
+          <a:lstStyle/>
+          <a:p>
+            <a:pPr algn="ctr"/>
+            <a:endParaRPr lang="en-US" dirty="0"/>
+          </a:p>
+        </p:txBody>
+      </p:sp>
+      <p:sp>
+        <p:nvSpPr>
+          <p:cNvPr id="2" name="Title 1">
+            <a:extLst>
+              <a:ext uri="{FF2B5EF4-FFF2-40B4-BE49-F238E27FC236}">
+                <a16:creationId xmlns:a16="http://schemas.microsoft.com/office/drawing/2014/main" id="{95F74CB0-47B6-91B4-11BF-E878E47E6CB6}"/>
+              </a:ext>
+            </a:extLst>
+          </p:cNvPr>
+          <p:cNvSpPr>
+            <a:spLocks noGrp="1"/>
+          </p:cNvSpPr>
+          <p:nvPr>
+            <p:ph type="title"/>
+          </p:nvPr>
+        </p:nvSpPr>
+        <p:spPr>
+          <a:xfrm>
+            <a:off x="4162567" y="818984"/>
+            <a:ext cx="6714699" cy="3178689"/>
+          </a:xfrm>
+        </p:spPr>
+        <p:txBody>
+          <a:bodyPr vert="horz" lIns="91440" tIns="45720" rIns="91440" bIns="45720" rtlCol="0" anchor="b">
+            <a:normAutofit/>
+          </a:bodyPr>
+          <a:lstStyle/>
+          <a:p>
+            <a:r>
+              <a:rPr lang="en-US" sz="4800" kern="1200">
+                <a:solidFill>
+                  <a:srgbClr val="FFFFFF"/>
+                </a:solidFill>
+                <a:latin typeface="+mj-lt"/>
+                <a:ea typeface="+mj-ea"/>
+                <a:cs typeface="+mj-cs"/>
+              </a:rPr>
+              <a:t>Thank you</a:t>
+            </a:r>
+          </a:p>
+        </p:txBody>
+      </p:sp>
+      <p:sp>
+        <p:nvSpPr>
+          <p:cNvPr id="21" name="Rectangle 20">
+            <a:extLst>
+              <a:ext uri="{FF2B5EF4-FFF2-40B4-BE49-F238E27FC236}">
+                <a16:creationId xmlns:a16="http://schemas.microsoft.com/office/drawing/2014/main" id="{8C516CC8-80AC-446C-A56E-9F54B7210402}"/>
+              </a:ext>
+              <a:ext uri="{C183D7F6-B498-43B3-948B-1728B52AA6E4}">
+                <adec:decorative xmlns:adec="http://schemas.microsoft.com/office/drawing/2017/decorative" val="1"/>
+              </a:ext>
+            </a:extLst>
+          </p:cNvPr>
+          <p:cNvSpPr>
+            <a:spLocks noGrp="1" noRot="1" noChangeAspect="1" noMove="1" noResize="1" noEditPoints="1" noAdjustHandles="1" noChangeArrowheads="1" noChangeShapeType="1" noTextEdit="1"/>
+          </p:cNvSpPr>
+          <p:nvPr>
+            <p:extLst>
+              <p:ext uri="{386F3935-93C4-4BCD-93E2-E3B085C9AB24}">
+                <p16:designElem xmlns:p16="http://schemas.microsoft.com/office/powerpoint/2015/main" val="1"/>
+              </p:ext>
+            </p:extLst>
+          </p:nvPr>
+        </p:nvSpPr>
+        <p:spPr>
+          <a:xfrm flipH="1">
+            <a:off x="-3" y="4490110"/>
+            <a:ext cx="12217710" cy="2377962"/>
+          </a:xfrm>
+          <a:prstGeom prst="rect">
+            <a:avLst/>
+          </a:prstGeom>
+          <a:gradFill>
+            <a:gsLst>
+              <a:gs pos="0">
+                <a:schemeClr val="accent1">
+                  <a:lumMod val="75000"/>
+                  <a:alpha val="50000"/>
+                </a:schemeClr>
+              </a:gs>
+              <a:gs pos="99000">
+                <a:srgbClr val="000000">
+                  <a:alpha val="34000"/>
+                </a:srgbClr>
+              </a:gs>
+            </a:gsLst>
+            <a:lin ang="13200000" scaled="0"/>
+          </a:gradFill>
+          <a:ln>
+            <a:noFill/>
+          </a:ln>
+        </p:spPr>
+        <p:style>
+          <a:lnRef idx="2">
+            <a:schemeClr val="accent1">
+              <a:shade val="50000"/>
+            </a:schemeClr>
+          </a:lnRef>
+          <a:fillRef idx="1">
+            <a:schemeClr val="accent1"/>
+          </a:fillRef>
+          <a:effectRef idx="0">
+            <a:schemeClr val="accent1"/>
+          </a:effectRef>
+          <a:fontRef idx="minor">
+            <a:schemeClr val="lt1"/>
+          </a:fontRef>
+        </p:style>
+        <p:txBody>
+          <a:bodyPr rtlCol="0" anchor="ctr"/>
+          <a:lstStyle/>
+          <a:p>
+            <a:pPr algn="ctr"/>
+            <a:endParaRPr lang="en-US"/>
+          </a:p>
+        </p:txBody>
+      </p:sp>
+    </p:spTree>
+    <p:extLst>
+      <p:ext uri="{BB962C8B-B14F-4D97-AF65-F5344CB8AC3E}">
+        <p14:creationId xmlns:p14="http://schemas.microsoft.com/office/powerpoint/2010/main" val="746057713"/>
       </p:ext>
     </p:extLst>
   </p:cSld>
@@ -19672,7 +23424,7 @@
             <p:ph idx="1"/>
             <p:extLst>
               <p:ext uri="{D42A27DB-BD31-4B8C-83A1-F6EECF244321}">
-                <p14:modId xmlns:p14="http://schemas.microsoft.com/office/powerpoint/2010/main" val="1563402518"/>
+                <p14:modId xmlns:p14="http://schemas.microsoft.com/office/powerpoint/2010/main" val="1634180989"/>
               </p:ext>
             </p:extLst>
           </p:nvPr>
@@ -19870,7 +23622,7 @@
           <p:nvPr>
             <p:extLst>
               <p:ext uri="{D42A27DB-BD31-4B8C-83A1-F6EECF244321}">
-                <p14:modId xmlns:p14="http://schemas.microsoft.com/office/powerpoint/2010/main" val="2239398719"/>
+                <p14:modId xmlns:p14="http://schemas.microsoft.com/office/powerpoint/2010/main" val="883171115"/>
               </p:ext>
             </p:extLst>
           </p:nvPr>
@@ -19885,6 +23637,129 @@
           </a:graphicData>
         </a:graphic>
       </p:graphicFrame>
+      <p:cxnSp>
+        <p:nvCxnSpPr>
+          <p:cNvPr id="4" name="Straight Arrow Connector 3">
+            <a:extLst>
+              <a:ext uri="{FF2B5EF4-FFF2-40B4-BE49-F238E27FC236}">
+                <a16:creationId xmlns:a16="http://schemas.microsoft.com/office/drawing/2014/main" id="{DAF86651-ACD0-DB5A-435F-09C86E031682}"/>
+              </a:ext>
+            </a:extLst>
+          </p:cNvPr>
+          <p:cNvCxnSpPr>
+            <a:cxnSpLocks/>
+          </p:cNvCxnSpPr>
+          <p:nvPr/>
+        </p:nvCxnSpPr>
+        <p:spPr>
+          <a:xfrm>
+            <a:off x="7268547" y="2183363"/>
+            <a:ext cx="0" cy="233266"/>
+          </a:xfrm>
+          <a:prstGeom prst="straightConnector1">
+            <a:avLst/>
+          </a:prstGeom>
+          <a:ln>
+            <a:tailEnd type="triangle"/>
+          </a:ln>
+        </p:spPr>
+        <p:style>
+          <a:lnRef idx="2">
+            <a:schemeClr val="accent2"/>
+          </a:lnRef>
+          <a:fillRef idx="0">
+            <a:schemeClr val="accent2"/>
+          </a:fillRef>
+          <a:effectRef idx="1">
+            <a:schemeClr val="accent2"/>
+          </a:effectRef>
+          <a:fontRef idx="minor">
+            <a:schemeClr val="tx1"/>
+          </a:fontRef>
+        </p:style>
+      </p:cxnSp>
+      <p:cxnSp>
+        <p:nvCxnSpPr>
+          <p:cNvPr id="8" name="Straight Arrow Connector 7">
+            <a:extLst>
+              <a:ext uri="{FF2B5EF4-FFF2-40B4-BE49-F238E27FC236}">
+                <a16:creationId xmlns:a16="http://schemas.microsoft.com/office/drawing/2014/main" id="{04A2276E-8E89-53A2-141A-B516D75C6093}"/>
+              </a:ext>
+            </a:extLst>
+          </p:cNvPr>
+          <p:cNvCxnSpPr>
+            <a:cxnSpLocks/>
+          </p:cNvCxnSpPr>
+          <p:nvPr/>
+        </p:nvCxnSpPr>
+        <p:spPr>
+          <a:xfrm>
+            <a:off x="7268547" y="3195734"/>
+            <a:ext cx="0" cy="233266"/>
+          </a:xfrm>
+          <a:prstGeom prst="straightConnector1">
+            <a:avLst/>
+          </a:prstGeom>
+          <a:ln>
+            <a:tailEnd type="triangle"/>
+          </a:ln>
+        </p:spPr>
+        <p:style>
+          <a:lnRef idx="2">
+            <a:schemeClr val="accent2"/>
+          </a:lnRef>
+          <a:fillRef idx="0">
+            <a:schemeClr val="accent2"/>
+          </a:fillRef>
+          <a:effectRef idx="1">
+            <a:schemeClr val="accent2"/>
+          </a:effectRef>
+          <a:fontRef idx="minor">
+            <a:schemeClr val="tx1"/>
+          </a:fontRef>
+        </p:style>
+      </p:cxnSp>
+      <p:cxnSp>
+        <p:nvCxnSpPr>
+          <p:cNvPr id="9" name="Straight Arrow Connector 8">
+            <a:extLst>
+              <a:ext uri="{FF2B5EF4-FFF2-40B4-BE49-F238E27FC236}">
+                <a16:creationId xmlns:a16="http://schemas.microsoft.com/office/drawing/2014/main" id="{4B2EF8C6-0828-6A34-94AF-6F23C52B5985}"/>
+              </a:ext>
+            </a:extLst>
+          </p:cNvPr>
+          <p:cNvCxnSpPr>
+            <a:cxnSpLocks/>
+          </p:cNvCxnSpPr>
+          <p:nvPr/>
+        </p:nvCxnSpPr>
+        <p:spPr>
+          <a:xfrm>
+            <a:off x="7268547" y="4193628"/>
+            <a:ext cx="0" cy="233266"/>
+          </a:xfrm>
+          <a:prstGeom prst="straightConnector1">
+            <a:avLst/>
+          </a:prstGeom>
+          <a:ln>
+            <a:tailEnd type="triangle"/>
+          </a:ln>
+        </p:spPr>
+        <p:style>
+          <a:lnRef idx="2">
+            <a:schemeClr val="accent2"/>
+          </a:lnRef>
+          <a:fillRef idx="0">
+            <a:schemeClr val="accent2"/>
+          </a:fillRef>
+          <a:effectRef idx="1">
+            <a:schemeClr val="accent2"/>
+          </a:effectRef>
+          <a:fontRef idx="minor">
+            <a:schemeClr val="tx1"/>
+          </a:fontRef>
+        </p:style>
+      </p:cxnSp>
     </p:spTree>
     <p:extLst>
       <p:ext uri="{BB962C8B-B14F-4D97-AF65-F5344CB8AC3E}">
@@ -20280,7 +24155,7 @@
             <p:ph idx="1"/>
             <p:extLst>
               <p:ext uri="{D42A27DB-BD31-4B8C-83A1-F6EECF244321}">
-                <p14:modId xmlns:p14="http://schemas.microsoft.com/office/powerpoint/2010/main" val="1625466595"/>
+                <p14:modId xmlns:p14="http://schemas.microsoft.com/office/powerpoint/2010/main" val="783816906"/>
               </p:ext>
             </p:extLst>
           </p:nvPr>
@@ -20690,7 +24565,7 @@
             <p:ph idx="1"/>
             <p:extLst>
               <p:ext uri="{D42A27DB-BD31-4B8C-83A1-F6EECF244321}">
-                <p14:modId xmlns:p14="http://schemas.microsoft.com/office/powerpoint/2010/main" val="2938235761"/>
+                <p14:modId xmlns:p14="http://schemas.microsoft.com/office/powerpoint/2010/main" val="2376637383"/>
               </p:ext>
             </p:extLst>
           </p:nvPr>
@@ -20740,7 +24615,7 @@
           <p:cNvPr id="2" name="Title 1">
             <a:extLst>
               <a:ext uri="{FF2B5EF4-FFF2-40B4-BE49-F238E27FC236}">
-                <a16:creationId xmlns:a16="http://schemas.microsoft.com/office/drawing/2014/main" id="{95F74CB0-47B6-91B4-11BF-E878E47E6CB6}"/>
+                <a16:creationId xmlns:a16="http://schemas.microsoft.com/office/drawing/2014/main" id="{7EAB7A88-58BD-1333-0024-B3EF3B9855FA}"/>
               </a:ext>
             </a:extLst>
           </p:cNvPr>
@@ -20762,7 +24637,7 @@
                   <a:schemeClr val="bg1"/>
                 </a:solidFill>
               </a:rPr>
-              <a:t>Additional Resources</a:t>
+              <a:t>Agents Created</a:t>
             </a:r>
             <a:endParaRPr lang="en-IN" dirty="0">
               <a:solidFill>
@@ -20772,12 +24647,70 @@
           </a:p>
         </p:txBody>
       </p:sp>
+      <p:graphicFrame>
+        <p:nvGraphicFramePr>
+          <p:cNvPr id="4" name="Diagram 3">
+            <a:extLst>
+              <a:ext uri="{FF2B5EF4-FFF2-40B4-BE49-F238E27FC236}">
+                <a16:creationId xmlns:a16="http://schemas.microsoft.com/office/drawing/2014/main" id="{E2A0A491-EBC8-CE86-C530-464D07A4FEC0}"/>
+              </a:ext>
+            </a:extLst>
+          </p:cNvPr>
+          <p:cNvGraphicFramePr/>
+          <p:nvPr>
+            <p:extLst>
+              <p:ext uri="{D42A27DB-BD31-4B8C-83A1-F6EECF244321}">
+                <p14:modId xmlns:p14="http://schemas.microsoft.com/office/powerpoint/2010/main" val="3777566992"/>
+              </p:ext>
+            </p:extLst>
+          </p:nvPr>
+        </p:nvGraphicFramePr>
+        <p:xfrm>
+          <a:off x="3573625" y="234495"/>
+          <a:ext cx="8892073" cy="6483545"/>
+        </p:xfrm>
+        <a:graphic>
+          <a:graphicData uri="http://schemas.openxmlformats.org/drawingml/2006/diagram">
+            <dgm:relIds xmlns:dgm="http://schemas.openxmlformats.org/drawingml/2006/diagram" xmlns:r="http://schemas.openxmlformats.org/officeDocument/2006/relationships" r:dm="rId2" r:lo="rId3" r:qs="rId4" r:cs="rId5"/>
+          </a:graphicData>
+        </a:graphic>
+      </p:graphicFrame>
+    </p:spTree>
+    <p:extLst>
+      <p:ext uri="{BB962C8B-B14F-4D97-AF65-F5344CB8AC3E}">
+        <p14:creationId xmlns:p14="http://schemas.microsoft.com/office/powerpoint/2010/main" val="1051110921"/>
+      </p:ext>
+    </p:extLst>
+  </p:cSld>
+  <p:clrMapOvr>
+    <a:masterClrMapping/>
+  </p:clrMapOvr>
+</p:sld>
+</file>
+
+<file path=ppt/slides/slide7.xml><?xml version="1.0" encoding="utf-8"?>
+<p:sld xmlns:a="http://schemas.openxmlformats.org/drawingml/2006/main" xmlns:r="http://schemas.openxmlformats.org/officeDocument/2006/relationships" xmlns:p="http://schemas.openxmlformats.org/presentationml/2006/main">
+  <p:cSld>
+    <p:spTree>
+      <p:nvGrpSpPr>
+        <p:cNvPr id="1" name=""/>
+        <p:cNvGrpSpPr/>
+        <p:nvPr/>
+      </p:nvGrpSpPr>
+      <p:grpSpPr>
+        <a:xfrm>
+          <a:off x="0" y="0"/>
+          <a:ext cx="0" cy="0"/>
+          <a:chOff x="0" y="0"/>
+          <a:chExt cx="0" cy="0"/>
+        </a:xfrm>
+      </p:grpSpPr>
       <p:sp>
         <p:nvSpPr>
-          <p:cNvPr id="3" name="Content Placeholder 2">
+          <p:cNvPr id="2" name="Title 1">
             <a:extLst>
               <a:ext uri="{FF2B5EF4-FFF2-40B4-BE49-F238E27FC236}">
-                <a16:creationId xmlns:a16="http://schemas.microsoft.com/office/drawing/2014/main" id="{FCDAE68F-ABCD-D5F9-EB9A-B034E255CA55}"/>
+                <a16:creationId xmlns:a16="http://schemas.microsoft.com/office/drawing/2014/main" id="{05C55A4A-07BA-816A-F56B-D02072FD5385}"/>
               </a:ext>
             </a:extLst>
           </p:cNvPr>
@@ -20785,264 +24718,346 @@
             <a:spLocks noGrp="1"/>
           </p:cNvSpPr>
           <p:nvPr>
-            <p:ph idx="1"/>
+            <p:ph type="title"/>
           </p:nvPr>
         </p:nvSpPr>
         <p:spPr/>
         <p:txBody>
-          <a:bodyPr>
-            <a:normAutofit fontScale="92500" lnSpcReduction="10000"/>
+          <a:bodyPr/>
+          <a:lstStyle/>
+          <a:p>
+            <a:r>
+              <a:rPr lang="en-US">
+                <a:solidFill>
+                  <a:schemeClr val="bg1"/>
+                </a:solidFill>
+              </a:rPr>
+              <a:t>Supabase with Postgres used for RAG Setup</a:t>
+            </a:r>
+            <a:endParaRPr lang="en-IN" dirty="0">
+              <a:solidFill>
+                <a:schemeClr val="bg1"/>
+              </a:solidFill>
+            </a:endParaRPr>
+          </a:p>
+        </p:txBody>
+      </p:sp>
+      <p:pic>
+        <p:nvPicPr>
+          <p:cNvPr id="5" name="Picture 4">
+            <a:extLst>
+              <a:ext uri="{FF2B5EF4-FFF2-40B4-BE49-F238E27FC236}">
+                <a16:creationId xmlns:a16="http://schemas.microsoft.com/office/drawing/2014/main" id="{16F66836-FF8C-586A-E2FC-B8F3E4759335}"/>
+              </a:ext>
+            </a:extLst>
+          </p:cNvPr>
+          <p:cNvPicPr>
+            <a:picLocks noChangeAspect="1"/>
+          </p:cNvPicPr>
+          <p:nvPr/>
+        </p:nvPicPr>
+        <p:blipFill>
+          <a:blip r:embed="rId2"/>
+          <a:stretch>
+            <a:fillRect/>
+          </a:stretch>
+        </p:blipFill>
+        <p:spPr>
+          <a:xfrm>
+            <a:off x="856519" y="1714260"/>
+            <a:ext cx="10478962" cy="3429479"/>
+          </a:xfrm>
+          <a:prstGeom prst="rect">
+            <a:avLst/>
+          </a:prstGeom>
+        </p:spPr>
+      </p:pic>
+      <p:sp>
+        <p:nvSpPr>
+          <p:cNvPr id="6" name="TextBox 5">
+            <a:extLst>
+              <a:ext uri="{FF2B5EF4-FFF2-40B4-BE49-F238E27FC236}">
+                <a16:creationId xmlns:a16="http://schemas.microsoft.com/office/drawing/2014/main" id="{CB2DC80A-2B04-9368-AFE7-BF810B7827FD}"/>
+              </a:ext>
+            </a:extLst>
+          </p:cNvPr>
+          <p:cNvSpPr txBox="1"/>
+          <p:nvPr/>
+        </p:nvSpPr>
+        <p:spPr>
+          <a:xfrm>
+            <a:off x="1407367" y="5570376"/>
+            <a:ext cx="8824980" cy="369332"/>
+          </a:xfrm>
+          <a:prstGeom prst="rect">
+            <a:avLst/>
+          </a:prstGeom>
+          <a:noFill/>
+        </p:spPr>
+        <p:txBody>
+          <a:bodyPr wrap="none" rtlCol="0">
+            <a:spAutoFit/>
           </a:bodyPr>
           <a:lstStyle/>
           <a:p>
             <a:r>
-              <a:rPr lang="en-IN" dirty="0" err="1">
+              <a:rPr lang="en-US" dirty="0">
                 <a:solidFill>
                   <a:schemeClr val="bg1"/>
                 </a:solidFill>
-                <a:ea typeface="Calibri"/>
-                <a:cs typeface="Calibri"/>
               </a:rPr>
-              <a:t>Github</a:t>
+              <a:t>These Postgres </a:t>
             </a:r>
             <a:r>
-              <a:rPr lang="en-IN" dirty="0">
+              <a:rPr lang="en-US" dirty="0" err="1">
                 <a:solidFill>
                   <a:schemeClr val="bg1"/>
                 </a:solidFill>
-                <a:ea typeface="Calibri"/>
-                <a:cs typeface="Calibri"/>
               </a:rPr>
-              <a:t> Link for backend repository: </a:t>
+              <a:t>sql</a:t>
             </a:r>
             <a:r>
-              <a:rPr lang="en-IN" dirty="0" err="1">
-                <a:solidFill>
-                  <a:srgbClr val="0070C0"/>
-                </a:solidFill>
-                <a:ea typeface="+mn-lt"/>
-                <a:cs typeface="+mn-lt"/>
-                <a:hlinkClick r:id="rId2">
-                  <a:extLst>
-                    <a:ext uri="{A12FA001-AC4F-418D-AE19-62706E023703}">
-                      <ahyp:hlinkClr xmlns:ahyp="http://schemas.microsoft.com/office/drawing/2018/hyperlinkcolor" val="tx"/>
-                    </a:ext>
-                  </a:extLst>
-                </a:hlinkClick>
-              </a:rPr>
-              <a:t>RamyaBalabhadrapathruni</a:t>
-            </a:r>
-            <a:r>
-              <a:rPr lang="en-IN" dirty="0">
-                <a:solidFill>
-                  <a:srgbClr val="0070C0"/>
-                </a:solidFill>
-                <a:ea typeface="+mn-lt"/>
-                <a:cs typeface="+mn-lt"/>
-                <a:hlinkClick r:id="rId2">
-                  <a:extLst>
-                    <a:ext uri="{A12FA001-AC4F-418D-AE19-62706E023703}">
-                      <ahyp:hlinkClr xmlns:ahyp="http://schemas.microsoft.com/office/drawing/2018/hyperlinkcolor" val="tx"/>
-                    </a:ext>
-                  </a:extLst>
-                </a:hlinkClick>
-              </a:rPr>
-              <a:t>/autonomous-bi-agent (github.com)</a:t>
-            </a:r>
-            <a:br>
-              <a:rPr lang="en-IN" dirty="0">
-                <a:solidFill>
-                  <a:srgbClr val="0070C0"/>
-                </a:solidFill>
-                <a:ea typeface="+mn-lt"/>
-                <a:cs typeface="+mn-lt"/>
-              </a:rPr>
-            </a:br>
-            <a:br>
-              <a:rPr lang="en-IN" dirty="0">
+              <a:rPr lang="en-US" dirty="0">
                 <a:solidFill>
                   <a:schemeClr val="bg1"/>
                 </a:solidFill>
-                <a:ea typeface="+mn-lt"/>
-                <a:cs typeface="+mn-lt"/>
               </a:rPr>
-            </a:br>
-            <a:r>
-              <a:rPr lang="en-IN" dirty="0">
-                <a:solidFill>
-                  <a:schemeClr val="bg1"/>
-                </a:solidFill>
-                <a:ea typeface="Calibri"/>
-                <a:cs typeface="Calibri"/>
-              </a:rPr>
-              <a:t>Product Requirement Document Link: </a:t>
-            </a:r>
-            <a:r>
-              <a:rPr lang="en-IN" dirty="0">
-                <a:solidFill>
-                  <a:srgbClr val="0070C0"/>
-                </a:solidFill>
-                <a:ea typeface="+mn-lt"/>
-                <a:cs typeface="+mn-lt"/>
-                <a:hlinkClick r:id="rId3">
-                  <a:extLst>
-                    <a:ext uri="{A12FA001-AC4F-418D-AE19-62706E023703}">
-                      <ahyp:hlinkClr xmlns:ahyp="http://schemas.microsoft.com/office/drawing/2018/hyperlinkcolor" val="tx"/>
-                    </a:ext>
-                  </a:extLst>
-                </a:hlinkClick>
-              </a:rPr>
-              <a:t>autonomous-bi-agent/Autonomous_BI_PRD.docx at main · </a:t>
-            </a:r>
-            <a:r>
-              <a:rPr lang="en-IN" dirty="0" err="1">
-                <a:solidFill>
-                  <a:srgbClr val="0070C0"/>
-                </a:solidFill>
-                <a:ea typeface="+mn-lt"/>
-                <a:cs typeface="+mn-lt"/>
-                <a:hlinkClick r:id="rId3">
-                  <a:extLst>
-                    <a:ext uri="{A12FA001-AC4F-418D-AE19-62706E023703}">
-                      <ahyp:hlinkClr xmlns:ahyp="http://schemas.microsoft.com/office/drawing/2018/hyperlinkcolor" val="tx"/>
-                    </a:ext>
-                  </a:extLst>
-                </a:hlinkClick>
-              </a:rPr>
-              <a:t>RamyaBalabhadrapathruni</a:t>
-            </a:r>
-            <a:r>
-              <a:rPr lang="en-IN" dirty="0">
-                <a:solidFill>
-                  <a:srgbClr val="0070C0"/>
-                </a:solidFill>
-                <a:ea typeface="+mn-lt"/>
-                <a:cs typeface="+mn-lt"/>
-                <a:hlinkClick r:id="rId3">
-                  <a:extLst>
-                    <a:ext uri="{A12FA001-AC4F-418D-AE19-62706E023703}">
-                      <ahyp:hlinkClr xmlns:ahyp="http://schemas.microsoft.com/office/drawing/2018/hyperlinkcolor" val="tx"/>
-                    </a:ext>
-                  </a:extLst>
-                </a:hlinkClick>
-              </a:rPr>
-              <a:t>/autonomous-bi-agent (github.com)</a:t>
-            </a:r>
-            <a:br>
-              <a:rPr lang="en-IN" dirty="0">
-                <a:solidFill>
-                  <a:schemeClr val="bg1"/>
-                </a:solidFill>
-                <a:ea typeface="+mn-lt"/>
-                <a:cs typeface="+mn-lt"/>
-              </a:rPr>
-            </a:br>
-            <a:br>
-              <a:rPr lang="en-IN" dirty="0">
-                <a:solidFill>
-                  <a:schemeClr val="bg1"/>
-                </a:solidFill>
-                <a:ea typeface="+mn-lt"/>
-                <a:cs typeface="+mn-lt"/>
-              </a:rPr>
-            </a:br>
-            <a:r>
-              <a:rPr lang="en-IN" dirty="0">
-                <a:solidFill>
-                  <a:schemeClr val="bg1"/>
-                </a:solidFill>
-                <a:ea typeface="Calibri"/>
-                <a:cs typeface="Calibri"/>
-              </a:rPr>
-              <a:t>Link to render service:</a:t>
-            </a:r>
-            <a:r>
-              <a:rPr lang="en-IN" dirty="0">
-                <a:solidFill>
-                  <a:schemeClr val="bg1"/>
-                </a:solidFill>
-                <a:ea typeface="+mn-lt"/>
-                <a:cs typeface="+mn-lt"/>
-              </a:rPr>
-              <a:t> </a:t>
-            </a:r>
-            <a:r>
-              <a:rPr lang="en-IN" dirty="0">
-                <a:solidFill>
-                  <a:srgbClr val="0070C0"/>
-                </a:solidFill>
-                <a:ea typeface="+mn-lt"/>
-                <a:cs typeface="+mn-lt"/>
-                <a:hlinkClick r:id="rId4">
-                  <a:extLst>
-                    <a:ext uri="{A12FA001-AC4F-418D-AE19-62706E023703}">
-                      <ahyp:hlinkClr xmlns:ahyp="http://schemas.microsoft.com/office/drawing/2018/hyperlinkcolor" val="tx"/>
-                    </a:ext>
-                  </a:extLst>
-                </a:hlinkClick>
-              </a:rPr>
-              <a:t>https://autonomous-bi-agent-1-vj1y.onrender.com/docs</a:t>
-            </a:r>
-            <a:br>
-              <a:rPr lang="en-IN" dirty="0">
-                <a:solidFill>
-                  <a:schemeClr val="bg1"/>
-                </a:solidFill>
-                <a:ea typeface="+mn-lt"/>
-                <a:cs typeface="+mn-lt"/>
-              </a:rPr>
-            </a:br>
-            <a:br>
-              <a:rPr lang="en-IN" dirty="0">
-                <a:solidFill>
-                  <a:schemeClr val="bg1"/>
-                </a:solidFill>
-                <a:ea typeface="+mn-lt"/>
-                <a:cs typeface="+mn-lt"/>
-              </a:rPr>
-            </a:br>
-            <a:r>
-              <a:rPr lang="en-IN" dirty="0">
-                <a:solidFill>
-                  <a:schemeClr val="bg1"/>
-                </a:solidFill>
-                <a:ea typeface="Calibri"/>
-                <a:cs typeface="Calibri"/>
-              </a:rPr>
-              <a:t>Base44 Application Link: </a:t>
-            </a:r>
-            <a:r>
-              <a:rPr lang="en-IN" dirty="0">
-                <a:solidFill>
-                  <a:srgbClr val="0070C0"/>
-                </a:solidFill>
-                <a:ea typeface="+mn-lt"/>
-                <a:cs typeface="+mn-lt"/>
-                <a:hlinkClick r:id="rId5">
-                  <a:extLst>
-                    <a:ext uri="{A12FA001-AC4F-418D-AE19-62706E023703}">
-                      <ahyp:hlinkClr xmlns:ahyp="http://schemas.microsoft.com/office/drawing/2018/hyperlinkcolor" val="tx"/>
-                    </a:ext>
-                  </a:extLst>
-                </a:hlinkClick>
-              </a:rPr>
-              <a:t>https://synapse-bi-e80ad8c1.base44.app/</a:t>
+              <a:t> queries are used to setup the database tables and the RPC function.</a:t>
             </a:r>
             <a:endParaRPr lang="en-IN" dirty="0">
               <a:solidFill>
-                <a:srgbClr val="0070C0"/>
+                <a:schemeClr val="bg1"/>
               </a:solidFill>
             </a:endParaRPr>
-          </a:p>
-          <a:p>
-            <a:endParaRPr lang="en-IN" dirty="0"/>
           </a:p>
         </p:txBody>
       </p:sp>
     </p:spTree>
     <p:extLst>
       <p:ext uri="{BB962C8B-B14F-4D97-AF65-F5344CB8AC3E}">
-        <p14:creationId xmlns:p14="http://schemas.microsoft.com/office/powerpoint/2010/main" val="746057713"/>
+        <p14:creationId xmlns:p14="http://schemas.microsoft.com/office/powerpoint/2010/main" val="1699307187"/>
+      </p:ext>
+    </p:extLst>
+  </p:cSld>
+  <p:clrMapOvr>
+    <a:masterClrMapping/>
+  </p:clrMapOvr>
+</p:sld>
+</file>
+
+<file path=ppt/slides/slide8.xml><?xml version="1.0" encoding="utf-8"?>
+<p:sld xmlns:a="http://schemas.openxmlformats.org/drawingml/2006/main" xmlns:r="http://schemas.openxmlformats.org/officeDocument/2006/relationships" xmlns:p="http://schemas.openxmlformats.org/presentationml/2006/main">
+  <p:cSld>
+    <p:spTree>
+      <p:nvGrpSpPr>
+        <p:cNvPr id="1" name=""/>
+        <p:cNvGrpSpPr/>
+        <p:nvPr/>
+      </p:nvGrpSpPr>
+      <p:grpSpPr>
+        <a:xfrm>
+          <a:off x="0" y="0"/>
+          <a:ext cx="0" cy="0"/>
+          <a:chOff x="0" y="0"/>
+          <a:chExt cx="0" cy="0"/>
+        </a:xfrm>
+      </p:grpSpPr>
+      <p:sp>
+        <p:nvSpPr>
+          <p:cNvPr id="2" name="Title 1">
+            <a:extLst>
+              <a:ext uri="{FF2B5EF4-FFF2-40B4-BE49-F238E27FC236}">
+                <a16:creationId xmlns:a16="http://schemas.microsoft.com/office/drawing/2014/main" id="{7D99463C-CB9B-F5F5-6B7F-C38EC83851F4}"/>
+              </a:ext>
+            </a:extLst>
+          </p:cNvPr>
+          <p:cNvSpPr>
+            <a:spLocks noGrp="1"/>
+          </p:cNvSpPr>
+          <p:nvPr>
+            <p:ph type="title"/>
+          </p:nvPr>
+        </p:nvSpPr>
+        <p:spPr>
+          <a:xfrm>
+            <a:off x="156333" y="365125"/>
+            <a:ext cx="11879333" cy="1325563"/>
+          </a:xfrm>
+        </p:spPr>
+        <p:txBody>
+          <a:bodyPr/>
+          <a:lstStyle/>
+          <a:p>
+            <a:r>
+              <a:rPr lang="en-US" dirty="0">
+                <a:solidFill>
+                  <a:schemeClr val="bg1"/>
+                </a:solidFill>
+              </a:rPr>
+              <a:t>RAG Flow used to setup the </a:t>
+            </a:r>
+            <a:r>
+              <a:rPr lang="en-US" dirty="0" err="1">
+                <a:solidFill>
+                  <a:schemeClr val="bg1"/>
+                </a:solidFill>
+              </a:rPr>
+              <a:t>Supabase</a:t>
+            </a:r>
+            <a:r>
+              <a:rPr lang="en-US" dirty="0">
+                <a:solidFill>
+                  <a:schemeClr val="bg1"/>
+                </a:solidFill>
+              </a:rPr>
+              <a:t> data with vector embeddings</a:t>
+            </a:r>
+            <a:endParaRPr lang="en-IN" dirty="0">
+              <a:solidFill>
+                <a:schemeClr val="bg1"/>
+              </a:solidFill>
+            </a:endParaRPr>
+          </a:p>
+        </p:txBody>
+      </p:sp>
+      <p:pic>
+        <p:nvPicPr>
+          <p:cNvPr id="5" name="Picture 4">
+            <a:extLst>
+              <a:ext uri="{FF2B5EF4-FFF2-40B4-BE49-F238E27FC236}">
+                <a16:creationId xmlns:a16="http://schemas.microsoft.com/office/drawing/2014/main" id="{CC0DFB47-B485-88DC-D8F4-00BDA881DE6C}"/>
+              </a:ext>
+            </a:extLst>
+          </p:cNvPr>
+          <p:cNvPicPr>
+            <a:picLocks noChangeAspect="1"/>
+          </p:cNvPicPr>
+          <p:nvPr/>
+        </p:nvPicPr>
+        <p:blipFill>
+          <a:blip r:embed="rId2"/>
+          <a:stretch>
+            <a:fillRect/>
+          </a:stretch>
+        </p:blipFill>
+        <p:spPr>
+          <a:xfrm>
+            <a:off x="156332" y="2176419"/>
+            <a:ext cx="11879333" cy="3400900"/>
+          </a:xfrm>
+          <a:prstGeom prst="rect">
+            <a:avLst/>
+          </a:prstGeom>
+        </p:spPr>
+      </p:pic>
+    </p:spTree>
+    <p:extLst>
+      <p:ext uri="{BB962C8B-B14F-4D97-AF65-F5344CB8AC3E}">
+        <p14:creationId xmlns:p14="http://schemas.microsoft.com/office/powerpoint/2010/main" val="202720638"/>
+      </p:ext>
+    </p:extLst>
+  </p:cSld>
+  <p:clrMapOvr>
+    <a:masterClrMapping/>
+  </p:clrMapOvr>
+</p:sld>
+</file>
+
+<file path=ppt/slides/slide9.xml><?xml version="1.0" encoding="utf-8"?>
+<p:sld xmlns:a="http://schemas.openxmlformats.org/drawingml/2006/main" xmlns:r="http://schemas.openxmlformats.org/officeDocument/2006/relationships" xmlns:p="http://schemas.openxmlformats.org/presentationml/2006/main">
+  <p:cSld>
+    <p:spTree>
+      <p:nvGrpSpPr>
+        <p:cNvPr id="1" name=""/>
+        <p:cNvGrpSpPr/>
+        <p:nvPr/>
+      </p:nvGrpSpPr>
+      <p:grpSpPr>
+        <a:xfrm>
+          <a:off x="0" y="0"/>
+          <a:ext cx="0" cy="0"/>
+          <a:chOff x="0" y="0"/>
+          <a:chExt cx="0" cy="0"/>
+        </a:xfrm>
+      </p:grpSpPr>
+      <p:sp>
+        <p:nvSpPr>
+          <p:cNvPr id="2" name="Title 1">
+            <a:extLst>
+              <a:ext uri="{FF2B5EF4-FFF2-40B4-BE49-F238E27FC236}">
+                <a16:creationId xmlns:a16="http://schemas.microsoft.com/office/drawing/2014/main" id="{FC2CAC7E-E8C8-4D1F-701D-00DA714DBBE0}"/>
+              </a:ext>
+            </a:extLst>
+          </p:cNvPr>
+          <p:cNvSpPr>
+            <a:spLocks noGrp="1"/>
+          </p:cNvSpPr>
+          <p:nvPr>
+            <p:ph type="title"/>
+          </p:nvPr>
+        </p:nvSpPr>
+        <p:spPr>
+          <a:xfrm>
+            <a:off x="838200" y="365125"/>
+            <a:ext cx="10515600" cy="1043797"/>
+          </a:xfrm>
+        </p:spPr>
+        <p:txBody>
+          <a:bodyPr>
+            <a:normAutofit fontScale="90000"/>
+          </a:bodyPr>
+          <a:lstStyle/>
+          <a:p>
+            <a:r>
+              <a:rPr lang="en-US" dirty="0">
+                <a:solidFill>
+                  <a:schemeClr val="bg1"/>
+                </a:solidFill>
+              </a:rPr>
+              <a:t>Conversational Agent for fetching specific user defined queries.</a:t>
+            </a:r>
+            <a:endParaRPr lang="en-IN" dirty="0">
+              <a:solidFill>
+                <a:schemeClr val="bg1"/>
+              </a:solidFill>
+            </a:endParaRPr>
+          </a:p>
+        </p:txBody>
+      </p:sp>
+      <p:pic>
+        <p:nvPicPr>
+          <p:cNvPr id="5" name="Picture 4">
+            <a:extLst>
+              <a:ext uri="{FF2B5EF4-FFF2-40B4-BE49-F238E27FC236}">
+                <a16:creationId xmlns:a16="http://schemas.microsoft.com/office/drawing/2014/main" id="{2E45E9E2-F678-4A5E-9206-482C62214D80}"/>
+              </a:ext>
+            </a:extLst>
+          </p:cNvPr>
+          <p:cNvPicPr>
+            <a:picLocks noChangeAspect="1"/>
+          </p:cNvPicPr>
+          <p:nvPr/>
+        </p:nvPicPr>
+        <p:blipFill>
+          <a:blip r:embed="rId2"/>
+          <a:stretch>
+            <a:fillRect/>
+          </a:stretch>
+        </p:blipFill>
+        <p:spPr>
+          <a:xfrm>
+            <a:off x="838200" y="1910660"/>
+            <a:ext cx="10621857" cy="3839111"/>
+          </a:xfrm>
+          <a:prstGeom prst="rect">
+            <a:avLst/>
+          </a:prstGeom>
+        </p:spPr>
+      </p:pic>
+    </p:spTree>
+    <p:extLst>
+      <p:ext uri="{BB962C8B-B14F-4D97-AF65-F5344CB8AC3E}">
+        <p14:creationId xmlns:p14="http://schemas.microsoft.com/office/powerpoint/2010/main" val="3978160042"/>
       </p:ext>
     </p:extLst>
   </p:cSld>
